--- a/Allgemeines/TimeLine.pptx
+++ b/Allgemeines/TimeLine.pptx
@@ -116,6 +116,10 @@
 </p:presentation>
 </file>
 
+<file path=ppt/revisionInfo.xml><?xml version="1.0" encoding="utf-8"?>
+<p1510:revInfo xmlns:a="http://schemas.openxmlformats.org/drawingml/2006/main" xmlns:r="http://schemas.openxmlformats.org/officeDocument/2006/relationships" xmlns:p1510="http://schemas.microsoft.com/office/powerpoint/2015/10/main"/>
+</file>
+
 <file path=ppt/slideLayouts/slideLayout1.xml><?xml version="1.0" encoding="utf-8"?>
 <p:sldLayout xmlns:a="http://schemas.openxmlformats.org/drawingml/2006/main" xmlns:r="http://schemas.openxmlformats.org/officeDocument/2006/relationships" xmlns:p="http://schemas.openxmlformats.org/presentationml/2006/main" type="title" preserve="1">
   <p:cSld name="Titelfolie">
@@ -245,7 +249,7 @@
           <a:p>
             <a:fld id="{0E837BD1-8A53-41AE-9752-203469E40130}" type="datetimeFigureOut">
               <a:rPr lang="de-DE" smtClean="0"/>
-              <a:t>24.04.2017</a:t>
+              <a:t>04.05.2017</a:t>
             </a:fld>
             <a:endParaRPr lang="de-DE"/>
           </a:p>
@@ -413,7 +417,7 @@
           <a:p>
             <a:fld id="{0E837BD1-8A53-41AE-9752-203469E40130}" type="datetimeFigureOut">
               <a:rPr lang="de-DE" smtClean="0"/>
-              <a:t>24.04.2017</a:t>
+              <a:t>04.05.2017</a:t>
             </a:fld>
             <a:endParaRPr lang="de-DE"/>
           </a:p>
@@ -591,7 +595,7 @@
           <a:p>
             <a:fld id="{0E837BD1-8A53-41AE-9752-203469E40130}" type="datetimeFigureOut">
               <a:rPr lang="de-DE" smtClean="0"/>
-              <a:t>24.04.2017</a:t>
+              <a:t>04.05.2017</a:t>
             </a:fld>
             <a:endParaRPr lang="de-DE"/>
           </a:p>
@@ -759,7 +763,7 @@
           <a:p>
             <a:fld id="{0E837BD1-8A53-41AE-9752-203469E40130}" type="datetimeFigureOut">
               <a:rPr lang="de-DE" smtClean="0"/>
-              <a:t>24.04.2017</a:t>
+              <a:t>04.05.2017</a:t>
             </a:fld>
             <a:endParaRPr lang="de-DE"/>
           </a:p>
@@ -1004,7 +1008,7 @@
           <a:p>
             <a:fld id="{0E837BD1-8A53-41AE-9752-203469E40130}" type="datetimeFigureOut">
               <a:rPr lang="de-DE" smtClean="0"/>
-              <a:t>24.04.2017</a:t>
+              <a:t>04.05.2017</a:t>
             </a:fld>
             <a:endParaRPr lang="de-DE"/>
           </a:p>
@@ -1233,7 +1237,7 @@
           <a:p>
             <a:fld id="{0E837BD1-8A53-41AE-9752-203469E40130}" type="datetimeFigureOut">
               <a:rPr lang="de-DE" smtClean="0"/>
-              <a:t>24.04.2017</a:t>
+              <a:t>04.05.2017</a:t>
             </a:fld>
             <a:endParaRPr lang="de-DE"/>
           </a:p>
@@ -1597,7 +1601,7 @@
           <a:p>
             <a:fld id="{0E837BD1-8A53-41AE-9752-203469E40130}" type="datetimeFigureOut">
               <a:rPr lang="de-DE" smtClean="0"/>
-              <a:t>24.04.2017</a:t>
+              <a:t>04.05.2017</a:t>
             </a:fld>
             <a:endParaRPr lang="de-DE"/>
           </a:p>
@@ -1714,7 +1718,7 @@
           <a:p>
             <a:fld id="{0E837BD1-8A53-41AE-9752-203469E40130}" type="datetimeFigureOut">
               <a:rPr lang="de-DE" smtClean="0"/>
-              <a:t>24.04.2017</a:t>
+              <a:t>04.05.2017</a:t>
             </a:fld>
             <a:endParaRPr lang="de-DE"/>
           </a:p>
@@ -1809,7 +1813,7 @@
           <a:p>
             <a:fld id="{0E837BD1-8A53-41AE-9752-203469E40130}" type="datetimeFigureOut">
               <a:rPr lang="de-DE" smtClean="0"/>
-              <a:t>24.04.2017</a:t>
+              <a:t>04.05.2017</a:t>
             </a:fld>
             <a:endParaRPr lang="de-DE"/>
           </a:p>
@@ -2084,7 +2088,7 @@
           <a:p>
             <a:fld id="{0E837BD1-8A53-41AE-9752-203469E40130}" type="datetimeFigureOut">
               <a:rPr lang="de-DE" smtClean="0"/>
-              <a:t>24.04.2017</a:t>
+              <a:t>04.05.2017</a:t>
             </a:fld>
             <a:endParaRPr lang="de-DE"/>
           </a:p>
@@ -2336,7 +2340,7 @@
           <a:p>
             <a:fld id="{0E837BD1-8A53-41AE-9752-203469E40130}" type="datetimeFigureOut">
               <a:rPr lang="de-DE" smtClean="0"/>
-              <a:t>24.04.2017</a:t>
+              <a:t>04.05.2017</a:t>
             </a:fld>
             <a:endParaRPr lang="de-DE"/>
           </a:p>
@@ -2547,7 +2551,7 @@
           <a:p>
             <a:fld id="{0E837BD1-8A53-41AE-9752-203469E40130}" type="datetimeFigureOut">
               <a:rPr lang="de-DE" smtClean="0"/>
-              <a:t>24.04.2017</a:t>
+              <a:t>04.05.2017</a:t>
             </a:fld>
             <a:endParaRPr lang="de-DE"/>
           </a:p>
@@ -7943,7 +7947,9 @@
         </p:nvSpPr>
         <p:spPr/>
         <p:txBody>
-          <a:bodyPr/>
+          <a:bodyPr>
+            <a:normAutofit lnSpcReduction="10000"/>
+          </a:bodyPr>
           <a:lstStyle/>
           <a:p>
             <a:r>
@@ -7953,8 +7959,42 @@
           </a:p>
           <a:p>
             <a:r>
+              <a:rPr lang="de-DE" dirty="0">
+                <a:solidFill>
+                  <a:schemeClr val="accent3"/>
+                </a:solidFill>
+              </a:rPr>
+              <a:t>Apoptose-Modell durcharbeiten</a:t>
+            </a:r>
+          </a:p>
+          <a:p>
+            <a:r>
+              <a:rPr lang="de-DE" dirty="0">
+                <a:solidFill>
+                  <a:schemeClr val="accent3"/>
+                </a:solidFill>
+              </a:rPr>
+              <a:t>Zellzyklus-Modell implementieren</a:t>
+            </a:r>
+          </a:p>
+          <a:p>
+            <a:r>
               <a:rPr lang="de-DE" dirty="0"/>
-              <a:t>Apoptose-Modell verstehen</a:t>
+              <a:t>Zellzyklus-Modell entsprechend Apoptose-Modell simulieren</a:t>
+            </a:r>
+          </a:p>
+          <a:p>
+            <a:r>
+              <a:rPr lang="de-DE" dirty="0"/>
+              <a:t>Volumen und </a:t>
+            </a:r>
+            <a:r>
+              <a:rPr lang="de-DE" dirty="0" err="1"/>
+              <a:t>cyclin</a:t>
+            </a:r>
+            <a:r>
+              <a:rPr lang="de-DE" dirty="0"/>
+              <a:t> B als Zustände für Teilung festlegen</a:t>
             </a:r>
           </a:p>
         </p:txBody>
@@ -7995,6 +8035,18 @@
         <p:txBody>
           <a:bodyPr/>
           <a:lstStyle/>
+          <a:p>
+            <a:r>
+              <a:rPr lang="de-DE" dirty="0"/>
+              <a:t>Apoptose-Modell durcharbeiten</a:t>
+            </a:r>
+          </a:p>
+          <a:p>
+            <a:r>
+              <a:rPr lang="de-DE" dirty="0"/>
+              <a:t>Zellzyklus-Modell implementieren</a:t>
+            </a:r>
+          </a:p>
           <a:p>
             <a:endParaRPr lang="de-DE" dirty="0"/>
           </a:p>

--- a/Allgemeines/TimeLine.pptx
+++ b/Allgemeines/TimeLine.pptx
@@ -249,7 +249,7 @@
           <a:p>
             <a:fld id="{0E837BD1-8A53-41AE-9752-203469E40130}" type="datetimeFigureOut">
               <a:rPr lang="de-DE" smtClean="0"/>
-              <a:t>04.05.2017</a:t>
+              <a:t>02.06.2017</a:t>
             </a:fld>
             <a:endParaRPr lang="de-DE"/>
           </a:p>
@@ -417,7 +417,7 @@
           <a:p>
             <a:fld id="{0E837BD1-8A53-41AE-9752-203469E40130}" type="datetimeFigureOut">
               <a:rPr lang="de-DE" smtClean="0"/>
-              <a:t>04.05.2017</a:t>
+              <a:t>02.06.2017</a:t>
             </a:fld>
             <a:endParaRPr lang="de-DE"/>
           </a:p>
@@ -595,7 +595,7 @@
           <a:p>
             <a:fld id="{0E837BD1-8A53-41AE-9752-203469E40130}" type="datetimeFigureOut">
               <a:rPr lang="de-DE" smtClean="0"/>
-              <a:t>04.05.2017</a:t>
+              <a:t>02.06.2017</a:t>
             </a:fld>
             <a:endParaRPr lang="de-DE"/>
           </a:p>
@@ -763,7 +763,7 @@
           <a:p>
             <a:fld id="{0E837BD1-8A53-41AE-9752-203469E40130}" type="datetimeFigureOut">
               <a:rPr lang="de-DE" smtClean="0"/>
-              <a:t>04.05.2017</a:t>
+              <a:t>02.06.2017</a:t>
             </a:fld>
             <a:endParaRPr lang="de-DE"/>
           </a:p>
@@ -1008,7 +1008,7 @@
           <a:p>
             <a:fld id="{0E837BD1-8A53-41AE-9752-203469E40130}" type="datetimeFigureOut">
               <a:rPr lang="de-DE" smtClean="0"/>
-              <a:t>04.05.2017</a:t>
+              <a:t>02.06.2017</a:t>
             </a:fld>
             <a:endParaRPr lang="de-DE"/>
           </a:p>
@@ -1237,7 +1237,7 @@
           <a:p>
             <a:fld id="{0E837BD1-8A53-41AE-9752-203469E40130}" type="datetimeFigureOut">
               <a:rPr lang="de-DE" smtClean="0"/>
-              <a:t>04.05.2017</a:t>
+              <a:t>02.06.2017</a:t>
             </a:fld>
             <a:endParaRPr lang="de-DE"/>
           </a:p>
@@ -1601,7 +1601,7 @@
           <a:p>
             <a:fld id="{0E837BD1-8A53-41AE-9752-203469E40130}" type="datetimeFigureOut">
               <a:rPr lang="de-DE" smtClean="0"/>
-              <a:t>04.05.2017</a:t>
+              <a:t>02.06.2017</a:t>
             </a:fld>
             <a:endParaRPr lang="de-DE"/>
           </a:p>
@@ -1718,7 +1718,7 @@
           <a:p>
             <a:fld id="{0E837BD1-8A53-41AE-9752-203469E40130}" type="datetimeFigureOut">
               <a:rPr lang="de-DE" smtClean="0"/>
-              <a:t>04.05.2017</a:t>
+              <a:t>02.06.2017</a:t>
             </a:fld>
             <a:endParaRPr lang="de-DE"/>
           </a:p>
@@ -1813,7 +1813,7 @@
           <a:p>
             <a:fld id="{0E837BD1-8A53-41AE-9752-203469E40130}" type="datetimeFigureOut">
               <a:rPr lang="de-DE" smtClean="0"/>
-              <a:t>04.05.2017</a:t>
+              <a:t>02.06.2017</a:t>
             </a:fld>
             <a:endParaRPr lang="de-DE"/>
           </a:p>
@@ -2088,7 +2088,7 @@
           <a:p>
             <a:fld id="{0E837BD1-8A53-41AE-9752-203469E40130}" type="datetimeFigureOut">
               <a:rPr lang="de-DE" smtClean="0"/>
-              <a:t>04.05.2017</a:t>
+              <a:t>02.06.2017</a:t>
             </a:fld>
             <a:endParaRPr lang="de-DE"/>
           </a:p>
@@ -2340,7 +2340,7 @@
           <a:p>
             <a:fld id="{0E837BD1-8A53-41AE-9752-203469E40130}" type="datetimeFigureOut">
               <a:rPr lang="de-DE" smtClean="0"/>
-              <a:t>04.05.2017</a:t>
+              <a:t>02.06.2017</a:t>
             </a:fld>
             <a:endParaRPr lang="de-DE"/>
           </a:p>
@@ -2551,7 +2551,7 @@
           <a:p>
             <a:fld id="{0E837BD1-8A53-41AE-9752-203469E40130}" type="datetimeFigureOut">
               <a:rPr lang="de-DE" smtClean="0"/>
-              <a:t>04.05.2017</a:t>
+              <a:t>02.06.2017</a:t>
             </a:fld>
             <a:endParaRPr lang="de-DE"/>
           </a:p>
@@ -2958,7 +2958,7 @@
       </p:grpSpPr>
       <p:cxnSp>
         <p:nvCxnSpPr>
-          <p:cNvPr id="1308" name="OTLSHAPE_T_420fb5a65599426f9c0d017aca9c462f_RightVerticalConnector3"/>
+          <p:cNvPr id="1377" name="OTLSHAPE_T_420fb5a65599426f9c0d017aca9c462f_RightVerticalConnector3"/>
           <p:cNvCxnSpPr/>
           <p:nvPr>
             <p:custDataLst>
@@ -2968,13 +2968,13 @@
         </p:nvCxnSpPr>
         <p:spPr>
           <a:xfrm>
-            <a:off x="5308772" y="4506637"/>
+            <a:off x="5533713" y="4350138"/>
             <a:ext cx="0" cy="500719"/>
           </a:xfrm>
           <a:prstGeom prst="line">
             <a:avLst/>
           </a:prstGeom>
-          <a:ln w="4763" cap="flat" cmpd="sng" algn="ctr">
+          <a:ln w="9525" cap="flat" cmpd="sng" algn="ctr">
             <a:solidFill>
               <a:schemeClr val="dk1"/>
             </a:solidFill>
@@ -3001,7 +3001,7 @@
       </p:cxnSp>
       <p:cxnSp>
         <p:nvCxnSpPr>
-          <p:cNvPr id="1307" name="OTLSHAPE_T_420fb5a65599426f9c0d017aca9c462f_RightVerticalConnector2"/>
+          <p:cNvPr id="1376" name="OTLSHAPE_T_420fb5a65599426f9c0d017aca9c462f_RightVerticalConnector2"/>
           <p:cNvCxnSpPr/>
           <p:nvPr>
             <p:custDataLst>
@@ -3011,13 +3011,13 @@
         </p:nvCxnSpPr>
         <p:spPr>
           <a:xfrm>
-            <a:off x="5308772" y="4171019"/>
-            <a:ext cx="0" cy="132419"/>
+            <a:off x="5533713" y="4083438"/>
+            <a:ext cx="0" cy="63500"/>
           </a:xfrm>
           <a:prstGeom prst="line">
             <a:avLst/>
           </a:prstGeom>
-          <a:ln w="4763" cap="flat" cmpd="sng" algn="ctr">
+          <a:ln w="9525" cap="flat" cmpd="sng" algn="ctr">
             <a:solidFill>
               <a:schemeClr val="dk1"/>
             </a:solidFill>
@@ -3044,7 +3044,7 @@
       </p:cxnSp>
       <p:cxnSp>
         <p:nvCxnSpPr>
-          <p:cNvPr id="1306" name="OTLSHAPE_T_420fb5a65599426f9c0d017aca9c462f_RightVerticalConnector1"/>
+          <p:cNvPr id="1375" name="OTLSHAPE_T_420fb5a65599426f9c0d017aca9c462f_RightVerticalConnector1"/>
           <p:cNvCxnSpPr/>
           <p:nvPr>
             <p:custDataLst>
@@ -3054,13 +3054,13 @@
         </p:nvCxnSpPr>
         <p:spPr>
           <a:xfrm>
-            <a:off x="5308772" y="3429000"/>
-            <a:ext cx="0" cy="538819"/>
+            <a:off x="5533713" y="3410338"/>
+            <a:ext cx="0" cy="469900"/>
           </a:xfrm>
           <a:prstGeom prst="line">
             <a:avLst/>
           </a:prstGeom>
-          <a:ln w="4763" cap="flat" cmpd="sng" algn="ctr">
+          <a:ln w="9525" cap="flat" cmpd="sng" algn="ctr">
             <a:solidFill>
               <a:schemeClr val="dk1"/>
             </a:solidFill>
@@ -3087,7 +3087,7 @@
       </p:cxnSp>
       <p:cxnSp>
         <p:nvCxnSpPr>
-          <p:cNvPr id="1305" name="OTLSHAPE_T_420fb5a65599426f9c0d017aca9c462f_LeftVerticalConnector5"/>
+          <p:cNvPr id="1374" name="OTLSHAPE_T_420fb5a65599426f9c0d017aca9c462f_LeftVerticalConnector5"/>
           <p:cNvCxnSpPr/>
           <p:nvPr>
             <p:custDataLst>
@@ -3097,13 +3097,13 @@
         </p:nvCxnSpPr>
         <p:spPr>
           <a:xfrm>
-            <a:off x="1070118" y="4756997"/>
+            <a:off x="1295059" y="4600498"/>
             <a:ext cx="0" cy="250359"/>
           </a:xfrm>
           <a:prstGeom prst="line">
             <a:avLst/>
           </a:prstGeom>
-          <a:ln w="4763" cap="flat" cmpd="sng" algn="ctr">
+          <a:ln w="9525" cap="flat" cmpd="sng" algn="ctr">
             <a:solidFill>
               <a:schemeClr val="dk1"/>
             </a:solidFill>
@@ -3130,7 +3130,7 @@
       </p:cxnSp>
       <p:cxnSp>
         <p:nvCxnSpPr>
-          <p:cNvPr id="1304" name="OTLSHAPE_T_420fb5a65599426f9c0d017aca9c462f_LeftVerticalConnector4"/>
+          <p:cNvPr id="1373" name="OTLSHAPE_T_420fb5a65599426f9c0d017aca9c462f_LeftVerticalConnector4"/>
           <p:cNvCxnSpPr/>
           <p:nvPr>
             <p:custDataLst>
@@ -3140,13 +3140,13 @@
         </p:nvCxnSpPr>
         <p:spPr>
           <a:xfrm>
-            <a:off x="1070118" y="4490297"/>
+            <a:off x="1295059" y="4333798"/>
             <a:ext cx="0" cy="96181"/>
           </a:xfrm>
           <a:prstGeom prst="line">
             <a:avLst/>
           </a:prstGeom>
-          <a:ln w="4763" cap="flat" cmpd="sng" algn="ctr">
+          <a:ln w="9525" cap="flat" cmpd="sng" algn="ctr">
             <a:solidFill>
               <a:schemeClr val="dk1"/>
             </a:solidFill>
@@ -3173,7 +3173,7 @@
       </p:cxnSp>
       <p:cxnSp>
         <p:nvCxnSpPr>
-          <p:cNvPr id="1303" name="OTLSHAPE_T_420fb5a65599426f9c0d017aca9c462f_LeftVerticalConnector3"/>
+          <p:cNvPr id="1372" name="OTLSHAPE_T_420fb5a65599426f9c0d017aca9c462f_LeftVerticalConnector3"/>
           <p:cNvCxnSpPr/>
           <p:nvPr>
             <p:custDataLst>
@@ -3183,13 +3183,13 @@
         </p:nvCxnSpPr>
         <p:spPr>
           <a:xfrm>
-            <a:off x="1070118" y="4239937"/>
-            <a:ext cx="0" cy="79841"/>
+            <a:off x="1295059" y="4067098"/>
+            <a:ext cx="0" cy="96181"/>
           </a:xfrm>
           <a:prstGeom prst="line">
             <a:avLst/>
           </a:prstGeom>
-          <a:ln w="4763" cap="flat" cmpd="sng" algn="ctr">
+          <a:ln w="9525" cap="flat" cmpd="sng" algn="ctr">
             <a:solidFill>
               <a:schemeClr val="dk1"/>
             </a:solidFill>
@@ -3216,7 +3216,7 @@
       </p:cxnSp>
       <p:cxnSp>
         <p:nvCxnSpPr>
-          <p:cNvPr id="1302" name="OTLSHAPE_T_420fb5a65599426f9c0d017aca9c462f_LeftVerticalConnector2"/>
+          <p:cNvPr id="1371" name="OTLSHAPE_T_420fb5a65599426f9c0d017aca9c462f_LeftVerticalConnector2"/>
           <p:cNvCxnSpPr/>
           <p:nvPr>
             <p:custDataLst>
@@ -3226,13 +3226,13 @@
         </p:nvCxnSpPr>
         <p:spPr>
           <a:xfrm>
-            <a:off x="1070118" y="3835400"/>
-            <a:ext cx="0" cy="63500"/>
+            <a:off x="1295059" y="3816738"/>
+            <a:ext cx="0" cy="79841"/>
           </a:xfrm>
           <a:prstGeom prst="line">
             <a:avLst/>
           </a:prstGeom>
-          <a:ln w="4763" cap="flat" cmpd="sng" algn="ctr">
+          <a:ln w="9525" cap="flat" cmpd="sng" algn="ctr">
             <a:solidFill>
               <a:schemeClr val="dk1"/>
             </a:solidFill>
@@ -3259,7 +3259,7 @@
       </p:cxnSp>
       <p:cxnSp>
         <p:nvCxnSpPr>
-          <p:cNvPr id="1301" name="OTLSHAPE_T_420fb5a65599426f9c0d017aca9c462f_LeftVerticalConnector1"/>
+          <p:cNvPr id="1370" name="OTLSHAPE_T_420fb5a65599426f9c0d017aca9c462f_LeftVerticalConnector1"/>
           <p:cNvCxnSpPr/>
           <p:nvPr>
             <p:custDataLst>
@@ -3269,13 +3269,13 @@
         </p:nvCxnSpPr>
         <p:spPr>
           <a:xfrm>
-            <a:off x="1070118" y="3429000"/>
+            <a:off x="1295059" y="3410338"/>
             <a:ext cx="0" cy="203200"/>
           </a:xfrm>
           <a:prstGeom prst="line">
             <a:avLst/>
           </a:prstGeom>
-          <a:ln w="4763" cap="flat" cmpd="sng" algn="ctr">
+          <a:ln w="9525" cap="flat" cmpd="sng" algn="ctr">
             <a:solidFill>
               <a:schemeClr val="dk1"/>
             </a:solidFill>
@@ -3302,7 +3302,7 @@
       </p:cxnSp>
       <p:cxnSp>
         <p:nvCxnSpPr>
-          <p:cNvPr id="1300" name="OTLSHAPE_T_36683c43138a4021a0bb03786cb5ed44_RightVerticalConnector1"/>
+          <p:cNvPr id="1369" name="OTLSHAPE_T_36683c43138a4021a0bb03786cb5ed44_RightVerticalConnector1"/>
           <p:cNvCxnSpPr/>
           <p:nvPr>
             <p:custDataLst>
@@ -3312,13 +3312,13 @@
         </p:nvCxnSpPr>
         <p:spPr>
           <a:xfrm flipV="1">
-            <a:off x="10395207" y="3429000"/>
-            <a:ext cx="0" cy="1242737"/>
+            <a:off x="10620148" y="3410338"/>
+            <a:ext cx="0" cy="1104900"/>
           </a:xfrm>
           <a:prstGeom prst="line">
             <a:avLst/>
           </a:prstGeom>
-          <a:ln w="4763" cap="flat" cmpd="sng" algn="ctr">
+          <a:ln w="9525" cap="flat" cmpd="sng" algn="ctr">
             <a:solidFill>
               <a:schemeClr val="dk1"/>
             </a:solidFill>
@@ -3345,7 +3345,7 @@
       </p:cxnSp>
       <p:cxnSp>
         <p:nvCxnSpPr>
-          <p:cNvPr id="1296" name="OTLSHAPE_T_83761954c5e94a529b068318aceb1107_RightVerticalConnector2"/>
+          <p:cNvPr id="1366" name="OTLSHAPE_T_83761954c5e94a529b068318aceb1107_RightVerticalConnector2"/>
           <p:cNvCxnSpPr/>
           <p:nvPr>
             <p:custDataLst>
@@ -3355,13 +3355,13 @@
         </p:nvCxnSpPr>
         <p:spPr>
           <a:xfrm>
-            <a:off x="6519828" y="4146931"/>
-            <a:ext cx="0" cy="258106"/>
+            <a:off x="6744769" y="4059350"/>
+            <a:ext cx="0" cy="189188"/>
           </a:xfrm>
           <a:prstGeom prst="line">
             <a:avLst/>
           </a:prstGeom>
-          <a:ln w="4763" cap="flat" cmpd="sng" algn="ctr">
+          <a:ln w="9525" cap="flat" cmpd="sng" algn="ctr">
             <a:solidFill>
               <a:schemeClr val="dk1"/>
             </a:solidFill>
@@ -3388,7 +3388,7 @@
       </p:cxnSp>
       <p:cxnSp>
         <p:nvCxnSpPr>
-          <p:cNvPr id="1295" name="OTLSHAPE_T_83761954c5e94a529b068318aceb1107_RightVerticalConnector1"/>
+          <p:cNvPr id="1365" name="OTLSHAPE_T_83761954c5e94a529b068318aceb1107_RightVerticalConnector1"/>
           <p:cNvCxnSpPr/>
           <p:nvPr>
             <p:custDataLst>
@@ -3398,13 +3398,13 @@
         </p:nvCxnSpPr>
         <p:spPr>
           <a:xfrm>
-            <a:off x="6519828" y="3429000"/>
-            <a:ext cx="0" cy="562906"/>
+            <a:off x="6744769" y="3410338"/>
+            <a:ext cx="0" cy="493988"/>
           </a:xfrm>
           <a:prstGeom prst="line">
             <a:avLst/>
           </a:prstGeom>
-          <a:ln w="4763" cap="flat" cmpd="sng" algn="ctr">
+          <a:ln w="9525" cap="flat" cmpd="sng" algn="ctr">
             <a:solidFill>
               <a:schemeClr val="dk1"/>
             </a:solidFill>
@@ -3431,7 +3431,7 @@
       </p:cxnSp>
       <p:cxnSp>
         <p:nvCxnSpPr>
-          <p:cNvPr id="1294" name="OTLSHAPE_T_83761954c5e94a529b068318aceb1107_LeftVerticalConnector2"/>
+          <p:cNvPr id="1364" name="OTLSHAPE_T_83761954c5e94a529b068318aceb1107_LeftVerticalConnector2"/>
           <p:cNvCxnSpPr/>
           <p:nvPr>
             <p:custDataLst>
@@ -3441,13 +3441,13 @@
         </p:nvCxnSpPr>
         <p:spPr>
           <a:xfrm>
-            <a:off x="3189466" y="4171019"/>
-            <a:ext cx="0" cy="234019"/>
+            <a:off x="3414407" y="4083438"/>
+            <a:ext cx="0" cy="165100"/>
           </a:xfrm>
           <a:prstGeom prst="line">
             <a:avLst/>
           </a:prstGeom>
-          <a:ln w="4763" cap="flat" cmpd="sng" algn="ctr">
+          <a:ln w="9525" cap="flat" cmpd="sng" algn="ctr">
             <a:solidFill>
               <a:schemeClr val="dk1"/>
             </a:solidFill>
@@ -3474,7 +3474,7 @@
       </p:cxnSp>
       <p:cxnSp>
         <p:nvCxnSpPr>
-          <p:cNvPr id="1293" name="OTLSHAPE_T_83761954c5e94a529b068318aceb1107_LeftVerticalConnector1"/>
+          <p:cNvPr id="1363" name="OTLSHAPE_T_83761954c5e94a529b068318aceb1107_LeftVerticalConnector1"/>
           <p:cNvCxnSpPr/>
           <p:nvPr>
             <p:custDataLst>
@@ -3484,13 +3484,13 @@
         </p:nvCxnSpPr>
         <p:spPr>
           <a:xfrm>
-            <a:off x="3189466" y="3429000"/>
-            <a:ext cx="0" cy="538819"/>
+            <a:off x="3414407" y="3410338"/>
+            <a:ext cx="0" cy="469900"/>
           </a:xfrm>
           <a:prstGeom prst="line">
             <a:avLst/>
           </a:prstGeom>
-          <a:ln w="4763" cap="flat" cmpd="sng" algn="ctr">
+          <a:ln w="9525" cap="flat" cmpd="sng" algn="ctr">
             <a:solidFill>
               <a:schemeClr val="dk1"/>
             </a:solidFill>
@@ -3517,7 +3517,7 @@
       </p:cxnSp>
       <p:cxnSp>
         <p:nvCxnSpPr>
-          <p:cNvPr id="1292" name="OTLSHAPE_T_e1992e7d535649fba658f20cea9e3bfd_RightVerticalConnector1"/>
+          <p:cNvPr id="1362" name="OTLSHAPE_T_e1992e7d535649fba658f20cea9e3bfd_RightVerticalConnector1"/>
           <p:cNvCxnSpPr/>
           <p:nvPr>
             <p:custDataLst>
@@ -3527,13 +3527,13 @@
         </p:nvCxnSpPr>
         <p:spPr>
           <a:xfrm flipV="1">
-            <a:off x="6156511" y="3429000"/>
-            <a:ext cx="0" cy="640419"/>
+            <a:off x="6381452" y="3410338"/>
+            <a:ext cx="0" cy="571500"/>
           </a:xfrm>
           <a:prstGeom prst="line">
             <a:avLst/>
           </a:prstGeom>
-          <a:ln w="4763" cap="flat" cmpd="sng" algn="ctr">
+          <a:ln w="9525" cap="flat" cmpd="sng" algn="ctr">
             <a:solidFill>
               <a:schemeClr val="dk1"/>
             </a:solidFill>
@@ -3560,7 +3560,7 @@
       </p:cxnSp>
       <p:cxnSp>
         <p:nvCxnSpPr>
-          <p:cNvPr id="1291" name="OTLSHAPE_T_e1992e7d535649fba658f20cea9e3bfd_LeftVerticalConnector2"/>
+          <p:cNvPr id="1361" name="OTLSHAPE_T_e1992e7d535649fba658f20cea9e3bfd_LeftVerticalConnector2"/>
           <p:cNvCxnSpPr/>
           <p:nvPr>
             <p:custDataLst>
@@ -3570,13 +3570,13 @@
         </p:nvCxnSpPr>
         <p:spPr>
           <a:xfrm>
-            <a:off x="1917857" y="3835400"/>
-            <a:ext cx="0" cy="234019"/>
+            <a:off x="2142798" y="3816738"/>
+            <a:ext cx="0" cy="165100"/>
           </a:xfrm>
           <a:prstGeom prst="line">
             <a:avLst/>
           </a:prstGeom>
-          <a:ln w="4763" cap="flat" cmpd="sng" algn="ctr">
+          <a:ln w="9525" cap="flat" cmpd="sng" algn="ctr">
             <a:solidFill>
               <a:schemeClr val="dk1"/>
             </a:solidFill>
@@ -3603,7 +3603,7 @@
       </p:cxnSp>
       <p:cxnSp>
         <p:nvCxnSpPr>
-          <p:cNvPr id="1290" name="OTLSHAPE_T_e1992e7d535649fba658f20cea9e3bfd_LeftVerticalConnector1"/>
+          <p:cNvPr id="1360" name="OTLSHAPE_T_e1992e7d535649fba658f20cea9e3bfd_LeftVerticalConnector1"/>
           <p:cNvCxnSpPr/>
           <p:nvPr>
             <p:custDataLst>
@@ -3613,13 +3613,13 @@
         </p:nvCxnSpPr>
         <p:spPr>
           <a:xfrm>
-            <a:off x="1917857" y="3429000"/>
+            <a:off x="2142798" y="3410338"/>
             <a:ext cx="0" cy="203200"/>
           </a:xfrm>
           <a:prstGeom prst="line">
             <a:avLst/>
           </a:prstGeom>
-          <a:ln w="4763" cap="flat" cmpd="sng" algn="ctr">
+          <a:ln w="9525" cap="flat" cmpd="sng" algn="ctr">
             <a:solidFill>
               <a:schemeClr val="dk1"/>
             </a:solidFill>
@@ -3646,7 +3646,7 @@
       </p:cxnSp>
       <p:cxnSp>
         <p:nvCxnSpPr>
-          <p:cNvPr id="1289" name="OTLSHAPE_T_5e2edad91da6454fa636d3d2195aaaae_RightVerticalConnector1"/>
+          <p:cNvPr id="1359" name="OTLSHAPE_T_5e2edad91da6454fa636d3d2195aaaae_RightVerticalConnector1"/>
           <p:cNvCxnSpPr/>
           <p:nvPr>
             <p:custDataLst>
@@ -3656,13 +3656,13 @@
         </p:nvCxnSpPr>
         <p:spPr>
           <a:xfrm flipV="1">
-            <a:off x="2341685" y="3429000"/>
+            <a:off x="2566626" y="3410338"/>
             <a:ext cx="0" cy="304800"/>
           </a:xfrm>
           <a:prstGeom prst="line">
             <a:avLst/>
           </a:prstGeom>
-          <a:ln w="4763" cap="flat" cmpd="sng" algn="ctr">
+          <a:ln w="9525" cap="flat" cmpd="sng" algn="ctr">
             <a:solidFill>
               <a:schemeClr val="dk1"/>
             </a:solidFill>
@@ -3689,7 +3689,7 @@
       </p:cxnSp>
       <p:cxnSp>
         <p:nvCxnSpPr>
-          <p:cNvPr id="1185" name="OTLSHAPE_M_e6f7b03635b944ff85cf20b530f9c878_Connector1"/>
+          <p:cNvPr id="63" name="OTLSHAPE_M_e6f7b03635b944ff85cf20b530f9c878_Connector1"/>
           <p:cNvCxnSpPr/>
           <p:nvPr>
             <p:custDataLst>
@@ -3699,13 +3699,13 @@
         </p:nvCxnSpPr>
         <p:spPr>
           <a:xfrm>
-            <a:off x="10462109" y="2355976"/>
+            <a:off x="10687050" y="2337314"/>
             <a:ext cx="0" cy="692024"/>
           </a:xfrm>
           <a:prstGeom prst="line">
             <a:avLst/>
           </a:prstGeom>
-          <a:ln w="4763" cap="flat" cmpd="sng" algn="ctr">
+          <a:ln w="9525" cap="flat" cmpd="sng" algn="ctr">
             <a:solidFill>
               <a:srgbClr val="EA161E">
                 <a:alpha val="49804"/>
@@ -3734,7 +3734,7 @@
       </p:cxnSp>
       <p:cxnSp>
         <p:nvCxnSpPr>
-          <p:cNvPr id="1184" name="OTLSHAPE_M_67f7d6e1100f4aeba127765d30e4b8ac_Connector1"/>
+          <p:cNvPr id="62" name="OTLSHAPE_M_67f7d6e1100f4aeba127765d30e4b8ac_Connector1"/>
           <p:cNvCxnSpPr/>
           <p:nvPr>
             <p:custDataLst>
@@ -3744,13 +3744,13 @@
         </p:nvCxnSpPr>
         <p:spPr>
           <a:xfrm>
-            <a:off x="8766632" y="2292920"/>
+            <a:off x="8991573" y="2274258"/>
             <a:ext cx="0" cy="755080"/>
           </a:xfrm>
           <a:prstGeom prst="line">
             <a:avLst/>
           </a:prstGeom>
-          <a:ln w="4763" cap="flat" cmpd="sng" algn="ctr">
+          <a:ln w="9525" cap="flat" cmpd="sng" algn="ctr">
             <a:solidFill>
               <a:srgbClr val="2F3699">
                 <a:alpha val="49804"/>
@@ -3779,7 +3779,7 @@
       </p:cxnSp>
       <p:cxnSp>
         <p:nvCxnSpPr>
-          <p:cNvPr id="31" name="OTLSHAPE_M_6464ba573de4403b8584d033c11448d3_Connector1"/>
+          <p:cNvPr id="61" name="OTLSHAPE_M_6464ba573de4403b8584d033c11448d3_Connector1"/>
           <p:cNvCxnSpPr/>
           <p:nvPr>
             <p:custDataLst>
@@ -3789,13 +3789,13 @@
         </p:nvCxnSpPr>
         <p:spPr>
           <a:xfrm>
-            <a:off x="1136979" y="2323359"/>
+            <a:off x="1361920" y="2304697"/>
             <a:ext cx="0" cy="724641"/>
           </a:xfrm>
           <a:prstGeom prst="line">
             <a:avLst/>
           </a:prstGeom>
-          <a:ln w="4763" cap="flat" cmpd="sng" algn="ctr">
+          <a:ln w="9525" cap="flat" cmpd="sng" algn="ctr">
             <a:solidFill>
               <a:srgbClr val="EA161E">
                 <a:alpha val="49804"/>
@@ -3824,7 +3824,7 @@
       </p:cxnSp>
       <p:sp>
         <p:nvSpPr>
-          <p:cNvPr id="2" name="OTLSHAPE_TB_00000000000000000000000000000000_LeftEndCaps" hidden="1"/>
+          <p:cNvPr id="32" name="OTLSHAPE_TB_00000000000000000000000000000000_LeftEndCaps" hidden="1"/>
           <p:cNvSpPr txBox="1"/>
           <p:nvPr>
             <p:custDataLst>
@@ -3863,7 +3863,7 @@
       </p:sp>
       <p:sp>
         <p:nvSpPr>
-          <p:cNvPr id="3" name="OTLSHAPE_TB_00000000000000000000000000000000_RightEndCaps"/>
+          <p:cNvPr id="33" name="OTLSHAPE_TB_00000000000000000000000000000000_RightEndCaps"/>
           <p:cNvSpPr txBox="1"/>
           <p:nvPr>
             <p:custDataLst>
@@ -3873,7 +3873,7 @@
         </p:nvSpPr>
         <p:spPr>
           <a:xfrm>
-            <a:off x="11474534" y="3098969"/>
+            <a:off x="11699475" y="3080307"/>
             <a:ext cx="451662" cy="279061"/>
           </a:xfrm>
           <a:prstGeom prst="rect">
@@ -3902,7 +3902,7 @@
       </p:sp>
       <p:sp>
         <p:nvSpPr>
-          <p:cNvPr id="4" name="OTLSHAPE_TB_00000000000000000000000000000000_ScaleContainer"/>
+          <p:cNvPr id="34" name="OTLSHAPE_TB_00000000000000000000000000000000_ScaleContainer"/>
           <p:cNvSpPr/>
           <p:nvPr>
             <p:custDataLst>
@@ -3912,7 +3912,7 @@
         </p:nvSpPr>
         <p:spPr>
           <a:xfrm>
-            <a:off x="844465" y="3048000"/>
+            <a:off x="1069406" y="3029338"/>
             <a:ext cx="10515600" cy="381000"/>
           </a:xfrm>
           <a:prstGeom prst="roundRect">
@@ -3990,7 +3990,7 @@
       </p:sp>
       <p:sp>
         <p:nvSpPr>
-          <p:cNvPr id="5" name="OTLSHAPE_TB_00000000000000000000000000000000_ElapsedTime"/>
+          <p:cNvPr id="35" name="OTLSHAPE_TB_00000000000000000000000000000000_ElapsedTime"/>
           <p:cNvSpPr/>
           <p:nvPr>
             <p:custDataLst>
@@ -4000,8 +4000,8 @@
         </p:nvSpPr>
         <p:spPr>
           <a:xfrm>
-            <a:off x="844465" y="3048000"/>
-            <a:ext cx="1117600" cy="381000"/>
+            <a:off x="1069406" y="3029338"/>
+            <a:ext cx="3467100" cy="381000"/>
           </a:xfrm>
           <a:prstGeom prst="roundRect">
             <a:avLst>
@@ -4069,7 +4069,7 @@
       </p:sp>
       <p:sp>
         <p:nvSpPr>
-          <p:cNvPr id="6" name="OTLSHAPE_TB_00000000000000000000000000000000_TodayMarkerShape"/>
+          <p:cNvPr id="36" name="OTLSHAPE_TB_00000000000000000000000000000000_TodayMarkerShape"/>
           <p:cNvSpPr/>
           <p:nvPr>
             <p:custDataLst>
@@ -4079,7 +4079,7 @@
         </p:nvSpPr>
         <p:spPr>
           <a:xfrm flipV="1">
-            <a:off x="1897848" y="2921000"/>
+            <a:off x="4472151" y="2902338"/>
             <a:ext cx="114300" cy="127000"/>
           </a:xfrm>
           <a:prstGeom prst="triangle">
@@ -4144,7 +4144,7 @@
       </p:sp>
       <p:sp>
         <p:nvSpPr>
-          <p:cNvPr id="7" name="OTLSHAPE_TB_00000000000000000000000000000000_TodayMarkerText"/>
+          <p:cNvPr id="37" name="OTLSHAPE_TB_00000000000000000000000000000000_TodayMarkerText"/>
           <p:cNvSpPr txBox="1"/>
           <p:nvPr>
             <p:custDataLst>
@@ -4154,7 +4154,7 @@
         </p:nvSpPr>
         <p:spPr>
           <a:xfrm>
-            <a:off x="1764253" y="2734945"/>
+            <a:off x="4338556" y="2716283"/>
             <a:ext cx="381000" cy="186055"/>
           </a:xfrm>
           <a:prstGeom prst="rect">
@@ -4183,7 +4183,7 @@
       </p:sp>
       <p:sp>
         <p:nvSpPr>
-          <p:cNvPr id="8" name="OTLSHAPE_TB_00000000000000000000000000000000_TimescaleInterval1"/>
+          <p:cNvPr id="38" name="OTLSHAPE_TB_00000000000000000000000000000000_TimescaleInterval1"/>
           <p:cNvSpPr txBox="1"/>
           <p:nvPr>
             <p:custDataLst>
@@ -4193,7 +4193,7 @@
         </p:nvSpPr>
         <p:spPr>
           <a:xfrm>
-            <a:off x="1073065" y="3145473"/>
+            <a:off x="1298006" y="3126811"/>
             <a:ext cx="355600" cy="186055"/>
           </a:xfrm>
           <a:prstGeom prst="rect">
@@ -4221,7 +4221,7 @@
       </p:sp>
       <p:cxnSp>
         <p:nvCxnSpPr>
-          <p:cNvPr id="9" name="OTLSHAPE_TB_00000000000000000000000000000000_Separator1"/>
+          <p:cNvPr id="39" name="OTLSHAPE_TB_00000000000000000000000000000000_Separator1"/>
           <p:cNvCxnSpPr/>
           <p:nvPr>
             <p:custDataLst>
@@ -4231,7 +4231,7 @@
         </p:nvCxnSpPr>
         <p:spPr>
           <a:xfrm>
-            <a:off x="1857304" y="3111500"/>
+            <a:off x="2082245" y="3092838"/>
             <a:ext cx="0" cy="254000"/>
           </a:xfrm>
           <a:prstGeom prst="line">
@@ -4266,7 +4266,7 @@
       </p:cxnSp>
       <p:sp>
         <p:nvSpPr>
-          <p:cNvPr id="10" name="OTLSHAPE_TB_00000000000000000000000000000000_TimescaleInterval2"/>
+          <p:cNvPr id="40" name="OTLSHAPE_TB_00000000000000000000000000000000_TimescaleInterval2"/>
           <p:cNvSpPr txBox="1"/>
           <p:nvPr>
             <p:custDataLst>
@@ -4276,7 +4276,7 @@
         </p:nvSpPr>
         <p:spPr>
           <a:xfrm>
-            <a:off x="1920804" y="3145473"/>
+            <a:off x="2145745" y="3126811"/>
             <a:ext cx="355600" cy="186055"/>
           </a:xfrm>
           <a:prstGeom prst="rect">
@@ -4304,7 +4304,7 @@
       </p:sp>
       <p:cxnSp>
         <p:nvCxnSpPr>
-          <p:cNvPr id="11" name="OTLSHAPE_TB_00000000000000000000000000000000_Separator2"/>
+          <p:cNvPr id="41" name="OTLSHAPE_TB_00000000000000000000000000000000_Separator2"/>
           <p:cNvCxnSpPr/>
           <p:nvPr>
             <p:custDataLst>
@@ -4314,7 +4314,7 @@
         </p:nvCxnSpPr>
         <p:spPr>
           <a:xfrm>
-            <a:off x="2705043" y="3111500"/>
+            <a:off x="2929984" y="3092838"/>
             <a:ext cx="0" cy="254000"/>
           </a:xfrm>
           <a:prstGeom prst="line">
@@ -4349,7 +4349,7 @@
       </p:cxnSp>
       <p:sp>
         <p:nvSpPr>
-          <p:cNvPr id="12" name="OTLSHAPE_TB_00000000000000000000000000000000_TimescaleInterval3"/>
+          <p:cNvPr id="42" name="OTLSHAPE_TB_00000000000000000000000000000000_TimescaleInterval3"/>
           <p:cNvSpPr txBox="1"/>
           <p:nvPr>
             <p:custDataLst>
@@ -4359,7 +4359,7 @@
         </p:nvSpPr>
         <p:spPr>
           <a:xfrm>
-            <a:off x="2768544" y="3145473"/>
+            <a:off x="2993485" y="3126811"/>
             <a:ext cx="355600" cy="186055"/>
           </a:xfrm>
           <a:prstGeom prst="rect">
@@ -4387,7 +4387,7 @@
       </p:sp>
       <p:cxnSp>
         <p:nvCxnSpPr>
-          <p:cNvPr id="13" name="OTLSHAPE_TB_00000000000000000000000000000000_Separator3"/>
+          <p:cNvPr id="43" name="OTLSHAPE_TB_00000000000000000000000000000000_Separator3"/>
           <p:cNvCxnSpPr/>
           <p:nvPr>
             <p:custDataLst>
@@ -4397,7 +4397,7 @@
         </p:nvCxnSpPr>
         <p:spPr>
           <a:xfrm>
-            <a:off x="3552782" y="3111500"/>
+            <a:off x="3777723" y="3092838"/>
             <a:ext cx="0" cy="254000"/>
           </a:xfrm>
           <a:prstGeom prst="line">
@@ -4432,7 +4432,7 @@
       </p:cxnSp>
       <p:sp>
         <p:nvSpPr>
-          <p:cNvPr id="14" name="OTLSHAPE_TB_00000000000000000000000000000000_TimescaleInterval4"/>
+          <p:cNvPr id="44" name="OTLSHAPE_TB_00000000000000000000000000000000_TimescaleInterval4"/>
           <p:cNvSpPr txBox="1"/>
           <p:nvPr>
             <p:custDataLst>
@@ -4442,7 +4442,7 @@
         </p:nvSpPr>
         <p:spPr>
           <a:xfrm>
-            <a:off x="3616283" y="3145473"/>
+            <a:off x="3841224" y="3126811"/>
             <a:ext cx="355600" cy="186055"/>
           </a:xfrm>
           <a:prstGeom prst="rect">
@@ -4470,7 +4470,7 @@
       </p:sp>
       <p:cxnSp>
         <p:nvCxnSpPr>
-          <p:cNvPr id="15" name="OTLSHAPE_TB_00000000000000000000000000000000_Separator4"/>
+          <p:cNvPr id="45" name="OTLSHAPE_TB_00000000000000000000000000000000_Separator4"/>
           <p:cNvCxnSpPr/>
           <p:nvPr>
             <p:custDataLst>
@@ -4480,7 +4480,7 @@
         </p:nvCxnSpPr>
         <p:spPr>
           <a:xfrm>
-            <a:off x="4400521" y="3111500"/>
+            <a:off x="4625462" y="3092838"/>
             <a:ext cx="0" cy="254000"/>
           </a:xfrm>
           <a:prstGeom prst="line">
@@ -4515,7 +4515,7 @@
       </p:cxnSp>
       <p:sp>
         <p:nvSpPr>
-          <p:cNvPr id="16" name="OTLSHAPE_TB_00000000000000000000000000000000_TimescaleInterval5"/>
+          <p:cNvPr id="46" name="OTLSHAPE_TB_00000000000000000000000000000000_TimescaleInterval5"/>
           <p:cNvSpPr txBox="1"/>
           <p:nvPr>
             <p:custDataLst>
@@ -4525,7 +4525,7 @@
         </p:nvSpPr>
         <p:spPr>
           <a:xfrm>
-            <a:off x="4464022" y="3145473"/>
+            <a:off x="4688963" y="3126811"/>
             <a:ext cx="355600" cy="186055"/>
           </a:xfrm>
           <a:prstGeom prst="rect">
@@ -4553,7 +4553,7 @@
       </p:sp>
       <p:cxnSp>
         <p:nvCxnSpPr>
-          <p:cNvPr id="17" name="OTLSHAPE_TB_00000000000000000000000000000000_Separator5"/>
+          <p:cNvPr id="47" name="OTLSHAPE_TB_00000000000000000000000000000000_Separator5"/>
           <p:cNvCxnSpPr/>
           <p:nvPr>
             <p:custDataLst>
@@ -4563,7 +4563,7 @@
         </p:nvCxnSpPr>
         <p:spPr>
           <a:xfrm>
-            <a:off x="5248261" y="3111500"/>
+            <a:off x="5473202" y="3092838"/>
             <a:ext cx="0" cy="254000"/>
           </a:xfrm>
           <a:prstGeom prst="line">
@@ -4598,7 +4598,7 @@
       </p:cxnSp>
       <p:sp>
         <p:nvSpPr>
-          <p:cNvPr id="18" name="OTLSHAPE_TB_00000000000000000000000000000000_TimescaleInterval6"/>
+          <p:cNvPr id="48" name="OTLSHAPE_TB_00000000000000000000000000000000_TimescaleInterval6"/>
           <p:cNvSpPr txBox="1"/>
           <p:nvPr>
             <p:custDataLst>
@@ -4608,7 +4608,7 @@
         </p:nvSpPr>
         <p:spPr>
           <a:xfrm>
-            <a:off x="5311761" y="3145473"/>
+            <a:off x="5536702" y="3126811"/>
             <a:ext cx="355600" cy="186055"/>
           </a:xfrm>
           <a:prstGeom prst="rect">
@@ -4636,7 +4636,7 @@
       </p:sp>
       <p:cxnSp>
         <p:nvCxnSpPr>
-          <p:cNvPr id="19" name="OTLSHAPE_TB_00000000000000000000000000000000_Separator6"/>
+          <p:cNvPr id="49" name="OTLSHAPE_TB_00000000000000000000000000000000_Separator6"/>
           <p:cNvCxnSpPr/>
           <p:nvPr>
             <p:custDataLst>
@@ -4646,7 +4646,7 @@
         </p:nvCxnSpPr>
         <p:spPr>
           <a:xfrm>
-            <a:off x="6096000" y="3111500"/>
+            <a:off x="6320941" y="3092838"/>
             <a:ext cx="0" cy="254000"/>
           </a:xfrm>
           <a:prstGeom prst="line">
@@ -4681,7 +4681,7 @@
       </p:cxnSp>
       <p:sp>
         <p:nvSpPr>
-          <p:cNvPr id="20" name="OTLSHAPE_TB_00000000000000000000000000000000_TimescaleInterval7"/>
+          <p:cNvPr id="50" name="OTLSHAPE_TB_00000000000000000000000000000000_TimescaleInterval7"/>
           <p:cNvSpPr txBox="1"/>
           <p:nvPr>
             <p:custDataLst>
@@ -4691,7 +4691,7 @@
         </p:nvSpPr>
         <p:spPr>
           <a:xfrm>
-            <a:off x="6159500" y="3145473"/>
+            <a:off x="6384441" y="3126811"/>
             <a:ext cx="355600" cy="186055"/>
           </a:xfrm>
           <a:prstGeom prst="rect">
@@ -4719,7 +4719,7 @@
       </p:sp>
       <p:cxnSp>
         <p:nvCxnSpPr>
-          <p:cNvPr id="21" name="OTLSHAPE_TB_00000000000000000000000000000000_Separator7"/>
+          <p:cNvPr id="51" name="OTLSHAPE_TB_00000000000000000000000000000000_Separator7"/>
           <p:cNvCxnSpPr/>
           <p:nvPr>
             <p:custDataLst>
@@ -4729,7 +4729,7 @@
         </p:nvCxnSpPr>
         <p:spPr>
           <a:xfrm>
-            <a:off x="6943739" y="3111500"/>
+            <a:off x="7168680" y="3092838"/>
             <a:ext cx="0" cy="254000"/>
           </a:xfrm>
           <a:prstGeom prst="line">
@@ -4764,7 +4764,7 @@
       </p:cxnSp>
       <p:sp>
         <p:nvSpPr>
-          <p:cNvPr id="22" name="OTLSHAPE_TB_00000000000000000000000000000000_TimescaleInterval8"/>
+          <p:cNvPr id="52" name="OTLSHAPE_TB_00000000000000000000000000000000_TimescaleInterval8"/>
           <p:cNvSpPr txBox="1"/>
           <p:nvPr>
             <p:custDataLst>
@@ -4774,7 +4774,7 @@
         </p:nvSpPr>
         <p:spPr>
           <a:xfrm>
-            <a:off x="7007240" y="3145473"/>
+            <a:off x="7232181" y="3126811"/>
             <a:ext cx="355600" cy="186055"/>
           </a:xfrm>
           <a:prstGeom prst="rect">
@@ -4802,7 +4802,7 @@
       </p:sp>
       <p:cxnSp>
         <p:nvCxnSpPr>
-          <p:cNvPr id="23" name="OTLSHAPE_TB_00000000000000000000000000000000_Separator8"/>
+          <p:cNvPr id="53" name="OTLSHAPE_TB_00000000000000000000000000000000_Separator8"/>
           <p:cNvCxnSpPr/>
           <p:nvPr>
             <p:custDataLst>
@@ -4812,7 +4812,7 @@
         </p:nvCxnSpPr>
         <p:spPr>
           <a:xfrm>
-            <a:off x="7791478" y="3111500"/>
+            <a:off x="8016419" y="3092838"/>
             <a:ext cx="0" cy="254000"/>
           </a:xfrm>
           <a:prstGeom prst="line">
@@ -4847,7 +4847,7 @@
       </p:cxnSp>
       <p:sp>
         <p:nvSpPr>
-          <p:cNvPr id="24" name="OTLSHAPE_TB_00000000000000000000000000000000_TimescaleInterval9"/>
+          <p:cNvPr id="54" name="OTLSHAPE_TB_00000000000000000000000000000000_TimescaleInterval9"/>
           <p:cNvSpPr txBox="1"/>
           <p:nvPr>
             <p:custDataLst>
@@ -4857,7 +4857,7 @@
         </p:nvSpPr>
         <p:spPr>
           <a:xfrm>
-            <a:off x="7854979" y="3145473"/>
+            <a:off x="8079920" y="3126811"/>
             <a:ext cx="355600" cy="186055"/>
           </a:xfrm>
           <a:prstGeom prst="rect">
@@ -4885,7 +4885,7 @@
       </p:sp>
       <p:cxnSp>
         <p:nvCxnSpPr>
-          <p:cNvPr id="25" name="OTLSHAPE_TB_00000000000000000000000000000000_Separator9"/>
+          <p:cNvPr id="55" name="OTLSHAPE_TB_00000000000000000000000000000000_Separator9"/>
           <p:cNvCxnSpPr/>
           <p:nvPr>
             <p:custDataLst>
@@ -4895,7 +4895,7 @@
         </p:nvCxnSpPr>
         <p:spPr>
           <a:xfrm>
-            <a:off x="8639217" y="3111500"/>
+            <a:off x="8864158" y="3092838"/>
             <a:ext cx="0" cy="254000"/>
           </a:xfrm>
           <a:prstGeom prst="line">
@@ -4930,7 +4930,7 @@
       </p:cxnSp>
       <p:sp>
         <p:nvSpPr>
-          <p:cNvPr id="26" name="OTLSHAPE_TB_00000000000000000000000000000000_TimescaleInterval10"/>
+          <p:cNvPr id="56" name="OTLSHAPE_TB_00000000000000000000000000000000_TimescaleInterval10"/>
           <p:cNvSpPr txBox="1"/>
           <p:nvPr>
             <p:custDataLst>
@@ -4940,7 +4940,7 @@
         </p:nvSpPr>
         <p:spPr>
           <a:xfrm>
-            <a:off x="8702718" y="3145473"/>
+            <a:off x="8927659" y="3126811"/>
             <a:ext cx="355600" cy="186055"/>
           </a:xfrm>
           <a:prstGeom prst="rect">
@@ -4968,7 +4968,7 @@
       </p:sp>
       <p:cxnSp>
         <p:nvCxnSpPr>
-          <p:cNvPr id="27" name="OTLSHAPE_TB_00000000000000000000000000000000_Separator10"/>
+          <p:cNvPr id="57" name="OTLSHAPE_TB_00000000000000000000000000000000_Separator10"/>
           <p:cNvCxnSpPr/>
           <p:nvPr>
             <p:custDataLst>
@@ -4978,7 +4978,7 @@
         </p:nvCxnSpPr>
         <p:spPr>
           <a:xfrm>
-            <a:off x="9486957" y="3111500"/>
+            <a:off x="9711898" y="3092838"/>
             <a:ext cx="0" cy="254000"/>
           </a:xfrm>
           <a:prstGeom prst="line">
@@ -5013,7 +5013,7 @@
       </p:cxnSp>
       <p:sp>
         <p:nvSpPr>
-          <p:cNvPr id="28" name="OTLSHAPE_TB_00000000000000000000000000000000_TimescaleInterval11"/>
+          <p:cNvPr id="58" name="OTLSHAPE_TB_00000000000000000000000000000000_TimescaleInterval11"/>
           <p:cNvSpPr txBox="1"/>
           <p:nvPr>
             <p:custDataLst>
@@ -5023,7 +5023,7 @@
         </p:nvSpPr>
         <p:spPr>
           <a:xfrm>
-            <a:off x="9550457" y="3145473"/>
+            <a:off x="9775398" y="3126811"/>
             <a:ext cx="355600" cy="186055"/>
           </a:xfrm>
           <a:prstGeom prst="rect">
@@ -5051,7 +5051,7 @@
       </p:sp>
       <p:cxnSp>
         <p:nvCxnSpPr>
-          <p:cNvPr id="29" name="OTLSHAPE_TB_00000000000000000000000000000000_Separator11"/>
+          <p:cNvPr id="59" name="OTLSHAPE_TB_00000000000000000000000000000000_Separator11"/>
           <p:cNvCxnSpPr/>
           <p:nvPr>
             <p:custDataLst>
@@ -5061,7 +5061,7 @@
         </p:nvCxnSpPr>
         <p:spPr>
           <a:xfrm>
-            <a:off x="10334696" y="3111500"/>
+            <a:off x="10559637" y="3092838"/>
             <a:ext cx="0" cy="254000"/>
           </a:xfrm>
           <a:prstGeom prst="line">
@@ -5096,7 +5096,7 @@
       </p:cxnSp>
       <p:sp>
         <p:nvSpPr>
-          <p:cNvPr id="30" name="OTLSHAPE_TB_00000000000000000000000000000000_TimescaleInterval12"/>
+          <p:cNvPr id="60" name="OTLSHAPE_TB_00000000000000000000000000000000_TimescaleInterval12"/>
           <p:cNvSpPr txBox="1"/>
           <p:nvPr>
             <p:custDataLst>
@@ -5106,7 +5106,7 @@
         </p:nvSpPr>
         <p:spPr>
           <a:xfrm>
-            <a:off x="10398196" y="3145473"/>
+            <a:off x="10623137" y="3126811"/>
             <a:ext cx="355600" cy="186055"/>
           </a:xfrm>
           <a:prstGeom prst="rect">
@@ -5134,7 +5134,7 @@
       </p:sp>
       <p:cxnSp>
         <p:nvCxnSpPr>
-          <p:cNvPr id="1288" name="OTLSHAPE_T_5e2edad91da6454fa636d3d2195aaaae_LeftVerticalConnector1" hidden="1"/>
+          <p:cNvPr id="1358" name="OTLSHAPE_T_5e2edad91da6454fa636d3d2195aaaae_LeftVerticalConnector1" hidden="1"/>
           <p:cNvCxnSpPr/>
           <p:nvPr>
             <p:custDataLst>
@@ -5172,7 +5172,7 @@
       </p:cxnSp>
       <p:cxnSp>
         <p:nvCxnSpPr>
-          <p:cNvPr id="1297" name="OTLSHAPE_T_36683c43138a4021a0bb03786cb5ed44_LeftVerticalConnector1" hidden="1"/>
+          <p:cNvPr id="1367" name="OTLSHAPE_T_36683c43138a4021a0bb03786cb5ed44_LeftVerticalConnector1" hidden="1"/>
           <p:cNvCxnSpPr/>
           <p:nvPr>
             <p:custDataLst>
@@ -5183,7 +5183,7 @@
         <p:spPr>
           <a:xfrm>
             <a:off x="5308814" y="3429000"/>
-            <a:ext cx="0" cy="538819"/>
+            <a:ext cx="0" cy="469900"/>
           </a:xfrm>
           <a:prstGeom prst="line">
             <a:avLst/>
@@ -5210,7 +5210,7 @@
       </p:cxnSp>
       <p:cxnSp>
         <p:nvCxnSpPr>
-          <p:cNvPr id="1298" name="OTLSHAPE_T_36683c43138a4021a0bb03786cb5ed44_LeftVerticalConnector2" hidden="1"/>
+          <p:cNvPr id="1368" name="OTLSHAPE_T_36683c43138a4021a0bb03786cb5ed44_LeftVerticalConnector3" hidden="1"/>
           <p:cNvCxnSpPr/>
           <p:nvPr>
             <p:custDataLst>
@@ -5220,8 +5220,8 @@
         </p:nvCxnSpPr>
         <p:spPr>
           <a:xfrm>
-            <a:off x="5308814" y="4171019"/>
-            <a:ext cx="0" cy="132418"/>
+            <a:off x="5308814" y="4368800"/>
+            <a:ext cx="0" cy="165100"/>
           </a:xfrm>
           <a:prstGeom prst="line">
             <a:avLst/>
@@ -5246,57 +5246,19 @@
           </a:fontRef>
         </p:style>
       </p:cxnSp>
-      <p:cxnSp>
-        <p:nvCxnSpPr>
-          <p:cNvPr id="1299" name="OTLSHAPE_T_36683c43138a4021a0bb03786cb5ed44_LeftVerticalConnector3" hidden="1"/>
-          <p:cNvCxnSpPr/>
+      <p:sp>
+        <p:nvSpPr>
+          <p:cNvPr id="1378" name="OTLSHAPE_M_6464ba573de4403b8584d033c11448d3_Title"/>
+          <p:cNvSpPr txBox="1"/>
           <p:nvPr>
             <p:custDataLst>
               <p:tags r:id="rId54"/>
             </p:custDataLst>
           </p:nvPr>
-        </p:nvCxnSpPr>
-        <p:spPr>
-          <a:xfrm>
-            <a:off x="5308814" y="4506637"/>
-            <a:ext cx="0" cy="165100"/>
-          </a:xfrm>
-          <a:prstGeom prst="line">
-            <a:avLst/>
-          </a:prstGeom>
-          <a:ln>
-            <a:headEnd type="none"/>
-            <a:tailEnd type="none"/>
-          </a:ln>
-        </p:spPr>
-        <p:style>
-          <a:lnRef idx="1">
-            <a:schemeClr val="accent1"/>
-          </a:lnRef>
-          <a:fillRef idx="0">
-            <a:schemeClr val="accent1"/>
-          </a:fillRef>
-          <a:effectRef idx="0">
-            <a:schemeClr val="accent1"/>
-          </a:effectRef>
-          <a:fontRef idx="minor">
-            <a:schemeClr val="tx1"/>
-          </a:fontRef>
-        </p:style>
-      </p:cxnSp>
-      <p:sp>
-        <p:nvSpPr>
-          <p:cNvPr id="1309" name="OTLSHAPE_M_6464ba573de4403b8584d033c11448d3_Title"/>
-          <p:cNvSpPr txBox="1"/>
-          <p:nvPr>
-            <p:custDataLst>
-              <p:tags r:id="rId55"/>
-            </p:custDataLst>
-          </p:nvPr>
-        </p:nvSpPr>
-        <p:spPr>
-          <a:xfrm>
-            <a:off x="1422729" y="2236787"/>
+        </p:nvSpPr>
+        <p:spPr>
+          <a:xfrm>
+            <a:off x="1647670" y="2218125"/>
             <a:ext cx="292100" cy="170519"/>
           </a:xfrm>
           <a:prstGeom prst="rect">
@@ -5324,18 +5286,18 @@
       </p:sp>
       <p:sp>
         <p:nvSpPr>
-          <p:cNvPr id="1310" name="OTLSHAPE_M_6464ba573de4403b8584d033c11448d3_Date"/>
+          <p:cNvPr id="1379" name="OTLSHAPE_M_6464ba573de4403b8584d033c11448d3_Date"/>
           <p:cNvSpPr txBox="1"/>
           <p:nvPr>
             <p:custDataLst>
-              <p:tags r:id="rId56"/>
-            </p:custDataLst>
-          </p:nvPr>
-        </p:nvSpPr>
-        <p:spPr>
-          <a:xfrm>
-            <a:off x="1422729" y="2432706"/>
-            <a:ext cx="558800" cy="155025"/>
+              <p:tags r:id="rId55"/>
+            </p:custDataLst>
+          </p:nvPr>
+        </p:nvSpPr>
+        <p:spPr>
+          <a:xfrm>
+            <a:off x="1638339" y="2374992"/>
+            <a:ext cx="1155728" cy="307777"/>
           </a:xfrm>
           <a:prstGeom prst="rect">
             <a:avLst/>
@@ -5349,7 +5311,7 @@
           <a:lstStyle/>
           <a:p>
             <a:r>
-              <a:rPr lang="de-DE" sz="1000" spc="-8">
+              <a:rPr lang="de-DE" sz="1000" spc="-8" dirty="0">
                 <a:solidFill>
                   <a:srgbClr val="1F497E"/>
                 </a:solidFill>
@@ -5358,21 +5320,32 @@
               <a:t>4/10/2017</a:t>
             </a:r>
           </a:p>
-        </p:txBody>
-      </p:sp>
-      <p:sp>
-        <p:nvSpPr>
-          <p:cNvPr id="1311" name="OTLSHAPE_M_6464ba573de4403b8584d033c11448d3_Shape"/>
+          <a:p>
+            <a:r>
+              <a:rPr lang="de-DE" sz="1000" spc="-8" dirty="0">
+                <a:solidFill>
+                  <a:srgbClr val="1F497E"/>
+                </a:solidFill>
+                <a:latin typeface="Calibri" panose="020F0502020204030204" pitchFamily="34" charset="0"/>
+              </a:rPr>
+              <a:t>(offiziell:  24/05/2017</a:t>
+            </a:r>
+          </a:p>
+        </p:txBody>
+      </p:sp>
+      <p:sp>
+        <p:nvSpPr>
+          <p:cNvPr id="1380" name="OTLSHAPE_M_6464ba573de4403b8584d033c11448d3_Shape"/>
           <p:cNvSpPr/>
           <p:nvPr>
             <p:custDataLst>
-              <p:tags r:id="rId57"/>
+              <p:tags r:id="rId56"/>
             </p:custDataLst>
           </p:nvPr>
         </p:nvSpPr>
         <p:spPr>
           <a:xfrm rot="16200000">
-            <a:off x="1162379" y="2323359"/>
+            <a:off x="1387320" y="2304697"/>
             <a:ext cx="228600" cy="228600"/>
           </a:xfrm>
           <a:prstGeom prst="flowChartMerge">
@@ -5443,23 +5416,23 @@
           <a:lstStyle/>
           <a:p>
             <a:pPr algn="ctr"/>
-            <a:endParaRPr lang="de-DE"/>
-          </a:p>
-        </p:txBody>
-      </p:sp>
-      <p:sp>
-        <p:nvSpPr>
-          <p:cNvPr id="1312" name="OTLSHAPE_M_67f7d6e1100f4aeba127765d30e4b8ac_Title"/>
+            <a:endParaRPr lang="de-DE" dirty="0"/>
+          </a:p>
+        </p:txBody>
+      </p:sp>
+      <p:sp>
+        <p:nvSpPr>
+          <p:cNvPr id="1381" name="OTLSHAPE_M_67f7d6e1100f4aeba127765d30e4b8ac_Title"/>
           <p:cNvSpPr txBox="1"/>
           <p:nvPr>
             <p:custDataLst>
-              <p:tags r:id="rId58"/>
-            </p:custDataLst>
-          </p:nvPr>
-        </p:nvSpPr>
-        <p:spPr>
-          <a:xfrm>
-            <a:off x="9052382" y="2206348"/>
+              <p:tags r:id="rId57"/>
+            </p:custDataLst>
+          </p:nvPr>
+        </p:nvSpPr>
+        <p:spPr>
+          <a:xfrm>
+            <a:off x="9277323" y="2187686"/>
             <a:ext cx="1384300" cy="170519"/>
           </a:xfrm>
           <a:prstGeom prst="rect">
@@ -5487,17 +5460,17 @@
       </p:sp>
       <p:sp>
         <p:nvSpPr>
-          <p:cNvPr id="1313" name="OTLSHAPE_M_67f7d6e1100f4aeba127765d30e4b8ac_Date"/>
+          <p:cNvPr id="1382" name="OTLSHAPE_M_67f7d6e1100f4aeba127765d30e4b8ac_Date"/>
           <p:cNvSpPr txBox="1"/>
           <p:nvPr>
             <p:custDataLst>
-              <p:tags r:id="rId59"/>
-            </p:custDataLst>
-          </p:nvPr>
-        </p:nvSpPr>
-        <p:spPr>
-          <a:xfrm>
-            <a:off x="9052382" y="2402267"/>
+              <p:tags r:id="rId58"/>
+            </p:custDataLst>
+          </p:nvPr>
+        </p:nvSpPr>
+        <p:spPr>
+          <a:xfrm>
+            <a:off x="9277323" y="2383605"/>
             <a:ext cx="558800" cy="155025"/>
           </a:xfrm>
           <a:prstGeom prst="rect">
@@ -5525,17 +5498,17 @@
       </p:sp>
       <p:sp>
         <p:nvSpPr>
-          <p:cNvPr id="1314" name="OTLSHAPE_M_67f7d6e1100f4aeba127765d30e4b8ac_Shape"/>
+          <p:cNvPr id="1383" name="OTLSHAPE_M_67f7d6e1100f4aeba127765d30e4b8ac_Shape"/>
           <p:cNvSpPr/>
           <p:nvPr>
             <p:custDataLst>
-              <p:tags r:id="rId60"/>
+              <p:tags r:id="rId59"/>
             </p:custDataLst>
           </p:nvPr>
         </p:nvSpPr>
         <p:spPr>
           <a:xfrm rot="16200000">
-            <a:off x="8792032" y="2292920"/>
+            <a:off x="9016973" y="2274258"/>
             <a:ext cx="228600" cy="228600"/>
           </a:xfrm>
           <a:prstGeom prst="flowChartMerge">
@@ -5612,17 +5585,17 @@
       </p:sp>
       <p:sp>
         <p:nvSpPr>
-          <p:cNvPr id="1315" name="OTLSHAPE_M_e6f7b03635b944ff85cf20b530f9c878_Title"/>
+          <p:cNvPr id="1384" name="OTLSHAPE_M_e6f7b03635b944ff85cf20b530f9c878_Title"/>
           <p:cNvSpPr txBox="1"/>
           <p:nvPr>
             <p:custDataLst>
-              <p:tags r:id="rId61"/>
-            </p:custDataLst>
-          </p:nvPr>
-        </p:nvSpPr>
-        <p:spPr>
-          <a:xfrm>
-            <a:off x="10747859" y="2184145"/>
+              <p:tags r:id="rId60"/>
+            </p:custDataLst>
+          </p:nvPr>
+        </p:nvSpPr>
+        <p:spPr>
+          <a:xfrm>
+            <a:off x="10972800" y="2165483"/>
             <a:ext cx="1219200" cy="341037"/>
           </a:xfrm>
           <a:prstGeom prst="rect">
@@ -5650,18 +5623,18 @@
       </p:sp>
       <p:sp>
         <p:nvSpPr>
-          <p:cNvPr id="1316" name="OTLSHAPE_M_e6f7b03635b944ff85cf20b530f9c878_Date"/>
+          <p:cNvPr id="1385" name="OTLSHAPE_M_e6f7b03635b944ff85cf20b530f9c878_Date"/>
           <p:cNvSpPr txBox="1"/>
           <p:nvPr>
             <p:custDataLst>
-              <p:tags r:id="rId62"/>
-            </p:custDataLst>
-          </p:nvPr>
-        </p:nvSpPr>
-        <p:spPr>
-          <a:xfrm>
-            <a:off x="10747859" y="2550582"/>
-            <a:ext cx="558800" cy="155025"/>
+              <p:tags r:id="rId61"/>
+            </p:custDataLst>
+          </p:nvPr>
+        </p:nvSpPr>
+        <p:spPr>
+          <a:xfrm>
+            <a:off x="10972800" y="2532488"/>
+            <a:ext cx="612206" cy="153888"/>
           </a:xfrm>
           <a:prstGeom prst="rect">
             <a:avLst/>
@@ -5675,30 +5648,30 @@
           <a:lstStyle/>
           <a:p>
             <a:r>
-              <a:rPr lang="de-DE" sz="1000" spc="-8">
+              <a:rPr lang="de-DE" sz="1000" spc="-8" dirty="0">
                 <a:solidFill>
                   <a:srgbClr val="1F497E"/>
                 </a:solidFill>
                 <a:latin typeface="Calibri" panose="020F0502020204030204" pitchFamily="34" charset="0"/>
               </a:rPr>
-              <a:t>9/11/2017</a:t>
-            </a:r>
-          </a:p>
-        </p:txBody>
-      </p:sp>
-      <p:sp>
-        <p:nvSpPr>
-          <p:cNvPr id="1317" name="OTLSHAPE_M_e6f7b03635b944ff85cf20b530f9c878_Shape"/>
+              <a:t>24/11/2017</a:t>
+            </a:r>
+          </a:p>
+        </p:txBody>
+      </p:sp>
+      <p:sp>
+        <p:nvSpPr>
+          <p:cNvPr id="1386" name="OTLSHAPE_M_e6f7b03635b944ff85cf20b530f9c878_Shape"/>
           <p:cNvSpPr/>
           <p:nvPr>
             <p:custDataLst>
-              <p:tags r:id="rId63"/>
+              <p:tags r:id="rId62"/>
             </p:custDataLst>
           </p:nvPr>
         </p:nvSpPr>
         <p:spPr>
           <a:xfrm rot="16200000">
-            <a:off x="10487509" y="2355976"/>
+            <a:off x="10712450" y="2337314"/>
             <a:ext cx="228600" cy="228600"/>
           </a:xfrm>
           <a:prstGeom prst="flowChartMerge">
@@ -5775,17 +5748,17 @@
       </p:sp>
       <p:sp>
         <p:nvSpPr>
-          <p:cNvPr id="1318" name="OTLSHAPE_T_5e2edad91da6454fa636d3d2195aaaae_Shape"/>
+          <p:cNvPr id="1387" name="OTLSHAPE_T_5e2edad91da6454fa636d3d2195aaaae_Shape"/>
           <p:cNvSpPr/>
           <p:nvPr>
             <p:custDataLst>
-              <p:tags r:id="rId64"/>
-            </p:custDataLst>
-          </p:nvPr>
-        </p:nvSpPr>
-        <p:spPr>
-          <a:xfrm>
-            <a:off x="1070118" y="3632200"/>
+              <p:tags r:id="rId63"/>
+            </p:custDataLst>
+          </p:nvPr>
+        </p:nvSpPr>
+        <p:spPr>
+          <a:xfrm>
+            <a:off x="1295059" y="3613538"/>
             <a:ext cx="1282700" cy="203200"/>
           </a:xfrm>
           <a:prstGeom prst="roundRect">
@@ -5864,11 +5837,11 @@
       </p:sp>
       <p:sp>
         <p:nvSpPr>
-          <p:cNvPr id="1319" name="OTLSHAPE_T_5e2edad91da6454fa636d3d2195aaaae_ShapePercentage" hidden="1"/>
+          <p:cNvPr id="1388" name="OTLSHAPE_T_5e2edad91da6454fa636d3d2195aaaae_ShapePercentage" hidden="1"/>
           <p:cNvSpPr/>
           <p:nvPr>
             <p:custDataLst>
-              <p:tags r:id="rId65"/>
+              <p:tags r:id="rId64"/>
             </p:custDataLst>
           </p:nvPr>
         </p:nvSpPr>
@@ -5908,11 +5881,11 @@
       </p:sp>
       <p:sp>
         <p:nvSpPr>
-          <p:cNvPr id="1320" name="OTLSHAPE_T_5e2edad91da6454fa636d3d2195aaaae_Duration" hidden="1"/>
+          <p:cNvPr id="1389" name="OTLSHAPE_T_5e2edad91da6454fa636d3d2195aaaae_Duration" hidden="1"/>
           <p:cNvSpPr txBox="1"/>
           <p:nvPr>
             <p:custDataLst>
-              <p:tags r:id="rId66"/>
+              <p:tags r:id="rId65"/>
             </p:custDataLst>
           </p:nvPr>
         </p:nvSpPr>
@@ -5947,11 +5920,11 @@
       </p:sp>
       <p:sp>
         <p:nvSpPr>
-          <p:cNvPr id="1321" name="OTLSHAPE_T_5e2edad91da6454fa636d3d2195aaaae_TextPercentage" hidden="1"/>
+          <p:cNvPr id="1390" name="OTLSHAPE_T_5e2edad91da6454fa636d3d2195aaaae_TextPercentage" hidden="1"/>
           <p:cNvSpPr txBox="1"/>
           <p:nvPr>
             <p:custDataLst>
-              <p:tags r:id="rId67"/>
+              <p:tags r:id="rId66"/>
             </p:custDataLst>
           </p:nvPr>
         </p:nvSpPr>
@@ -5983,11 +5956,11 @@
       </p:sp>
       <p:sp>
         <p:nvSpPr>
-          <p:cNvPr id="1322" name="OTLSHAPE_T_5e2edad91da6454fa636d3d2195aaaae_JoinedDate" hidden="1"/>
+          <p:cNvPr id="1391" name="OTLSHAPE_T_5e2edad91da6454fa636d3d2195aaaae_JoinedDate" hidden="1"/>
           <p:cNvSpPr txBox="1"/>
           <p:nvPr>
             <p:custDataLst>
-              <p:tags r:id="rId68"/>
+              <p:tags r:id="rId67"/>
             </p:custDataLst>
           </p:nvPr>
         </p:nvSpPr>
@@ -6019,17 +5992,17 @@
       </p:sp>
       <p:sp>
         <p:nvSpPr>
-          <p:cNvPr id="1323" name="OTLSHAPE_T_5e2edad91da6454fa636d3d2195aaaae_StartDate"/>
+          <p:cNvPr id="1392" name="OTLSHAPE_T_5e2edad91da6454fa636d3d2195aaaae_StartDate"/>
           <p:cNvSpPr txBox="1"/>
           <p:nvPr>
             <p:custDataLst>
-              <p:tags r:id="rId69"/>
-            </p:custDataLst>
-          </p:nvPr>
-        </p:nvSpPr>
-        <p:spPr>
-          <a:xfrm>
-            <a:off x="470466" y="3656288"/>
+              <p:tags r:id="rId68"/>
+            </p:custDataLst>
+          </p:nvPr>
+        </p:nvSpPr>
+        <p:spPr>
+          <a:xfrm>
+            <a:off x="695407" y="3637626"/>
             <a:ext cx="558800" cy="155025"/>
           </a:xfrm>
           <a:prstGeom prst="rect">
@@ -6058,17 +6031,17 @@
       </p:sp>
       <p:sp>
         <p:nvSpPr>
-          <p:cNvPr id="1324" name="OTLSHAPE_T_5e2edad91da6454fa636d3d2195aaaae_EndDate"/>
+          <p:cNvPr id="1393" name="OTLSHAPE_T_5e2edad91da6454fa636d3d2195aaaae_EndDate"/>
           <p:cNvSpPr txBox="1"/>
           <p:nvPr>
             <p:custDataLst>
-              <p:tags r:id="rId70"/>
-            </p:custDataLst>
-          </p:nvPr>
-        </p:nvSpPr>
-        <p:spPr>
-          <a:xfrm>
-            <a:off x="2392485" y="3656288"/>
+              <p:tags r:id="rId69"/>
+            </p:custDataLst>
+          </p:nvPr>
+        </p:nvSpPr>
+        <p:spPr>
+          <a:xfrm>
+            <a:off x="2617426" y="3637626"/>
             <a:ext cx="558800" cy="155025"/>
           </a:xfrm>
           <a:prstGeom prst="rect">
@@ -6097,17 +6070,17 @@
       </p:sp>
       <p:sp>
         <p:nvSpPr>
-          <p:cNvPr id="1325" name="OTLSHAPE_T_5e2edad91da6454fa636d3d2195aaaae_Title"/>
+          <p:cNvPr id="1394" name="OTLSHAPE_T_5e2edad91da6454fa636d3d2195aaaae_Title"/>
           <p:cNvSpPr txBox="1"/>
           <p:nvPr>
             <p:custDataLst>
-              <p:tags r:id="rId71"/>
-            </p:custDataLst>
-          </p:nvPr>
-        </p:nvSpPr>
-        <p:spPr>
-          <a:xfrm>
-            <a:off x="3008074" y="3648540"/>
+              <p:tags r:id="rId70"/>
+            </p:custDataLst>
+          </p:nvPr>
+        </p:nvSpPr>
+        <p:spPr>
+          <a:xfrm>
+            <a:off x="101602" y="3629878"/>
             <a:ext cx="457200" cy="170519"/>
           </a:xfrm>
           <a:prstGeom prst="rect">
@@ -6136,17 +6109,17 @@
       </p:sp>
       <p:sp>
         <p:nvSpPr>
-          <p:cNvPr id="1326" name="OTLSHAPE_T_e1992e7d535649fba658f20cea9e3bfd_Shape"/>
+          <p:cNvPr id="1395" name="OTLSHAPE_T_e1992e7d535649fba658f20cea9e3bfd_Shape"/>
           <p:cNvSpPr/>
           <p:nvPr>
             <p:custDataLst>
-              <p:tags r:id="rId72"/>
-            </p:custDataLst>
-          </p:nvPr>
-        </p:nvSpPr>
-        <p:spPr>
-          <a:xfrm>
-            <a:off x="1917857" y="3967819"/>
+              <p:tags r:id="rId71"/>
+            </p:custDataLst>
+          </p:nvPr>
+        </p:nvSpPr>
+        <p:spPr>
+          <a:xfrm>
+            <a:off x="2142798" y="3880238"/>
             <a:ext cx="4241800" cy="203200"/>
           </a:xfrm>
           <a:prstGeom prst="roundRect">
@@ -6225,17 +6198,17 @@
       </p:sp>
       <p:sp>
         <p:nvSpPr>
-          <p:cNvPr id="1327" name="OTLSHAPE_T_e1992e7d535649fba658f20cea9e3bfd_ShapePercentage" hidden="1"/>
+          <p:cNvPr id="1396" name="OTLSHAPE_T_e1992e7d535649fba658f20cea9e3bfd_ShapePercentage" hidden="1"/>
           <p:cNvSpPr/>
           <p:nvPr>
             <p:custDataLst>
-              <p:tags r:id="rId73"/>
-            </p:custDataLst>
-          </p:nvPr>
-        </p:nvSpPr>
-        <p:spPr>
-          <a:xfrm>
-            <a:off x="1917857" y="3967819"/>
+              <p:tags r:id="rId72"/>
+            </p:custDataLst>
+          </p:nvPr>
+        </p:nvSpPr>
+        <p:spPr>
+          <a:xfrm>
+            <a:off x="1917857" y="3898900"/>
             <a:ext cx="0" cy="0"/>
           </a:xfrm>
           <a:prstGeom prst="roundRect">
@@ -6269,11 +6242,11 @@
       </p:sp>
       <p:sp>
         <p:nvSpPr>
-          <p:cNvPr id="1328" name="OTLSHAPE_T_e1992e7d535649fba658f20cea9e3bfd_Duration" hidden="1"/>
+          <p:cNvPr id="1397" name="OTLSHAPE_T_e1992e7d535649fba658f20cea9e3bfd_Duration" hidden="1"/>
           <p:cNvSpPr txBox="1"/>
           <p:nvPr>
             <p:custDataLst>
-              <p:tags r:id="rId74"/>
+              <p:tags r:id="rId73"/>
             </p:custDataLst>
           </p:nvPr>
         </p:nvSpPr>
@@ -6308,11 +6281,11 @@
       </p:sp>
       <p:sp>
         <p:nvSpPr>
-          <p:cNvPr id="1329" name="OTLSHAPE_T_e1992e7d535649fba658f20cea9e3bfd_TextPercentage" hidden="1"/>
+          <p:cNvPr id="1398" name="OTLSHAPE_T_e1992e7d535649fba658f20cea9e3bfd_TextPercentage" hidden="1"/>
           <p:cNvSpPr txBox="1"/>
           <p:nvPr>
             <p:custDataLst>
-              <p:tags r:id="rId75"/>
+              <p:tags r:id="rId74"/>
             </p:custDataLst>
           </p:nvPr>
         </p:nvSpPr>
@@ -6344,11 +6317,11 @@
       </p:sp>
       <p:sp>
         <p:nvSpPr>
-          <p:cNvPr id="1330" name="OTLSHAPE_T_e1992e7d535649fba658f20cea9e3bfd_JoinedDate" hidden="1"/>
+          <p:cNvPr id="1399" name="OTLSHAPE_T_e1992e7d535649fba658f20cea9e3bfd_JoinedDate" hidden="1"/>
           <p:cNvSpPr txBox="1"/>
           <p:nvPr>
             <p:custDataLst>
-              <p:tags r:id="rId76"/>
+              <p:tags r:id="rId75"/>
             </p:custDataLst>
           </p:nvPr>
         </p:nvSpPr>
@@ -6380,17 +6353,17 @@
       </p:sp>
       <p:sp>
         <p:nvSpPr>
-          <p:cNvPr id="1331" name="OTLSHAPE_T_e1992e7d535649fba658f20cea9e3bfd_StartDate"/>
+          <p:cNvPr id="1400" name="OTLSHAPE_T_e1992e7d535649fba658f20cea9e3bfd_StartDate"/>
           <p:cNvSpPr txBox="1"/>
           <p:nvPr>
             <p:custDataLst>
-              <p:tags r:id="rId77"/>
-            </p:custDataLst>
-          </p:nvPr>
-        </p:nvSpPr>
-        <p:spPr>
-          <a:xfrm>
-            <a:off x="1318206" y="3991906"/>
+              <p:tags r:id="rId76"/>
+            </p:custDataLst>
+          </p:nvPr>
+        </p:nvSpPr>
+        <p:spPr>
+          <a:xfrm>
+            <a:off x="1543147" y="3904326"/>
             <a:ext cx="558800" cy="155025"/>
           </a:xfrm>
           <a:prstGeom prst="rect">
@@ -6419,17 +6392,17 @@
       </p:sp>
       <p:sp>
         <p:nvSpPr>
-          <p:cNvPr id="1332" name="OTLSHAPE_T_e1992e7d535649fba658f20cea9e3bfd_EndDate"/>
+          <p:cNvPr id="1401" name="OTLSHAPE_T_e1992e7d535649fba658f20cea9e3bfd_EndDate"/>
           <p:cNvSpPr txBox="1"/>
           <p:nvPr>
             <p:custDataLst>
-              <p:tags r:id="rId78"/>
-            </p:custDataLst>
-          </p:nvPr>
-        </p:nvSpPr>
-        <p:spPr>
-          <a:xfrm>
-            <a:off x="6207311" y="3991906"/>
+              <p:tags r:id="rId77"/>
+            </p:custDataLst>
+          </p:nvPr>
+        </p:nvSpPr>
+        <p:spPr>
+          <a:xfrm>
+            <a:off x="6432252" y="3904326"/>
             <a:ext cx="495300" cy="155025"/>
           </a:xfrm>
           <a:prstGeom prst="rect">
@@ -6458,18 +6431,18 @@
       </p:sp>
       <p:sp>
         <p:nvSpPr>
-          <p:cNvPr id="1333" name="OTLSHAPE_T_e1992e7d535649fba658f20cea9e3bfd_Title"/>
+          <p:cNvPr id="1402" name="OTLSHAPE_T_e1992e7d535649fba658f20cea9e3bfd_Title"/>
           <p:cNvSpPr txBox="1"/>
           <p:nvPr>
             <p:custDataLst>
-              <p:tags r:id="rId79"/>
-            </p:custDataLst>
-          </p:nvPr>
-        </p:nvSpPr>
-        <p:spPr>
-          <a:xfrm>
-            <a:off x="127000" y="3898900"/>
-            <a:ext cx="1016000" cy="341037"/>
+              <p:tags r:id="rId78"/>
+            </p:custDataLst>
+          </p:nvPr>
+        </p:nvSpPr>
+        <p:spPr>
+          <a:xfrm>
+            <a:off x="7014858" y="3880513"/>
+            <a:ext cx="2971800" cy="170519"/>
           </a:xfrm>
           <a:prstGeom prst="rect">
             <a:avLst/>
@@ -6478,36 +6451,36 @@
         </p:spPr>
         <p:txBody>
           <a:bodyPr vert="horz" wrap="square" lIns="0" tIns="0" rIns="0" bIns="0" rtlCol="0" anchor="ctr" anchorCtr="0">
-            <a:noAutofit/>
+            <a:spAutoFit/>
           </a:bodyPr>
           <a:lstStyle/>
           <a:p>
             <a:pPr algn="ctr"/>
             <a:r>
-              <a:rPr lang="de-DE" sz="1100" b="1" spc="-6">
+              <a:rPr lang="de-DE" sz="1100" b="1" spc="-2" dirty="0">
                 <a:solidFill>
                   <a:schemeClr val="dk1"/>
                 </a:solidFill>
                 <a:latin typeface="Calibri" panose="020F0502020204030204" pitchFamily="34" charset="0"/>
               </a:rPr>
-              <a:t>Python Implementierung</a:t>
-            </a:r>
-          </a:p>
-        </p:txBody>
-      </p:sp>
-      <p:sp>
-        <p:nvSpPr>
-          <p:cNvPr id="1334" name="OTLSHAPE_T_83761954c5e94a529b068318aceb1107_Shape"/>
+              <a:t>Python Implementierung des Modells &amp; Simulation</a:t>
+            </a:r>
+          </a:p>
+        </p:txBody>
+      </p:sp>
+      <p:sp>
+        <p:nvSpPr>
+          <p:cNvPr id="1403" name="OTLSHAPE_T_83761954c5e94a529b068318aceb1107_Shape"/>
           <p:cNvSpPr/>
           <p:nvPr>
             <p:custDataLst>
-              <p:tags r:id="rId80"/>
-            </p:custDataLst>
-          </p:nvPr>
-        </p:nvSpPr>
-        <p:spPr>
-          <a:xfrm>
-            <a:off x="3189466" y="4303437"/>
+              <p:tags r:id="rId79"/>
+            </p:custDataLst>
+          </p:nvPr>
+        </p:nvSpPr>
+        <p:spPr>
+          <a:xfrm>
+            <a:off x="3414407" y="4146938"/>
             <a:ext cx="3340100" cy="203200"/>
           </a:xfrm>
           <a:prstGeom prst="roundRect">
@@ -6586,17 +6559,17 @@
       </p:sp>
       <p:sp>
         <p:nvSpPr>
-          <p:cNvPr id="1335" name="OTLSHAPE_T_83761954c5e94a529b068318aceb1107_ShapePercentage" hidden="1"/>
+          <p:cNvPr id="1404" name="OTLSHAPE_T_83761954c5e94a529b068318aceb1107_ShapePercentage" hidden="1"/>
           <p:cNvSpPr/>
           <p:nvPr>
             <p:custDataLst>
-              <p:tags r:id="rId81"/>
-            </p:custDataLst>
-          </p:nvPr>
-        </p:nvSpPr>
-        <p:spPr>
-          <a:xfrm>
-            <a:off x="3189466" y="4303437"/>
+              <p:tags r:id="rId80"/>
+            </p:custDataLst>
+          </p:nvPr>
+        </p:nvSpPr>
+        <p:spPr>
+          <a:xfrm>
+            <a:off x="3189466" y="4165600"/>
             <a:ext cx="0" cy="0"/>
           </a:xfrm>
           <a:prstGeom prst="roundRect">
@@ -6630,17 +6603,17 @@
       </p:sp>
       <p:sp>
         <p:nvSpPr>
-          <p:cNvPr id="1336" name="OTLSHAPE_T_83761954c5e94a529b068318aceb1107_Duration" hidden="1"/>
+          <p:cNvPr id="1405" name="OTLSHAPE_T_83761954c5e94a529b068318aceb1107_Duration" hidden="1"/>
           <p:cNvSpPr txBox="1"/>
           <p:nvPr>
             <p:custDataLst>
-              <p:tags r:id="rId82"/>
-            </p:custDataLst>
-          </p:nvPr>
-        </p:nvSpPr>
-        <p:spPr>
-          <a:xfrm>
-            <a:off x="0" y="4303437"/>
+              <p:tags r:id="rId81"/>
+            </p:custDataLst>
+          </p:nvPr>
+        </p:nvSpPr>
+        <p:spPr>
+          <a:xfrm>
+            <a:off x="0" y="4165600"/>
             <a:ext cx="393700" cy="155025"/>
           </a:xfrm>
           <a:prstGeom prst="rect">
@@ -6669,17 +6642,17 @@
       </p:sp>
       <p:sp>
         <p:nvSpPr>
-          <p:cNvPr id="1337" name="OTLSHAPE_T_83761954c5e94a529b068318aceb1107_TextPercentage" hidden="1"/>
+          <p:cNvPr id="1406" name="OTLSHAPE_T_83761954c5e94a529b068318aceb1107_TextPercentage" hidden="1"/>
           <p:cNvSpPr txBox="1"/>
           <p:nvPr>
             <p:custDataLst>
-              <p:tags r:id="rId83"/>
-            </p:custDataLst>
-          </p:nvPr>
-        </p:nvSpPr>
-        <p:spPr>
-          <a:xfrm>
-            <a:off x="0" y="4458462"/>
+              <p:tags r:id="rId82"/>
+            </p:custDataLst>
+          </p:nvPr>
+        </p:nvSpPr>
+        <p:spPr>
+          <a:xfrm>
+            <a:off x="0" y="4320625"/>
             <a:ext cx="0" cy="153888"/>
           </a:xfrm>
           <a:prstGeom prst="rect">
@@ -6705,17 +6678,17 @@
       </p:sp>
       <p:sp>
         <p:nvSpPr>
-          <p:cNvPr id="1338" name="OTLSHAPE_T_83761954c5e94a529b068318aceb1107_JoinedDate" hidden="1"/>
+          <p:cNvPr id="1407" name="OTLSHAPE_T_83761954c5e94a529b068318aceb1107_JoinedDate" hidden="1"/>
           <p:cNvSpPr txBox="1"/>
           <p:nvPr>
             <p:custDataLst>
-              <p:tags r:id="rId84"/>
-            </p:custDataLst>
-          </p:nvPr>
-        </p:nvSpPr>
-        <p:spPr>
-          <a:xfrm>
-            <a:off x="0" y="4458462"/>
+              <p:tags r:id="rId83"/>
+            </p:custDataLst>
+          </p:nvPr>
+        </p:nvSpPr>
+        <p:spPr>
+          <a:xfrm>
+            <a:off x="0" y="4320625"/>
             <a:ext cx="0" cy="153888"/>
           </a:xfrm>
           <a:prstGeom prst="rect">
@@ -6741,17 +6714,17 @@
       </p:sp>
       <p:sp>
         <p:nvSpPr>
-          <p:cNvPr id="1339" name="OTLSHAPE_T_83761954c5e94a529b068318aceb1107_StartDate"/>
+          <p:cNvPr id="1152" name="OTLSHAPE_T_83761954c5e94a529b068318aceb1107_StartDate"/>
           <p:cNvSpPr txBox="1"/>
           <p:nvPr>
             <p:custDataLst>
-              <p:tags r:id="rId85"/>
-            </p:custDataLst>
-          </p:nvPr>
-        </p:nvSpPr>
-        <p:spPr>
-          <a:xfrm>
-            <a:off x="2589814" y="4327525"/>
+              <p:tags r:id="rId84"/>
+            </p:custDataLst>
+          </p:nvPr>
+        </p:nvSpPr>
+        <p:spPr>
+          <a:xfrm>
+            <a:off x="2814755" y="4171026"/>
             <a:ext cx="558800" cy="155025"/>
           </a:xfrm>
           <a:prstGeom prst="rect">
@@ -6780,17 +6753,17 @@
       </p:sp>
       <p:sp>
         <p:nvSpPr>
-          <p:cNvPr id="1340" name="OTLSHAPE_T_83761954c5e94a529b068318aceb1107_EndDate"/>
+          <p:cNvPr id="1153" name="OTLSHAPE_T_83761954c5e94a529b068318aceb1107_EndDate"/>
           <p:cNvSpPr txBox="1"/>
           <p:nvPr>
             <p:custDataLst>
-              <p:tags r:id="rId86"/>
-            </p:custDataLst>
-          </p:nvPr>
-        </p:nvSpPr>
-        <p:spPr>
-          <a:xfrm>
-            <a:off x="6570628" y="4327525"/>
+              <p:tags r:id="rId85"/>
+            </p:custDataLst>
+          </p:nvPr>
+        </p:nvSpPr>
+        <p:spPr>
+          <a:xfrm>
+            <a:off x="6795569" y="4171026"/>
             <a:ext cx="495300" cy="155025"/>
           </a:xfrm>
           <a:prstGeom prst="rect">
@@ -6819,18 +6792,18 @@
       </p:sp>
       <p:sp>
         <p:nvSpPr>
-          <p:cNvPr id="1341" name="OTLSHAPE_T_83761954c5e94a529b068318aceb1107_Title"/>
+          <p:cNvPr id="1154" name="OTLSHAPE_T_83761954c5e94a529b068318aceb1107_Title"/>
           <p:cNvSpPr txBox="1"/>
           <p:nvPr>
             <p:custDataLst>
-              <p:tags r:id="rId87"/>
-            </p:custDataLst>
-          </p:nvPr>
-        </p:nvSpPr>
-        <p:spPr>
-          <a:xfrm>
-            <a:off x="925286" y="4319778"/>
-            <a:ext cx="1587500" cy="170519"/>
+              <p:tags r:id="rId86"/>
+            </p:custDataLst>
+          </p:nvPr>
+        </p:nvSpPr>
+        <p:spPr>
+          <a:xfrm>
+            <a:off x="-3330" y="4153483"/>
+            <a:ext cx="2781300" cy="170519"/>
           </a:xfrm>
           <a:prstGeom prst="rect">
             <a:avLst/>
@@ -6851,24 +6824,24 @@
                 </a:solidFill>
                 <a:latin typeface="Calibri" panose="020F0502020204030204" pitchFamily="34" charset="0"/>
               </a:rPr>
-              <a:t>Auswertung der Simulation</a:t>
-            </a:r>
-          </a:p>
-        </p:txBody>
-      </p:sp>
-      <p:sp>
-        <p:nvSpPr>
-          <p:cNvPr id="1342" name="OTLSHAPE_T_36683c43138a4021a0bb03786cb5ed44_Shape"/>
+              <a:t>Implementierung des Reglers &amp; Regelparameter</a:t>
+            </a:r>
+          </a:p>
+        </p:txBody>
+      </p:sp>
+      <p:sp>
+        <p:nvSpPr>
+          <p:cNvPr id="1155" name="OTLSHAPE_T_36683c43138a4021a0bb03786cb5ed44_Shape"/>
           <p:cNvSpPr/>
           <p:nvPr>
             <p:custDataLst>
-              <p:tags r:id="rId88"/>
-            </p:custDataLst>
-          </p:nvPr>
-        </p:nvSpPr>
-        <p:spPr>
-          <a:xfrm>
-            <a:off x="5308814" y="4570137"/>
+              <p:tags r:id="rId87"/>
+            </p:custDataLst>
+          </p:nvPr>
+        </p:nvSpPr>
+        <p:spPr>
+          <a:xfrm>
+            <a:off x="5533755" y="4413638"/>
             <a:ext cx="5092700" cy="203200"/>
           </a:xfrm>
           <a:prstGeom prst="roundRect">
@@ -6947,17 +6920,17 @@
       </p:sp>
       <p:sp>
         <p:nvSpPr>
-          <p:cNvPr id="1343" name="OTLSHAPE_T_36683c43138a4021a0bb03786cb5ed44_ShapePercentage" hidden="1"/>
+          <p:cNvPr id="1156" name="OTLSHAPE_T_36683c43138a4021a0bb03786cb5ed44_ShapePercentage" hidden="1"/>
           <p:cNvSpPr/>
           <p:nvPr>
             <p:custDataLst>
-              <p:tags r:id="rId89"/>
-            </p:custDataLst>
-          </p:nvPr>
-        </p:nvSpPr>
-        <p:spPr>
-          <a:xfrm>
-            <a:off x="5308814" y="4570137"/>
+              <p:tags r:id="rId88"/>
+            </p:custDataLst>
+          </p:nvPr>
+        </p:nvSpPr>
+        <p:spPr>
+          <a:xfrm>
+            <a:off x="5308814" y="4432300"/>
             <a:ext cx="0" cy="0"/>
           </a:xfrm>
           <a:prstGeom prst="roundRect">
@@ -6991,17 +6964,17 @@
       </p:sp>
       <p:sp>
         <p:nvSpPr>
-          <p:cNvPr id="1344" name="OTLSHAPE_T_36683c43138a4021a0bb03786cb5ed44_Duration" hidden="1"/>
+          <p:cNvPr id="1157" name="OTLSHAPE_T_36683c43138a4021a0bb03786cb5ed44_Duration" hidden="1"/>
           <p:cNvSpPr txBox="1"/>
           <p:nvPr>
             <p:custDataLst>
-              <p:tags r:id="rId90"/>
-            </p:custDataLst>
-          </p:nvPr>
-        </p:nvSpPr>
-        <p:spPr>
-          <a:xfrm>
-            <a:off x="0" y="4570137"/>
+              <p:tags r:id="rId89"/>
+            </p:custDataLst>
+          </p:nvPr>
+        </p:nvSpPr>
+        <p:spPr>
+          <a:xfrm>
+            <a:off x="0" y="4432300"/>
             <a:ext cx="393700" cy="155025"/>
           </a:xfrm>
           <a:prstGeom prst="rect">
@@ -7030,17 +7003,17 @@
       </p:sp>
       <p:sp>
         <p:nvSpPr>
-          <p:cNvPr id="1345" name="OTLSHAPE_T_36683c43138a4021a0bb03786cb5ed44_TextPercentage" hidden="1"/>
+          <p:cNvPr id="1158" name="OTLSHAPE_T_36683c43138a4021a0bb03786cb5ed44_TextPercentage" hidden="1"/>
           <p:cNvSpPr txBox="1"/>
           <p:nvPr>
             <p:custDataLst>
-              <p:tags r:id="rId91"/>
-            </p:custDataLst>
-          </p:nvPr>
-        </p:nvSpPr>
-        <p:spPr>
-          <a:xfrm>
-            <a:off x="0" y="4725162"/>
+              <p:tags r:id="rId90"/>
+            </p:custDataLst>
+          </p:nvPr>
+        </p:nvSpPr>
+        <p:spPr>
+          <a:xfrm>
+            <a:off x="0" y="4587325"/>
             <a:ext cx="0" cy="153888"/>
           </a:xfrm>
           <a:prstGeom prst="rect">
@@ -7066,17 +7039,17 @@
       </p:sp>
       <p:sp>
         <p:nvSpPr>
-          <p:cNvPr id="1346" name="OTLSHAPE_T_36683c43138a4021a0bb03786cb5ed44_JoinedDate" hidden="1"/>
+          <p:cNvPr id="1159" name="OTLSHAPE_T_36683c43138a4021a0bb03786cb5ed44_JoinedDate" hidden="1"/>
           <p:cNvSpPr txBox="1"/>
           <p:nvPr>
             <p:custDataLst>
-              <p:tags r:id="rId92"/>
-            </p:custDataLst>
-          </p:nvPr>
-        </p:nvSpPr>
-        <p:spPr>
-          <a:xfrm>
-            <a:off x="0" y="4725162"/>
+              <p:tags r:id="rId91"/>
+            </p:custDataLst>
+          </p:nvPr>
+        </p:nvSpPr>
+        <p:spPr>
+          <a:xfrm>
+            <a:off x="0" y="4587325"/>
             <a:ext cx="0" cy="153888"/>
           </a:xfrm>
           <a:prstGeom prst="rect">
@@ -7102,17 +7075,17 @@
       </p:sp>
       <p:sp>
         <p:nvSpPr>
-          <p:cNvPr id="1347" name="OTLSHAPE_T_36683c43138a4021a0bb03786cb5ed44_StartDate"/>
+          <p:cNvPr id="1160" name="OTLSHAPE_T_36683c43138a4021a0bb03786cb5ed44_StartDate"/>
           <p:cNvSpPr txBox="1"/>
           <p:nvPr>
             <p:custDataLst>
-              <p:tags r:id="rId93"/>
-            </p:custDataLst>
-          </p:nvPr>
-        </p:nvSpPr>
-        <p:spPr>
-          <a:xfrm>
-            <a:off x="4709162" y="4594225"/>
+              <p:tags r:id="rId92"/>
+            </p:custDataLst>
+          </p:nvPr>
+        </p:nvSpPr>
+        <p:spPr>
+          <a:xfrm>
+            <a:off x="4934103" y="4437726"/>
             <a:ext cx="558800" cy="155025"/>
           </a:xfrm>
           <a:prstGeom prst="rect">
@@ -7141,17 +7114,17 @@
       </p:sp>
       <p:sp>
         <p:nvSpPr>
-          <p:cNvPr id="1348" name="OTLSHAPE_T_36683c43138a4021a0bb03786cb5ed44_EndDate"/>
+          <p:cNvPr id="1161" name="OTLSHAPE_T_36683c43138a4021a0bb03786cb5ed44_EndDate"/>
           <p:cNvSpPr txBox="1"/>
           <p:nvPr>
             <p:custDataLst>
-              <p:tags r:id="rId94"/>
-            </p:custDataLst>
-          </p:nvPr>
-        </p:nvSpPr>
-        <p:spPr>
-          <a:xfrm>
-            <a:off x="10446007" y="4594225"/>
+              <p:tags r:id="rId93"/>
+            </p:custDataLst>
+          </p:nvPr>
+        </p:nvSpPr>
+        <p:spPr>
+          <a:xfrm>
+            <a:off x="10670948" y="4437726"/>
             <a:ext cx="558800" cy="155025"/>
           </a:xfrm>
           <a:prstGeom prst="rect">
@@ -7180,17 +7153,17 @@
       </p:sp>
       <p:sp>
         <p:nvSpPr>
-          <p:cNvPr id="1349" name="OTLSHAPE_T_36683c43138a4021a0bb03786cb5ed44_Title"/>
+          <p:cNvPr id="1162" name="OTLSHAPE_T_36683c43138a4021a0bb03786cb5ed44_Title"/>
           <p:cNvSpPr txBox="1"/>
           <p:nvPr>
             <p:custDataLst>
-              <p:tags r:id="rId95"/>
-            </p:custDataLst>
-          </p:nvPr>
-        </p:nvSpPr>
-        <p:spPr>
-          <a:xfrm>
-            <a:off x="3443497" y="4586478"/>
+              <p:tags r:id="rId94"/>
+            </p:custDataLst>
+          </p:nvPr>
+        </p:nvSpPr>
+        <p:spPr>
+          <a:xfrm>
+            <a:off x="3695810" y="4437725"/>
             <a:ext cx="1193800" cy="170519"/>
           </a:xfrm>
           <a:prstGeom prst="rect">
@@ -7219,17 +7192,17 @@
       </p:sp>
       <p:sp>
         <p:nvSpPr>
-          <p:cNvPr id="1350" name="OTLSHAPE_T_420fb5a65599426f9c0d017aca9c462f_Shape"/>
+          <p:cNvPr id="1163" name="OTLSHAPE_T_420fb5a65599426f9c0d017aca9c462f_Shape"/>
           <p:cNvSpPr/>
           <p:nvPr>
             <p:custDataLst>
-              <p:tags r:id="rId96"/>
-            </p:custDataLst>
-          </p:nvPr>
-        </p:nvSpPr>
-        <p:spPr>
-          <a:xfrm>
-            <a:off x="1070118" y="4905756"/>
+              <p:tags r:id="rId95"/>
+            </p:custDataLst>
+          </p:nvPr>
+        </p:nvSpPr>
+        <p:spPr>
+          <a:xfrm>
+            <a:off x="1295059" y="4749257"/>
             <a:ext cx="4241800" cy="203200"/>
           </a:xfrm>
           <a:prstGeom prst="roundRect">
@@ -7308,17 +7281,17 @@
       </p:sp>
       <p:sp>
         <p:nvSpPr>
-          <p:cNvPr id="1351" name="OTLSHAPE_T_420fb5a65599426f9c0d017aca9c462f_ShapePercentage" hidden="1"/>
+          <p:cNvPr id="1164" name="OTLSHAPE_T_420fb5a65599426f9c0d017aca9c462f_ShapePercentage" hidden="1"/>
           <p:cNvSpPr/>
           <p:nvPr>
             <p:custDataLst>
-              <p:tags r:id="rId97"/>
-            </p:custDataLst>
-          </p:nvPr>
-        </p:nvSpPr>
-        <p:spPr>
-          <a:xfrm>
-            <a:off x="1070118" y="4905756"/>
+              <p:tags r:id="rId96"/>
+            </p:custDataLst>
+          </p:nvPr>
+        </p:nvSpPr>
+        <p:spPr>
+          <a:xfrm>
+            <a:off x="1070118" y="4767919"/>
             <a:ext cx="0" cy="0"/>
           </a:xfrm>
           <a:prstGeom prst="roundRect">
@@ -7352,17 +7325,17 @@
       </p:sp>
       <p:sp>
         <p:nvSpPr>
-          <p:cNvPr id="1352" name="OTLSHAPE_T_420fb5a65599426f9c0d017aca9c462f_Duration" hidden="1"/>
+          <p:cNvPr id="1165" name="OTLSHAPE_T_420fb5a65599426f9c0d017aca9c462f_Duration" hidden="1"/>
           <p:cNvSpPr txBox="1"/>
           <p:nvPr>
             <p:custDataLst>
-              <p:tags r:id="rId98"/>
-            </p:custDataLst>
-          </p:nvPr>
-        </p:nvSpPr>
-        <p:spPr>
-          <a:xfrm>
-            <a:off x="0" y="4836837"/>
+              <p:tags r:id="rId97"/>
+            </p:custDataLst>
+          </p:nvPr>
+        </p:nvSpPr>
+        <p:spPr>
+          <a:xfrm>
+            <a:off x="0" y="4699000"/>
             <a:ext cx="393700" cy="155025"/>
           </a:xfrm>
           <a:prstGeom prst="rect">
@@ -7391,17 +7364,17 @@
       </p:sp>
       <p:sp>
         <p:nvSpPr>
-          <p:cNvPr id="1353" name="OTLSHAPE_T_420fb5a65599426f9c0d017aca9c462f_TextPercentage" hidden="1"/>
+          <p:cNvPr id="1166" name="OTLSHAPE_T_420fb5a65599426f9c0d017aca9c462f_TextPercentage" hidden="1"/>
           <p:cNvSpPr txBox="1"/>
           <p:nvPr>
             <p:custDataLst>
-              <p:tags r:id="rId99"/>
-            </p:custDataLst>
-          </p:nvPr>
-        </p:nvSpPr>
-        <p:spPr>
-          <a:xfrm>
-            <a:off x="0" y="4991862"/>
+              <p:tags r:id="rId98"/>
+            </p:custDataLst>
+          </p:nvPr>
+        </p:nvSpPr>
+        <p:spPr>
+          <a:xfrm>
+            <a:off x="0" y="4854025"/>
             <a:ext cx="0" cy="153888"/>
           </a:xfrm>
           <a:prstGeom prst="rect">
@@ -7427,17 +7400,17 @@
       </p:sp>
       <p:sp>
         <p:nvSpPr>
-          <p:cNvPr id="1354" name="OTLSHAPE_T_420fb5a65599426f9c0d017aca9c462f_JoinedDate" hidden="1"/>
+          <p:cNvPr id="1167" name="OTLSHAPE_T_420fb5a65599426f9c0d017aca9c462f_JoinedDate" hidden="1"/>
           <p:cNvSpPr txBox="1"/>
           <p:nvPr>
             <p:custDataLst>
-              <p:tags r:id="rId100"/>
-            </p:custDataLst>
-          </p:nvPr>
-        </p:nvSpPr>
-        <p:spPr>
-          <a:xfrm>
-            <a:off x="0" y="4991862"/>
+              <p:tags r:id="rId99"/>
+            </p:custDataLst>
+          </p:nvPr>
+        </p:nvSpPr>
+        <p:spPr>
+          <a:xfrm>
+            <a:off x="0" y="4854025"/>
             <a:ext cx="0" cy="153888"/>
           </a:xfrm>
           <a:prstGeom prst="rect">
@@ -7463,17 +7436,17 @@
       </p:sp>
       <p:sp>
         <p:nvSpPr>
-          <p:cNvPr id="1355" name="OTLSHAPE_T_420fb5a65599426f9c0d017aca9c462f_StartDate"/>
+          <p:cNvPr id="1168" name="OTLSHAPE_T_420fb5a65599426f9c0d017aca9c462f_StartDate"/>
           <p:cNvSpPr txBox="1"/>
           <p:nvPr>
             <p:custDataLst>
-              <p:tags r:id="rId101"/>
-            </p:custDataLst>
-          </p:nvPr>
-        </p:nvSpPr>
-        <p:spPr>
-          <a:xfrm>
-            <a:off x="470466" y="4929844"/>
+              <p:tags r:id="rId100"/>
+            </p:custDataLst>
+          </p:nvPr>
+        </p:nvSpPr>
+        <p:spPr>
+          <a:xfrm>
+            <a:off x="695407" y="4773344"/>
             <a:ext cx="558800" cy="155025"/>
           </a:xfrm>
           <a:prstGeom prst="rect">
@@ -7502,17 +7475,17 @@
       </p:sp>
       <p:sp>
         <p:nvSpPr>
-          <p:cNvPr id="1356" name="OTLSHAPE_T_420fb5a65599426f9c0d017aca9c462f_EndDate"/>
+          <p:cNvPr id="1169" name="OTLSHAPE_T_420fb5a65599426f9c0d017aca9c462f_EndDate"/>
           <p:cNvSpPr txBox="1"/>
           <p:nvPr>
             <p:custDataLst>
-              <p:tags r:id="rId102"/>
-            </p:custDataLst>
-          </p:nvPr>
-        </p:nvSpPr>
-        <p:spPr>
-          <a:xfrm>
-            <a:off x="5359572" y="4929844"/>
+              <p:tags r:id="rId101"/>
+            </p:custDataLst>
+          </p:nvPr>
+        </p:nvSpPr>
+        <p:spPr>
+          <a:xfrm>
+            <a:off x="5584513" y="4773344"/>
             <a:ext cx="558800" cy="155025"/>
           </a:xfrm>
           <a:prstGeom prst="rect">
@@ -7541,17 +7514,17 @@
       </p:sp>
       <p:sp>
         <p:nvSpPr>
-          <p:cNvPr id="1357" name="OTLSHAPE_T_420fb5a65599426f9c0d017aca9c462f_Title"/>
+          <p:cNvPr id="1170" name="OTLSHAPE_T_420fb5a65599426f9c0d017aca9c462f_Title"/>
           <p:cNvSpPr txBox="1"/>
           <p:nvPr>
             <p:custDataLst>
-              <p:tags r:id="rId103"/>
-            </p:custDataLst>
-          </p:nvPr>
-        </p:nvSpPr>
-        <p:spPr>
-          <a:xfrm>
-            <a:off x="5961709" y="4836837"/>
+              <p:tags r:id="rId102"/>
+            </p:custDataLst>
+          </p:nvPr>
+        </p:nvSpPr>
+        <p:spPr>
+          <a:xfrm>
+            <a:off x="6184602" y="4643377"/>
             <a:ext cx="1485900" cy="341037"/>
           </a:xfrm>
           <a:prstGeom prst="rect">
@@ -7716,11 +7689,7 @@
                   <a:schemeClr val="accent3"/>
                 </a:solidFill>
               </a:rPr>
-              <a:t>Formulare ausfüllen </a:t>
-            </a:r>
-            <a:r>
-              <a:rPr lang="de-DE" dirty="0"/>
-              <a:t>&amp; einreichen</a:t>
+              <a:t>Formulare ausfüllen &amp; einreichen</a:t>
             </a:r>
           </a:p>
           <a:p>
@@ -7852,7 +7821,7 @@
           <a:p>
             <a:r>
               <a:rPr lang="de-DE" dirty="0"/>
-              <a:t>Formulare ausfüllen</a:t>
+              <a:t>Formulare ausfüllen &amp; einreichen</a:t>
             </a:r>
           </a:p>
         </p:txBody>
@@ -7904,7 +7873,7 @@
           <a:p>
             <a:r>
               <a:rPr lang="de-DE" dirty="0"/>
-              <a:t>Python Implementierung</a:t>
+              <a:t>Python Implementierung &amp; Simulation</a:t>
             </a:r>
           </a:p>
         </p:txBody>
@@ -7948,15 +7917,9 @@
         <p:spPr/>
         <p:txBody>
           <a:bodyPr>
-            <a:normAutofit lnSpcReduction="10000"/>
+            <a:normAutofit/>
           </a:bodyPr>
           <a:lstStyle/>
-          <a:p>
-            <a:r>
-              <a:rPr lang="de-DE" dirty="0"/>
-              <a:t>Konzept/Vorgehensweise entwerfen</a:t>
-            </a:r>
-          </a:p>
           <a:p>
             <a:r>
               <a:rPr lang="de-DE" dirty="0">
@@ -7979,22 +7942,44 @@
           </a:p>
           <a:p>
             <a:r>
+              <a:rPr lang="de-DE" dirty="0">
+                <a:solidFill>
+                  <a:schemeClr val="accent3"/>
+                </a:solidFill>
+              </a:rPr>
+              <a:t>Zellzyklus-Modell entsprechend Apoptose-Modell simulieren</a:t>
+            </a:r>
+          </a:p>
+          <a:p>
+            <a:r>
+              <a:rPr lang="de-DE" dirty="0">
+                <a:solidFill>
+                  <a:schemeClr val="accent3"/>
+                </a:solidFill>
+              </a:rPr>
+              <a:t>Volumen und </a:t>
+            </a:r>
+            <a:r>
+              <a:rPr lang="de-DE" dirty="0" err="1">
+                <a:solidFill>
+                  <a:schemeClr val="accent3"/>
+                </a:solidFill>
+              </a:rPr>
+              <a:t>cyclin</a:t>
+            </a:r>
+            <a:r>
+              <a:rPr lang="de-DE" dirty="0">
+                <a:solidFill>
+                  <a:schemeClr val="accent3"/>
+                </a:solidFill>
+              </a:rPr>
+              <a:t> B als Zustände für Teilung festlegen</a:t>
+            </a:r>
+          </a:p>
+          <a:p>
+            <a:r>
               <a:rPr lang="de-DE" dirty="0"/>
-              <a:t>Zellzyklus-Modell entsprechend Apoptose-Modell simulieren</a:t>
-            </a:r>
-          </a:p>
-          <a:p>
-            <a:r>
-              <a:rPr lang="de-DE" dirty="0"/>
-              <a:t>Volumen und </a:t>
-            </a:r>
-            <a:r>
-              <a:rPr lang="de-DE" dirty="0" err="1"/>
-              <a:t>cyclin</a:t>
-            </a:r>
-            <a:r>
-              <a:rPr lang="de-DE" dirty="0"/>
-              <a:t> B als Zustände für Teilung festlegen</a:t>
+              <a:t>Simulationszeit verbessern</a:t>
             </a:r>
           </a:p>
         </p:txBody>
@@ -8046,6 +8031,29 @@
               <a:rPr lang="de-DE" dirty="0"/>
               <a:t>Zellzyklus-Modell implementieren</a:t>
             </a:r>
+          </a:p>
+          <a:p>
+            <a:r>
+              <a:rPr lang="de-DE" dirty="0"/>
+              <a:t>Zellzyklus-Modell entsprechend Apoptose-Modell simulieren</a:t>
+            </a:r>
+          </a:p>
+          <a:p>
+            <a:r>
+              <a:rPr lang="de-DE" dirty="0"/>
+              <a:t>Volumen und </a:t>
+            </a:r>
+            <a:r>
+              <a:rPr lang="de-DE" dirty="0" err="1"/>
+              <a:t>cyclin</a:t>
+            </a:r>
+            <a:r>
+              <a:rPr lang="de-DE" dirty="0"/>
+              <a:t> B als Zustände für Teilung festlegen</a:t>
+            </a:r>
+          </a:p>
+          <a:p>
+            <a:endParaRPr lang="de-DE" dirty="0"/>
           </a:p>
           <a:p>
             <a:endParaRPr lang="de-DE" dirty="0"/>
@@ -8099,7 +8107,7 @@
           <a:p>
             <a:r>
               <a:rPr lang="de-DE" dirty="0"/>
-              <a:t>Auswertung der Simulation</a:t>
+              <a:t>Implementierung des Reglers &amp; Regelparameter</a:t>
             </a:r>
           </a:p>
         </p:txBody>
@@ -8144,6 +8152,20 @@
         <p:txBody>
           <a:bodyPr/>
           <a:lstStyle/>
+          <a:p>
+            <a:r>
+              <a:rPr lang="de-DE" dirty="0"/>
+              <a:t>Paper nochmal durcharbeiten, </a:t>
+            </a:r>
+            <a:r>
+              <a:rPr lang="de-DE" dirty="0" err="1"/>
+              <a:t>evtl</a:t>
+            </a:r>
+            <a:r>
+              <a:rPr lang="de-DE" dirty="0"/>
+              <a:t> Probleme klären</a:t>
+            </a:r>
+          </a:p>
           <a:p>
             <a:endParaRPr lang="de-DE" dirty="0"/>
           </a:p>
@@ -8290,7 +8312,11 @@
           </a:p>
           <a:p>
             <a:r>
-              <a:rPr lang="de-DE" dirty="0"/>
+              <a:rPr lang="de-DE" dirty="0">
+                <a:solidFill>
+                  <a:schemeClr val="accent3"/>
+                </a:solidFill>
+              </a:rPr>
               <a:t>Sprache? (Deutsch/Englisch)</a:t>
             </a:r>
           </a:p>
@@ -8347,7 +8373,10 @@
           <a:bodyPr/>
           <a:lstStyle/>
           <a:p>
-            <a:endParaRPr lang="de-DE" dirty="0"/>
+            <a:r>
+              <a:rPr lang="de-DE" dirty="0"/>
+              <a:t>Sprache: ENGLISCH</a:t>
+            </a:r>
           </a:p>
         </p:txBody>
       </p:sp>
@@ -8366,7 +8395,7 @@
 
 <file path=ppt/tags/tag1.xml><?xml version="1.0" encoding="utf-8"?>
 <p:tagLst xmlns:a="http://schemas.openxmlformats.org/drawingml/2006/main" xmlns:r="http://schemas.openxmlformats.org/officeDocument/2006/relationships" xmlns:p="http://schemas.openxmlformats.org/presentationml/2006/main">
-  <p:tag name="__PART_0" val="eyIkaWQiOiIxIiwiQ3VsdHVyZUluZm9OYW1lIjoiZGUtREUiLCJTdHlsZU5hbWUiOiJSb2FkbWFwIiwiSXNUZW1wbGF0ZSI6ZmFsc2UsIlZlcnNpb24iOnsiJGlkIjoiMiIsIlZlcnNpb24iOiIzLjEuMCIsIk9yaWdpbmFsQXNzZW1ibHlWZXJzaW9uIjoiMy4xMy4wMC4wMCIsIkVkaXRpb24iOiJCYXNpYyIsIklzUGx1c0VkaXRpb24iOmZhbHNlfSwiRWZmZWN0IjoxLCJTdHlsZSI6eyIkaWQiOiIzIiwiVGltZWJhbmRTdHlsZSI6eyIkaWQiOiI0IiwiU2NhbGVNYXJraW5nIjowLCJTaGFwZSI6MTMsIlNoYXBlU3R5bGUiOnsiJGlkIjoiNSIsIk1hcmdpbiI6eyIkaWQiOiI2IiwiVG9wIjowLCJMZWZ0IjoxMCwiUmlnaHQiOjEwLCJCb3R0b20iOjB9LCJQYWRkaW5nIjp7IiRpZCI6IjciLCJUb3AiOjUsIkxlZnQiOjEzLCJSaWdodCI6MTMsIkJvdHRvbSI6NX0sIkJhY2tncm91bmQiOnsiJGlkIjoiOCIsIkNvbG9yIjp7IiRpZCI6IjkiLCJBIjoyNTUsIlIiOjkxLCJHIjoxNTUsIkIiOjIxM319LCJJc1Zpc2libGUiOnRydWUsIldpZHRoIjo4NTguMCwiSGVpZ2h0IjozMC4wLCJCb3JkZXJTdHlsZSI6eyIkaWQiOiIxMCIsIkxpbmVDb2xvciI6eyIkaWQiOiIxMSIsIiR0eXBlIjoiTkxSRS5Db21tb24uRG9tLlNvbGlkQ29sb3JCcnVzaCwgTkxSRS5Db21tb24iLCJDb2xvciI6eyIkaWQiOiIxMiIsIkEiOjI1NSwiUiI6MjU1LCJHIjowLCJCIjowfX0sIkxpbmVXZWlnaHQiOjAuMCwiTGluZVR5cGUiOjAsIlBhcmVudFN0eWxlIjpudWxsfSwiUGFyZW50U3R5bGUiOm51bGx9LCJSaWdodEVuZENhcHNTdHlsZSI6eyIkaWQiOiIxMyIsIkZvbnRTZXR0aW5ncyI6eyIkaWQiOiIxNCIsIkZvbnRTaXplIjoxOCwiRm9udE5hbWUiOiJDYWxpYnJpIiwiSXNCb2xkIjp0cnVlLCJJc0l0YWxpYyI6ZmFsc2UsIklzVW5kZXJsaW5lZCI6ZmFsc2UsIlBhcmVudFN0eWxlIjpudWxsfSwiQXV0b1NpemUiOjAsIkZvcmVncm91bmQiOnsiJGlkIjoiMTUiLCJDb2xvciI6eyIkaWQiOiIxNiIsIkEiOjI1NSwiUiI6MTkyLCJHIjo4MCwiQiI6Nzd9fSwiTWF4V2lkdGgiOiJJbmZpbml0eSIsIk1heEhlaWdodCI6IkluZmluaXR5IiwiU21hcnRGb3JlZ3JvdW5kSXNBY3RpdmUiOmZhbHNlLCJIb3Jpem9udGFsQWxpZ25tZW50IjowLCJWZXJ0aWNhbEFsaWdubWVudCI6MCwiU21hcnRGb3JlZ3JvdW5kIjpudWxsLCJNYXJnaW4iOnsiJGlkIjoiMTciLCJUb3AiOjAsIkxlZnQiOjAsIlJpZ2h0IjoyMCwiQm90dG9tIjowfSwiUGFkZGluZyI6eyIkaWQiOiIxOCIsIlRvcCI6MCwiTGVmdCI6MCwiUmlnaHQiOjAsIkJvdHRvbSI6MH0sIkJhY2tncm91bmQiOnsiJGlkIjoiMTkiLCJDb2xvciI6eyIkaWQiOiIyMCIsIkEiOjg5LCJSIjowLCJHIjowLCJCIjowfX0sIklzVmlzaWJsZSI6dHJ1ZSwiV2lkdGgiOjAuMCwiSGVpZ2h0IjowLjAsIkJvcmRlclN0eWxlIjpudWxsLCJQYXJlbnRTdHlsZSI6bnVsbH0sIkxlZnRFbmRDYXBzU3R5bGUiOnsiJGlkIjoiMjEiLCJGb250U2V0dGluZ3MiOnsiJGlkIjoiMjIiLCJGb250U2l6ZSI6MTgsIkZvbnROYW1lIjoiQ2FsaWJyaSIsIklzQm9sZCI6dHJ1ZSwiSXNJdGFsaWMiOmZhbHNlLCJJc1VuZGVybGluZWQiOmZhbHNlLCJQYXJlbnRTdHlsZSI6bnVsbH0sIkF1dG9TaXplIjowLCJGb3JlZ3JvdW5kIjp7IiRpZCI6IjIzIiwiQ29sb3IiOnsiJGlkIjoiMjQiLCJBIjoyNTUsIlIiOjE5MiwiRyI6ODAsIkIiOjc3fX0sIk1heFdpZHRoIjoiSW5maW5pdHkiLCJNYXhIZWlnaHQiOiJJbmZpbml0eSIsIlNtYXJ0Rm9yZWdyb3VuZElzQWN0aXZlIjpmYWxzZSwiSG9yaXpvbnRhbEFsaWdubWVudCI6MCwiVmVydGljYWxBbGlnbm1lbnQiOjAsIlNtYXJ0Rm9yZWdyb3VuZCI6bnVsbCwiTWFyZ2luIjp7IiRpZCI6IjI1IiwiVG9wIjowLCJMZWZ0IjoyMCwiUmlnaHQiOjAsIkJvdHRvbSI6MH0sIlBhZGRpbmciOnsiJGlkIjoiMjYiLCJUb3AiOjAsIkxlZnQiOjAsIlJpZ2h0IjowLCJCb3R0b20iOjB9LCJCYWNrZ3JvdW5kIjp7IiRpZCI6IjI3IiwiQ29sb3IiOnsiJHJlZiI6IjIwIn19LCJJc1Zpc2libGUiOmZhbHNlLCJXaWR0aCI6MC4wLCJIZWlnaHQiOjAuMCwiQm9yZGVyU3R5bGUiOm51bGwsIlBhcmVudFN0eWxlIjpudWxsfSwiVG9kYXlUZXh0U3R5bGUiOnsiJGlkIjoiMjgiLCJGb250U2V0dGluZ3MiOnsiJGlkIjoiMjkiLCJGb250U2l6ZSI6MTIsIkZvbnROYW1lIjoiQ2FsaWJyaSIsIklzQm9sZCI6ZmFsc2UsIklzSXRhbGljIjpmYWxzZSwiSXNVbmRlcmxpbmVkIjpmYWxzZSwiUGFyZW50U3R5bGUiOm51bGx9LCJBdXRvU2l6ZSI6MCwiRm9yZWdyb3VuZCI6eyIkaWQiOiIzMCIsIkNvbG9yIjp7IiRpZCI6IjMxIiwiQSI6MjU1LCJSIjowLCJHIjowLCJCIjowfX0sIk1heFdpZHRoIjoyMDAuMCwiTWF4SGVpZ2h0IjoiSW5maW5pdHkiLCJTbWFydEZvcmVncm91bmRJc0FjdGl2ZSI6ZmFsc2UsIkhvcml6b250YWxBbGlnbm1lbnQiOjAsIlZlcnRpY2FsQWxpZ25tZW50IjowLCJTbWFydEZvcmVncm91bmQiOm51bGwsIk1hcmdpbiI6eyIkaWQiOiIzMiIsIlRvcCI6MCwiTGVmdCI6MCwiUmlnaHQiOjAsIkJvdHRvbSI6MH0sIlBhZGRpbmciOnsiJGlkIjoiMzMiLCJUb3AiOjAsIkxlZnQiOjAsIlJpZ2h0IjowLCJCb3R0b20iOjB9LCJCYWNrZ3JvdW5kIjp7IiRpZCI6IjM0IiwiQ29sb3IiOnsiJHJlZiI6IjIwIn19LCJJc1Zpc2libGUiOnRydWUsIldpZHRoIjowLjAsIkhlaWdodCI6MC4wLCJCb3JkZXJTdHlsZSI6bnVsbCwiUGFyZW50U3R5bGUiOm51bGx9LCJUb2RheU1hcmtlclN0eWxlIjp7IiRpZCI6IjM1IiwiTWFyZ2luIjp7IiRpZCI6IjM2IiwiVG9wIjowLCJMZWZ0IjowLCJSaWdodCI6MCwiQm90dG9tIjowfSwiUGFkZGluZyI6eyIkaWQiOiIzNyIsIlRvcCI6MCwiTGVmdCI6MCwiUmlnaHQiOjAsIkJvdHRvbSI6MH0sIkJhY2tncm91bmQiOnsiJGlkIjoiMzgiLCJDb2xvciI6eyIkaWQiOiIzOSIsIkEiOjI1NSwiUiI6MjU1LCJHIjowLCJCIjowfX0sIklzVmlzaWJsZSI6dHJ1ZSwiV2lkdGgiOjAuMCwiSGVpZ2h0IjowLjAsIkJvcmRlclN0eWxlIjpudWxsLCJQYXJlbnRTdHlsZSI6bnVsbH0sIlNjYWxlU3R5bGUiOnsiJGlkIjoiNDAiLCJTaG93U2VnbWVudFNlcGFyYXRvcnMiOnRydWUsIlNlZ21lbnRTZXBhcmF0b3JPcGFjaXR5IjozMCwiRm9udFNldHRpbmdzIjp7IiRpZCI6IjQxIiwiRm9udFNpemUiOjEyLCJGb250TmFtZSI6IkNhbGlicmkiLCJJc0JvbGQiOmZhbHNlLCJJc0l0YWxpYyI6ZmFsc2UsIklzVW5kZXJsaW5lZCI6ZmFsc2UsIlBhcmVudFN0eWxlIjpudWxsfSwiQXV0b1NpemUiOjAsIkZvcmVncm91bmQiOnsiJGlkIjoiNDIiLCJDb2xvciI6eyIkaWQiOiI0MyIsIkEiOjI1NSwiUiI6MjU1LCJHIjoyNTUsIkIiOjI1NX19LCJNYXhXaWR0aCI6MjAwLjAsIk1heEhlaWdodCI6IkluZmluaXR5IiwiU21hcnRGb3JlZ3JvdW5kSXNBY3RpdmUiOmZhbHNlLCJIb3Jpem9udGFsQWxpZ25tZW50IjowLCJWZXJ0aWNhbEFsaWdubWVudCI6MSwiU21hcnRGb3JlZ3JvdW5kIjpudWxsLCJNYXJnaW4iOnsiJGlkIjoiNDQiLCJUb3AiOjAsIkxlZnQiOjUsIlJpZ2h0IjowLCJCb3R0b20iOjB9LCJQYWRkaW5nIjp7IiRpZCI6IjQ1IiwiVG9wIjowLCJMZWZ0IjowLCJSaWdodCI6MCwiQm90dG9tIjowfSwiQmFja2dyb3VuZCI6eyIkaWQiOiI0NiIsIkNvbG9yIjp7IiRyZWYiOiIyMCJ9fSwiSXNWaXNpYmxlIjp0cnVlLCJXaWR0aCI6MC4wLCJIZWlnaHQiOjAuMCwiQm9yZGVyU3R5bGUiOm51bGwsIlBhcmVudFN0eWxlIjpudWxsfSwiRWxhcHNlZFRpbWVCYWNrZ3JvdW5kIjp7IiRpZCI6IjQ3IiwiQ29sb3IiOnsiJGlkIjoiNDgiLCJBIjo3NywiUiI6MCwiRyI6MCwiQiI6MH19LCJBcHBlbmRZZWFyT25ZZWFyQ2hhbmdlIjp0cnVlLCJFbGFwc2VkVGltZUZvcm1hdCI6MSwiVG9kYXlNYXJrZXJQb3NpdGlvbiI6MSwiUXVpY2tQb3NpdGlvbiI6MSwiQWJzb2x1dGVQb3NpdGlvbiI6MjQwLjAsIk1hcmdpbiI6eyIkaWQiOiI0OSIsIlRvcCI6MCwiTGVmdCI6MTAsIlJpZ2h0IjoxMCwiQm90dG9tIjowfSwiUGFkZGluZyI6eyIkaWQiOiI1MCIsIlRvcCI6MCwiTGVmdCI6MCwiUmlnaHQiOjAsIkJvdHRvbSI6MH0sIkJhY2tncm91bmQiOnsiJGlkIjoiNTEiLCJDb2xvciI6eyIkaWQiOiI1MiIsIkEiOjI1NSwiUiI6MTE1LCJHIjoxMTUsIkIiOjExNX19LCJJc1Zpc2libGUiOnRydWUsIldpZHRoIjowLjAsIkhlaWdodCI6MC4wLCJCb3JkZXJTdHlsZSI6bnVsbCwiUGFyZW50U3R5bGUiOm51bGx9LCJEZWZhdWx0TWlsZXN0b25lU3R5bGUiOnsiJGlkIjoiNTMiLCJTaGFwZSI6MiwiQ29ubmVjdG9yTWFyZ2luIjp7IiRpZCI6IjU0IiwiVG9wIjowLCJMZWZ0IjoyLCJSaWdodCI6MiwiQm90dG9tIjowfSwiQ29ubmVjdG9yU3R5bGUiOnsiJGlkIjoiNTUiLCJMaW5lQ29sb3IiOnsiJGlkIjoiNTYiLCIkdHlwZSI6Ik5MUkUuQ29tbW9uLkRvbS5Tb2xpZENvbG9yQnJ1c2gsIE5MUkUuQ29tbW9uIiwiQ29sb3IiOnsiJGlkIjoiNTciLCJBIjoyNTUsIlIiOjE3OCwiRyI6MTQsIkIiOjE4fX0sIkxpbmVXZWlnaHQiOjEuMCwiTGluZVR5cGUiOjAsIlBhcmVudFN0eWxlIjpudWxsfSwiSXNCZWxvd1RpbWViYW5kIjpmYWxzZSwiSGlkZURhdGUiOmZhbHNlLCJTaGFwZVNpemUiOjEsIlNwYWNpbmciOjIuMCwiUGFkZGluZyI6eyIkaWQiOiI1OCIsIlRvcCI6NywiTGVmdCI6MywiUmlnaHQiOjAsIkJvdHRvbSI6Mn0sIlNoYXBlU3R5bGUiOnsiJGlkIjoiNTkiLCJNYXJnaW4iOnsiJGlkIjoiNjAiLCJUb3AiOjAsIkxlZnQiOjAsIlJpZ2h0IjowLCJCb3R0b20iOjB9LCJQYWRkaW5nIjp7IiRpZCI6IjYxIiwiVG9wIjowLCJMZWZ0IjowLCJSaWdodCI6MCwiQm90dG9tIjowfSwiQmFja2dyb3VuZCI6bnVsbCwiSXNWaXNpYmxlIjp0cnVlLCJXaWR0aCI6MTguMCwiSGVpZ2h0IjoyMC4wLCJCb3JkZXJTdHlsZSI6eyIkaWQiOiI2MiIsIkxpbmVDb2xvciI6eyIkaWQiOiI2MyIsIiR0eXBlIjoiTkxSRS5Db21tb24uRG9tLlNvbGlkQ29sb3JCcnVzaCwgTkxSRS5Db21tb24iLCJDb2xvciI6eyIkaWQiOiI2NCIsIkEiOjI1NSwiUiI6MjU1LCJHIjowLCJCIjowfX0sIkxpbmVXZWlnaHQiOjAuMCwiTGluZVR5cGUiOjAsIlBhcmVudFN0eWxlIjpudWxsfSwiUGFyZW50U3R5bGUiOm51bGx9LCJUaXRsZVN0eWxlIjp7IiRpZCI6IjY1IiwiRm9udFNldHRpbmdzIjp7IiRpZCI6IjY2IiwiRm9udFNpemUiOjExLCJGb250TmFtZSI6IkNhbGlicmkiLCJJc0JvbGQiOnRydWUsIklzSXRhbGljIjpmYWxzZSwiSXNVbmRlcmxpbmVkIjpmYWxzZSwiUGFyZW50U3R5bGUiOm51bGx9LCJBdXRvU2l6ZSI6MCwiRm9yZWdyb3VuZCI6eyIkaWQiOiI2NyIsIkNvbG9yIjp7IiRpZCI6IjY4IiwiQSI6MjU1LCJSIjowLCJHIjowLCJCIjowfX0sIk1heFdpZHRoIjoyMDAuMCwiTWF4SGVpZ2h0IjoiSW5maW5pdHkiLCJTbWFydEZvcmVncm91bmRJc0FjdGl2ZSI6ZmFsc2UsIkhvcml6b250YWxBbGlnbm1lbnQiOjAsIlZlcnRpY2FsQWxpZ25tZW50IjowLCJTbWFydEZvcmVncm91bmQiOm51bGwsIk1hcmdpbiI6eyIkaWQiOiI2OSIsIlRvcCI6MCwiTGVmdCI6MCwiUmlnaHQiOjAsIkJvdHRvbSI6MH0sIlBhZGRpbmciOnsiJGlkIjoiNzAiLCJUb3AiOjAsIkxlZnQiOjAsIlJpZ2h0IjowLCJCb3R0b20iOjB9LCJCYWNrZ3JvdW5kIjp7IiRpZCI6IjcxIiwiQ29sb3IiOnsiJHJlZiI6IjIwIn19LCJJc1Zpc2libGUiOnRydWUsIldpZHRoIjowLjAsIkhlaWdodCI6MC4wLCJCb3JkZXJTdHlsZSI6bnVsbCwiUGFyZW50U3R5bGUiOm51bGx9LCJEYXRlU3R5bGUiOnsiJGlkIjoiNzIiLCJGb250U2V0dGluZ3MiOnsiJGlkIjoiNzMiLCJGb250U2l6ZSI6MTAsIkZvbnROYW1lIjoiQ2FsaWJyaSIsIklzQm9sZCI6ZmFsc2UsIklzSXRhbGljIjpmYWxzZSwiSXNVbmRlcmxpbmVkIjpmYWxzZSwiUGFyZW50U3R5bGUiOm51bGx9LCJBdXRvU2l6ZSI6MCwiRm9yZWdyb3VuZCI6eyIkaWQiOiI3NCIsIkNvbG9yIjp7IiRpZCI6Ijc1IiwiQSI6MjU1LCJSIjozMSwiRyI6NzMsIkIiOjEyNn19LCJNYXhXaWR0aCI6MjAwLjAsIk1heEhlaWdodCI6IkluZmluaXR5IiwiU21hcnRGb3JlZ3JvdW5kSXNBY3RpdmUiOmZhbHNlLCJIb3Jpem9udGFsQWxpZ25tZW50IjowLCJWZXJ0aWNhbEFsaWdubWVudCI6MCwiU21hcnRGb3JlZ3JvdW5kIjpudWxsLCJNYXJnaW4iOnsiJGlkIjoiNzYiLCJUb3AiOjAsIkxlZnQiOjAsIlJpZ2h0IjowLCJCb3R0b20iOjB9LCJQYWRkaW5nIjp7IiRpZCI6Ijc3IiwiVG9wIjowLCJMZWZ0IjowLCJSaWdodCI6MCwiQm90dG9tIjowfSwiQmFja2dyb3VuZCI6eyIkaWQiOiI3OCIsIkNvbG9yIjp7IiRyZWYiOiIyMCJ9fSwiSXNWaXNpYmxlIjp0cnVlLCJXaWR0aCI6MC4wLCJIZWlnaHQiOjAuMCwiQm9yZGVyU3R5bGUiOm51bGwsIlBhcmVudFN0eWxlIjpudWxsfSwiRGF0ZUZvcm1hdCI6eyIkaWQiOiI3OSIsIkZvcm1hdFN0cmluZyI6Ik0vZC95eXl5IiwiU2VwYXJhdG9yIjoiLyIsIlVzZUludGVybmF0aW9uYWxEYXRlRm9ybWF0IjpmYWxzZSwiRGF0ZUlzVmlzaWJsZSI6dHJ1ZSwiVGltZUlzVmlzaWJsZSI6ZmFsc2UsIkhvdXJEaWdpdHMiOjEsIkFtUG1EZXNpZ25hdG9yIjoyLCJUcmltMDBNaW51dGVzIjpmYWxzZSwiTGFzdEtub3duVmlzaWJpbGl0eVN0YXRlIjpudWxsfSwiSXNWaXNpYmxlIjp0cnVlLCJQYXJlbnRTdHlsZSI6bnVsbH0sIkRlZmF1bHRUYXNrU3R5bGUiOnsiJGlkIjoiODAiLCJTaGFwZSI6MiwiU2hhcGVUaGlja25lc3MiOjEsIkR1cmF0aW9uRm9ybWF0IjowLCJJbmNsdWRlTm9uV29ya2luZ0RheXNJbkR1cmF0aW9uIjpmYWxzZSwiUGVyY2VudGFnZUNvbXBsZXRlU3R5bGUiOnsiJGlkIjoiODEiLCJGb250U2V0dGluZ3MiOnsiJGlkIjoiODIiLCJGb250U2l6ZSI6MTAsIkZvbnROYW1lIjoiQ2FsaWJyaSIsIklzQm9sZCI6ZmFsc2UsIklzSXRhbGljIjpmYWxzZSwiSXNVbmRlcmxpbmVkIjpmYWxzZSwiUGFyZW50U3R5bGUiOm51bGx9LCJBdXRvU2l6ZSI6MCwiRm9yZWdyb3VuZCI6eyIkaWQiOiI4MyIsIkNvbG9yIjp7IiRpZCI6Ijg0IiwiQSI6MjU1LCJSIjoxOTIsIkciOjgwLCJCIjo3N319LCJNYXhXaWR0aCI6MjAwLjAsIk1heEhlaWdodCI6IkluZmluaXR5IiwiU21hcnRGb3JlZ3JvdW5kSXNBY3RpdmUiOmZhbHNlLCJIb3Jpem9udGFsQWxpZ25tZW50IjowLCJWZXJ0aWNhbEFsaWdubWVudCI6MCwiU21hcnRGb3JlZ3JvdW5kIjpudWxsLCJNYXJnaW4iOnsiJGlkIjoiODUiLCJUb3AiOjAsIkxlZnQiOjAsIlJpZ2h0IjowLCJCb3R0b20iOjB9LCJQYWRkaW5nIjp7IiRpZCI6Ijg2IiwiVG9wIjowLCJMZWZ0IjowLCJSaWdodCI6MCwiQm90dG9tIjowfSwiQmFja2dyb3VuZCI6eyIkaWQiOiI4NyIsIkNvbG9yIjp7IiRyZWYiOiIyMCJ9fSwiSXNWaXNpYmxlIjp0cnVlLCJXaWR0aCI6MC4wLCJIZWlnaHQiOjAuMCwiQm9yZGVyU3R5bGUiOm51bGwsIlBhcmVudFN0eWxlIjpudWxsfSwiRHVyYXRpb25TdHlsZSI6eyIkaWQiOiI4OCIsIkZvbnRTZXR0aW5ncyI6eyIkaWQiOiI4OSIsIkZvbnRTaXplIjoxMCwiRm9udE5hbWUiOiJDYWxpYnJpIiwiSXNCb2xkIjpmYWxzZSwiSXNJdGFsaWMiOmZhbHNlLCJJc1VuZGVybGluZWQiOmZhbHNlLCJQYXJlbnRTdHlsZSI6bnVsbH0sIkF1dG9TaXplIjowLCJGb3JlZ3JvdW5kIjp7IiRpZCI6IjkwIiwiQ29sb3IiOnsiJGlkIjoiOTEiLCJBIjoyNTUsIlIiOjE5MiwiRyI6ODAsIkIiOjc3fX0sIk1heFdpZHRoIjoyMDAuMCwiTWF4SGVpZ2h0IjoiSW5maW5pdHkiLCJTbWFydEZvcmVncm91bmRJc0FjdGl2ZSI6ZmFsc2UsIkhvcml6b250YWxBbGlnbm1lbnQiOjAsIlZlcnRpY2FsQWxpZ25tZW50IjowLCJTbWFydEZvcmVncm91bmQiOm51bGwsIk1hcmdpbiI6eyIkaWQiOiI5MiIsIlRvcCI6MCwiTGVmdCI6MCwiUmlnaHQiOjAsIkJvdHRvbSI6MH0sIlBhZGRpbmciOnsiJGlkIjoiOTMiLCJUb3AiOjAsIkxlZnQiOjAsIlJpZ2h0IjowLCJCb3R0b20iOjB9LCJCYWNrZ3JvdW5kIjp7IiRpZCI6Ijk0IiwiQ29sb3IiOnsiJHJlZiI6IjIwIn19LCJJc1Zpc2libGUiOnRydWUsIldpZHRoIjowLjAsIkhlaWdodCI6MC4wLCJCb3JkZXJTdHlsZSI6bnVsbCwiUGFyZW50U3R5bGUiOm51bGx9LCJIb3Jpem9udGFsQ29ubmVjdG9yU3R5bGUiOnsiJGlkIjoiOTUiLCJMaW5lQ29sb3IiOnsiJGlkIjoiOTYiLCIkdHlwZSI6Ik5MUkUuQ29tbW9uLkRvbS5Tb2xpZENvbG9yQnJ1c2gsIE5MUkUuQ29tbW9uIiwiQ29sb3IiOnsiJGlkIjoiOTciLCJBIjoyNTUsIlIiOjAsIkciOjAsIkIiOjB9fSwiTGluZVdlaWdodCI6MC4wLCJMaW5lVHlwZSI6MCwiUGFyZW50U3R5bGUiOm51bGx9LCJWZXJ0aWNhbENvbm5lY3RvclN0eWxlIjp7IiRpZCI6Ijk4IiwiTGluZUNvbG9yIjp7IiRpZCI6Ijk5IiwiJHR5cGUiOiJOTFJFLkNvbW1vbi5Eb20uU29saWRDb2xvckJydXNoLCBOTFJFLkNvbW1vbiIsIkNvbG9yIjp7IiRpZCI6IjEwMCIsIkEiOjI1NSwiUiI6MCwiRyI6MCwiQiI6MH19LCJMaW5lV2VpZ2h0IjoxLjAsIkxpbmVUeXBlIjowLCJQYXJlbnRTdHlsZSI6bnVsbH0sIk1hcmdpbiI6bnVsbCwiU3RhcnREYXRlUG9zaXRpb24iOjMsIkVuZERhdGVQb3NpdGlvbiI6NCwiRGF0ZUlzVmlzaWJsZSI6dHJ1ZSwiVGl0bGVQb3NpdGlvbiI6NSwiRHVyYXRpb25Qb3NpdGlvbiI6NiwiUGVyY2VudGFnZUNvbXBsZXRlZFBvc2l0aW9uIjo2LCJTcGFjaW5nIjo1LCJJc0JlbG93VGltZWJhbmQiOnRydWUsIlBlcmNlbnRhZ2VDb21wbGV0ZVNoYXBlT3BhY2l0eSI6MzUsIlNoYXBlU3R5bGUiOnsiJGlkIjoiMTAxIiwiTWFyZ2luIjp7IiRpZCI6IjEwMiIsIlRvcCI6MCwiTGVmdCI6NCwiUmlnaHQiOjQsIkJvdHRvbSI6MH0sIlBhZGRpbmciOnsiJGlkIjoiMTAzIiwiVG9wIjowLCJMZWZ0IjowLCJSaWdodCI6MCwiQm90dG9tIjowfSwiQmFja2dyb3VuZCI6bnVsbCwiSXNWaXNpYmxlIjp0cnVlLCJXaWR0aCI6MC4wLCJIZWlnaHQiOjE2LjAsIkJvcmRlclN0eWxlIjp7IiRpZCI6IjEwNCIsIkxpbmVDb2xvciI6eyIkaWQiOiIxMDUiLCIkdHlwZSI6Ik5MUkUuQ29tbW9uLkRvbS5Tb2xpZENvbG9yQnJ1c2gsIE5MUkUuQ29tbW9uIiwiQ29sb3IiOnsiJGlkIjoiMTA2IiwiQSI6MjU1LCJSIjoyNTUsIkciOjAsIkIiOjB9fSwiTGluZVdlaWdodCI6MC4wLCJMaW5lVHlwZSI6MCwiUGFyZW50U3R5bGUiOm51bGx9LCJQYXJlbnRTdHlsZSI6bnVsbH0sIlRpdGxlU3R5bGUiOnsiJGlkIjoiMTA3IiwiRm9udFNldHRpbmdzIjp7IiRpZCI6IjEwOCIsIkZvbnRTaXplIjoxMSwiRm9udE5hbWUiOiJDYWxpYnJpIiwiSXNCb2xkIjp0cnVlLCJJc0l0YWxpYyI6ZmFsc2UsIklzVW5kZXJsaW5lZCI6ZmFsc2UsIlBhcmVudFN0eWxlIjpudWxsfSwiQXV0b1NpemUiOjAsIkZvcmVncm91bmQiOnsiJGlkIjoiMTA5IiwiQ29sb3IiOnsiJGlkIjoiMTEwIiwiQSI6MjU1LCJSIjowLCJHIjowLCJCIjowfX0sIk1heFdpZHRoIjo5NjAuMCwiTWF4SGVpZ2h0IjoiSW5maW5pdHkiLCJTbWFydEZvcmVncm91bmRJc0FjdGl2ZSI6ZmFsc2UsIkhvcml6b250YWxBbGlnbm1lbnQiOjEsIlZlcnRpY2FsQWxpZ25tZW50IjowLCJTbWFydEZvcmVncm91bmQiOm51bGwsIk1hcmdpbiI6eyIkaWQiOiIxMTEiLCJUb3AiOjAsIkxlZnQiOjAsIlJpZ2h0IjowLCJCb3R0b20iOjB9LCJQYWRkaW5nIjp7IiRpZCI6IjExMiIsIlRvcCI6MCwiTGVmdCI6MCwiUmlnaHQiOjAsIkJvdHRvbSI6MH0sIkJhY2tncm91bmQiOnsiJGlkIjoiMTEzIiwiQ29sb3IiOnsiJHJlZiI6IjIwIn19LCJJc1Zpc2libGUiOnRydWUsIldpZHRoIjowLjAsIkhlaWdodCI6MC4wLCJCb3JkZXJTdHlsZSI6bnVsbCwiUGFyZW50U3R5bGUiOm51bGx9LCJEYXRlU3R5bGUiOnsiJGlkIjoiMTE0IiwiRm9udFNldHRpbmdzIjp7IiRpZCI6IjExNSIsIkZvbnRTaXplIjoxMCwiRm9udE5hbWUiOiJDYWxpYnJpIiwiSXNCb2xkIjpmYWxzZSwiSXNJdGFsaWMiOmZhbHNlLCJJc1VuZGVybGluZWQiOmZhbHNlLCJQYXJlbnRTdHlsZSI6bnVsbH0sIkF1dG9TaXplIjowLCJGb3JlZ3JvdW5kIjp7IiRpZCI6IjExNiIsIkNvbG9yIjp7IiRpZCI6IjExNyIsIkEiOjI1NSwiUiI6MzEsIkciOjczLCJCIjoxMjZ9fSwiTWF4V2lkdGgiOjIwMC4wLCJNYXhIZWlnaHQiOiJJbmZpbml0eSIsIlNtYXJ0Rm9yZWdyb3VuZElzQWN0aXZlIjpmYWxzZSwiSG9yaXpvbnRhbEFsaWdubWVudCI6MCwiVmVydGljYWxBbGlnbm1lbnQiOjAsIlNtYXJ0Rm9yZWdyb3VuZCI6bnVsbCwiTWFyZ2luIjp7IiRpZCI6IjExOCIsIlRvcCI6MCwiTGVmdCI6MCwiUmlnaHQiOjAsIkJvdHRvbSI6MH0sIlBhZGRpbmciOnsiJGlkIjoiMTE5IiwiVG9wIjowLCJMZWZ0IjowLCJSaWdodCI6MCwiQm90dG9tIjowfSwiQmFja2dyb3VuZCI6eyIkaWQiOiIxMjAiLCJDb2xvciI6eyIkcmVmIjoiMjAifX0sIklzVmlzaWJsZSI6dHJ1ZSwiV2lkdGgiOjAuMCwiSGVpZ2h0IjowLjAsIkJvcmRlclN0eWxlIjpudWxsLCJQYXJlbnRTdHlsZSI6bnVsbH0sIkRhdGVGb3JtYXQiOnsiJGlkIjoiMTIxIiwiRm9ybWF0U3RyaW5nIjoiTS9kL3l5eXkiLCJTZXBhcmF0b3IiOiIvIiwiVXNlSW50ZXJuYXRpb25hbERhdGVGb3JtYXQiOmZhbHNlLCJEYXRlSXNWaXNpYmxlIjp0cnVlLCJUaW1lSXNWaXNpYmxlIjpmYWxzZSwiSG91ckRpZ2l0cyI6MSwiQW1QbURlc2lnbmF0b3IiOjIsIlRyaW0wME1pbnV0ZXMiOmZhbHNlLCJMYXN0S25vd25WaXNpYmlsaXR5U3RhdGUiOm51bGx9LCJJc1Zpc2libGUiOnRydWUsIlBhcmVudFN0eWxlIjpudWxsLCJfZXhwbGljaXRseVNldCI6eyIkaWQiOiIxMjIiLCJTaGFwZVN0eWxlIjpmYWxzZSwiVGl0bGVTdHlsZSI6ZmFsc2UsIkRhdGVTdHlsZSI6ZmFsc2UsIkhvcml6b250YWxDb25uZWN0b3JTdHlsZSI6ZmFsc2UsIlZlcnRpY2FsQ29ubmVjdG9yU3R5bGUiOmZhbHNlLCJQZXJjZW50YWdlQ29tcGxldGVTaGFwZU9wYWNpdHkiOmZhbHNlLCJTaGFwZSI6ZmFsc2UsIlNoYXBlVGhpY2tuZXNzIjpmYWxzZSwiRHVyYXRpb25Gb3JtYXQiOmZhbHNlLCJJbmNsdWRlTm9uV29ya2luZ0RheXNJbkR1cmF0aW9uIjpmYWxzZSwiTWFyZ2luIjpmYWxzZSwiU3RhcnREYXRlUG9zaXRpb24iOmZhbHNlLCJFbmREYXRlUG9zaXRpb24iOmZhbHNlLCJUaXRsZVBvc2l0aW9uIjpmYWxzZSwiRHVyYXRpb25Qb3NpdGlvbiI6ZmFsc2UsIlBlcmNlbnRhZ2VDb21wbGV0ZWRQb3NpdGlvbiI6ZmFsc2UsIlNwYWNpbmciOmZhbHNlLCJJc0JlbG93VGltZWJhbmQiOmZhbHNlLCJEYXRlRm9ybWF0IjpmYWxzZSwiSXNWaXNpYmxlIjpmYWxzZX19LCJTaG93RWxhcHNlZFRpbWVHcmFkaWVudFN0eWxlIjpmYWxzZX0sIlNjYWxlIjp7IiRpZCI6IjEyMyIsIlN0YXJ0RGF0ZSI6IjIwMTctMDQtMTBUMDA6MDA6MDAiLCJFbmREYXRlIjoiMjAxNy0wOS0xMVQyMzo1OTowMCIsIkZvcm1hdCI6ImRkL01NIiwiVHlwZSI6MSwiQXV0b0RhdGVSYW5nZSI6dHJ1ZSwiV29ya2luZ0RheXMiOjEyNywiVG9kYXlNYXJrZXJUZXh0IjoiSGV1dGUiLCJBdXRvU2NhbGVUeXBlIjpmYWxzZX0sIk1pbGVzdG9uZXMiOlt7IiRpZCI6IjEyNCIsIkRhdGUiOiIyMDE3LTA0LTEwVDIzOjU5OjAwWiIsIlN0eWxlIjp7IiRpZCI6IjEyNSIsIlNoYXBlIjoyLCJDb25uZWN0b3JNYXJnaW4iOnsiJHJlZiI6IjU0In0sIkNvbm5lY3RvclN0eWxlIjp7IiRpZCI6IjEyNiIsIkxpbmVDb2xvciI6eyIkaWQiOiIxMjciLCIkdHlwZSI6Ik5MUkUuQ29tbW9uLkRvbS5Tb2xpZENvbG9yQnJ1c2gsIE5MUkUuQ29tbW9uIiwiQ29sb3IiOnsiJGlkIjoiMTI4IiwiQSI6MTI3LCJSIjoyMzQsIkciOjIyLCJCIjozMH19LCJMaW5lV2VpZ2h0IjoxLjAsIkxpbmVUeXBlIjowLCJQYXJlbnRTdHlsZSI6eyIkcmVmIjoiNTUifX0sIklzQmVsb3dUaW1lYmFuZCI6ZmFsc2UsIkhpZGVEYXRlIjpmYWxzZSwiU2hhcGVTaXplIjoyLCJTcGFjaW5nIjoyLjAsIlBhZGRpbmciOnsiJHJlZiI6IjU4In0sIlNoYXBlU3R5bGUiOnsiJGlkIjoiMTI5IiwiTWFyZ2luIjp7IiRyZWYiOiI2MCJ9LCJQYWRkaW5nIjp7IiRyZWYiOiI2MSJ9LCJCYWNrZ3JvdW5kIjp7IiRpZCI6IjEzMCIsIkNvbG9yIjp7IiRpZCI6IjEzMSIsIkEiOjI1NSwiUiI6MjM0LCJHIjoyMiwiQiI6MzB9fSwiSXNWaXNpYmxlIjp0cnVlLCJXaWR0aCI6MTguMCwiSGVpZ2h0IjoxOC4wLCJCb3JkZXJTdHlsZSI6eyIkaWQiOiIxMzIiLCJMaW5lQ29sb3IiOnsiJHJlZiI6IjYzIn0sIkxpbmVXZWlnaHQiOjAuMCwiTGluZVR5cGUiOjAsIlBhcmVudFN0eWxlIjp7IiRyZWYiOiI2MiJ9fSwiUGFyZW50U3R5bGUiOnsiJHJlZiI6IjU5In19LCJUaXRsZVN0eWxlIjp7IiRpZCI6IjEzMyIsIkZvbnRTZXR0aW5ncyI6eyIkaWQiOiIxMzQiLCJGb250U2l6ZSI6MTEsIkZvbnROYW1lIjoiQ2FsaWJyaSIsIklzQm9sZCI6dHJ1ZSwiSXNJdGFsaWMiOmZhbHNlLCJJc1VuZGVybGluZWQiOmZhbHNlLCJQYXJlbnRTdHlsZSI6eyIkcmVmIjoiNjYifX0sIkF1dG9TaXplIjowLCJGb3JlZ3JvdW5kIjp7IiRyZWYiOiI2NyJ9LCJNYXhXaWR0aCI6MjAwLjAsIk1heEhlaWdodCI6IkluZmluaXR5IiwiU21hcnRGb3JlZ3JvdW5kSXNBY3RpdmUiOmZhbHNlLCJIb3Jpem9udGFsQWxpZ25tZW50IjowLCJWZXJ0aWNhbEFsaWdubWVudCI6MCwiU21hcnRGb3JlZ3JvdW5kIjpudWxsLCJNYXJnaW4iOnsiJHJlZiI6IjY5In0sIlBhZGRpbmciOnsiJHJlZiI6IjcwIn0sIkJhY2tncm91bmQiOnsiJHJlZiI6IjcxIn0sIklzVmlzaWJsZSI6dHJ1ZSwiV2lkdGgiOjAuMCwiSGVpZ2h0IjowLjAsIkJvcmRlclN0eWxlIjp7IiRpZCI6IjEzNSIsIkxpbmVDb2xvciI6bnVsbCwiTGluZVdlaWdodCI6MC4wLCJMaW5lVHlwZSI6MCwiUGFyZW50U3R5bGUiOm51bGx9LCJQYXJlbnRTdHlsZSI6eyIkcmVmIjoiNjUifX0sIkRhdGVTdHlsZSI6eyIkaWQiOiIxMzYiLCJGb250U2V0dGluZ3MiOnsiJGlkIjoiMTM3IiwiRm9udFNpemUiOjEwLCJGb250TmFtZSI6IkNhbGlicmkiLCJJc0JvbGQiOmZhbHNlLCJJc0l0YWxpYyI6ZmFsc2UsIklzVW5kZXJsaW5lZCI6ZmFsc2UsIlBhcmVudFN0eWxlIjp7IiRyZWYiOiI3MyJ9fSwiQXV0b1NpemUiOjAsIkZvcmVncm91bmQiOnsiJHJlZiI6Ijc0In0sIk1heFdpZHRoIjoyMDAuMCwiTWF4SGVpZ2h0IjoiSW5maW5pdHkiLCJTbWFydEZvcmVncm91bmRJc0FjdGl2ZSI6ZmFsc2UsIkhvcml6b250YWxBbGlnbm1lbnQiOjAsIlZlcnRpY2FsQWxpZ25tZW50IjowLCJTbWFydEZvcmVncm91bmQiOm51bGwsIk1hcmdpbiI6eyIkcmVmIjoiNzYifSwiUGFkZGluZyI6eyIkcmVmIjoiNzcifSwiQmFja2dyb3VuZCI6eyIkcmVmIjoiNzgifSwiSXNWaXNpYmxlIjp0cnVlLCJXaWR0aCI6MC4wLCJIZWlnaHQiOjAuMCwiQm9yZGVyU3R5bGUiOnsiJGlkIjoiMTM4IiwiTGluZUNvbG9yIjpudWxsLCJMaW5lV2VpZ2h0IjowLjAsIkxpbmVUeXBlIjowLCJQYXJlbnRTdHlsZSI6bnVsbH0sIlBhcmVudFN0eWxlIjp7IiRyZWYiOiI3MiJ9fSwiRGF0ZUZvcm1hdCI6eyIkcmVmIjoiNzkifSwiSXNWaXNpYmxlIjp0cnVlLCJQYXJlbnRTdHlsZSI6eyIkcmVmIjoiNTMifX0sIlBvc2l0aW9uIjp7IlJhdGlvIjowLjEyNzU0NjMyNjQzNzExNDE5LCJJc0N1c3RvbSI6dHJ1ZX0sIkRhdGVGb3JtYXQiOnsiJHJlZiI6Ijc5In0sIklkIjoiNjQ2NGJhNTctM2RlNC00MDNiLTg1ODQtZDAzM2MxMTQ0OGQzIiwiSW1wb3J0SWQiOm51bGwsIlRpdGxlIjoiU3RhcnQiLCJOb3RlIjpudWxsLCJIeXBlcmxpbmsiOm51bGwsIklzQ2hhbmdlZCI6ZmFsc2UsIklzTmV3IjpmYWxzZX0seyIkaWQiOiIxMzkiLCJEYXRlIjoiMjAxNy0wOC0xNFQyMzo1OTowMFoiLCJTdHlsZSI6eyIkaWQiOiIxNDAiLCJTaGFwZSI6MiwiQ29ubmVjdG9yTWFyZ2luIjp7IiRyZWYiOiI1NCJ9LCJDb25uZWN0b3JTdHlsZSI6eyIkaWQiOiIxNDEiLCJMaW5lQ29sb3IiOnsiJGlkIjoiMTQyIiwiJHR5cGUiOiJOTFJFLkNvbW1vbi5Eb20uU29saWRDb2xvckJydXNoLCBOTFJFLkNvbW1vbiIsIkNvbG9yIjp7IiRpZCI6IjE0MyIsIkEiOjEyNywiUiI6NDcsIkciOjU0LCJCIjoxNTN9fSwiTGluZVdlaWdodCI6MS4wLCJMaW5lVHlwZSI6MCwiUGFyZW50U3R5bGUiOnsiJHJlZiI6IjU1In19LCJJc0JlbG93VGltZWJhbmQiOmZhbHNlLCJIaWRlRGF0ZSI6ZmFsc2UsIlNoYXBlU2l6ZSI6MiwiU3BhY2luZyI6Mi4wLCJQYWRkaW5nIjp7IiRyZWYiOiI1OCJ9LCJTaGFwZVN0eWxlIjp7IiRpZCI6IjE0NCIsIk1hcmdpbiI6eyIkcmVmIjoiNjAifSwiUGFkZGluZyI6eyIkcmVmIjoiNjEifSwiQmFja2dyb3VuZCI6eyIkaWQiOiIxNDUiLCJDb2xvciI6eyIkaWQiOiIxNDYiLCJBIjoyNTUsIlIiOjQ3LCJHIjo1NCwiQiI6MTUzfX0sIklzVmlzaWJsZSI6dHJ1ZSwiV2lkdGgiOjE4LjAsIkhlaWdodCI6MTguMCwiQm9yZGVyU3R5bGUiOnsiJGlkIjoiMTQ3IiwiTGluZUNvbG9yIjp7IiRyZWYiOiI2MyJ9LCJMaW5lV2VpZ2h0IjowLjAsIkxpbmVUeXBlIjowLCJQYXJlbnRTdHlsZSI6eyIkcmVmIjoiNjIifX0sIlBhcmVudFN0eWxlIjp7IiRyZWYiOiI1OSJ9fSwiVGl0bGVTdHlsZSI6eyIkaWQiOiIxNDgiLCJGb250U2V0dGluZ3MiOnsiJGlkIjoiMTQ5IiwiRm9udFNpemUiOjExLCJGb250TmFtZSI6IkNhbGlicmkiLCJJc0JvbGQiOnRydWUsIklzSXRhbGljIjpmYWxzZSwiSXNVbmRlcmxpbmVkIjpmYWxzZSwiUGFyZW50U3R5bGUiOnsiJHJlZiI6IjY2In19LCJBdXRvU2l6ZSI6MCwiRm9yZWdyb3VuZCI6eyIkcmVmIjoiNjcifSwiTWF4V2lkdGgiOjIwMC4wLCJNYXhIZWlnaHQiOiJJbmZpbml0eSIsIlNtYXJ0Rm9yZWdyb3VuZElzQWN0aXZlIjpmYWxzZSwiSG9yaXpvbnRhbEFsaWdubWVudCI6MCwiVmVydGljYWxBbGlnbm1lbnQiOjAsIlNtYXJ0Rm9yZWdyb3VuZCI6bnVsbCwiTWFyZ2luIjp7IiRyZWYiOiI2OSJ9LCJQYWRkaW5nIjp7IiRyZWYiOiI3MCJ9LCJCYWNrZ3JvdW5kIjp7IiRyZWYiOiI3MSJ9LCJJc1Zpc2libGUiOnRydWUsIldpZHRoIjowLjAsIkhlaWdodCI6MC4wLCJCb3JkZXJTdHlsZSI6eyIkaWQiOiIxNTAiLCJMaW5lQ29sb3IiOm51bGwsIkxpbmVXZWlnaHQiOjAuMCwiTGluZVR5cGUiOjAsIlBhcmVudFN0eWxlIjpudWxsfSwiUGFyZW50U3R5bGUiOnsiJHJlZiI6IjY1In19LCJEYXRlU3R5bGUiOnsiJGlkIjoiMTUxIiwiRm9udFNldHRpbmdzIjp7IiRpZCI6IjE1MiIsIkZvbnRTaXplIjoxMCwiRm9udE5hbWUiOiJDYWxpYnJpIiwiSXNCb2xkIjpmYWxzZSwiSXNJdGFsaWMiOmZhbHNlLCJJc1VuZGVybGluZWQiOmZhbHNlLCJQYXJlbnRTdHlsZSI6eyIkcmVmIjoiNzMifX0sIkF1dG9TaXplIjowLCJGb3JlZ3JvdW5kIjp7IiRyZWYiOiI3NCJ9LCJNYXhXaWR0aCI6MjAwLjAsIk1heEhlaWdodCI6IkluZmluaXR5IiwiU21hcnRGb3JlZ3JvdW5kSXNBY3RpdmUiOmZhbHNlLCJIb3Jpem9udGFsQWxpZ25tZW50IjowLCJWZXJ0aWNhbEFsaWdubWVudCI6MCwiU21hcnRGb3JlZ3JvdW5kIjpudWxsLCJNYXJnaW4iOnsiJHJlZiI6Ijc2In0sIlBhZGRpbmciOnsiJHJlZiI6Ijc3In0sIkJhY2tncm91bmQiOnsiJHJlZiI6Ijc4In0sIklzVmlzaWJsZSI6dHJ1ZSwiV2lkdGgiOjAuMCwiSGVpZ2h0IjowLjAsIkJvcmRlclN0eWxlIjp7IiRpZCI6IjE1MyIsIkxpbmVDb2xvciI6bnVsbCwiTGluZVdlaWdodCI6MC4wLCJMaW5lVHlwZSI6MCwiUGFyZW50U3R5bGUiOm51bGx9LCJQYXJlbnRTdHlsZSI6eyIkcmVmIjoiNzIifX0sIkRhdGVGb3JtYXQiOnsiJHJlZiI6Ijc5In0sIklzVmlzaWJsZSI6dHJ1ZSwiUGFyZW50U3R5bGUiOnsiJHJlZiI6IjUzIn19LCJQb3NpdGlvbiI6eyJSYXRpbyI6MC4xMzE5ODQ3OTczNDgyMTA4NCwiSXNDdXN0b20iOnRydWV9LCJEYXRlRm9ybWF0Ijp7IiRyZWYiOiI3OSJ9LCJJZCI6IjY3ZjdkNmUxLTEwMGYtNGFlYi1hMTI3LTc2NWQzMGU0YjhhYyIsIkltcG9ydElkIjpudWxsLCJUaXRsZSI6IkVyc3RlIFZlcnNpb24gZGVyIEFyYmVpdCIsIk5vdGUiOm51bGwsIkh5cGVybGluayI6bnVsbCwiSXNDaGFuZ2VkIjpmYWxzZSwiSXNOZXciOmZhbHNlfSx7IiRpZCI6IjE1NCIsIkRhdGUiOiIyMDE3LTA5LTExVDIzOjU5OjAwWiIsIlN0eWxlIjp7IiRpZCI6IjE1NSIsIlNoYXBlIjoyLCJDb25uZWN0b3JNYXJnaW4iOnsiJHJlZiI6IjU0In0sIkNvbm5lY3RvclN0eWxlIjp7IiRpZCI6IjE1NiIsIkxpbmVDb2xvciI6eyIkaWQiOiIxNTciLCIkdHlwZSI6Ik5MUkUuQ29tbW9uLkRvbS5Tb2xpZENvbG9yQnJ1c2gsIE5MUkUuQ29tbW9uIiwiQ29sb3IiOnsiJGlkIjoiMTU4IiwiQSI6MTI3LCJSIjoyMzQsIkciOjIyLCJCIjozMH19LCJMaW5lV2VpZ2h0IjoxLjAsIkxpbmVUeXBlIjowLCJQYXJlbnRTdHlsZSI6eyIkcmVmIjoiNTUifX0sIklzQmVsb3dUaW1lYmFuZCI6ZmFsc2UsIkhpZGVEYXRlIjpmYWxzZSwiU2hhcGVTaXplIjoyLCJTcGFjaW5nIjoyLjAsIlBhZGRpbmciOnsiJHJlZiI6IjU4In0sIlNoYXBlU3R5bGUiOnsiJGlkIjoiMTU5IiwiTWFyZ2luIjp7IiRyZWYiOiI2MCJ9LCJQYWRkaW5nIjp7IiRyZWYiOiI2MSJ9LCJCYWNrZ3JvdW5kIjp7IiRpZCI6IjE2MCIsIkNvbG9yIjp7IiRpZCI6IjE2MSIsIkEiOjI1NSwiUiI6MjM0LCJHIjoyMiwiQiI6MzB9fSwiSXNWaXNpYmxlIjp0cnVlLCJXaWR0aCI6MTguMCwiSGVpZ2h0IjoxOC4wLCJCb3JkZXJTdHlsZSI6eyIkaWQiOiIxNjIiLCJMaW5lQ29sb3IiOnsiJHJlZiI6IjYzIn0sIkxpbmVXZWlnaHQiOjAuMCwiTGluZVR5cGUiOjAsIlBhcmVudFN0eWxlIjp7IiRyZWYiOiI2MiJ9fSwiUGFyZW50U3R5bGUiOnsiJHJlZiI6IjU5In19LCJUaXRsZVN0eWxlIjp7IiRpZCI6IjE2MyIsIkZvbnRTZXR0aW5ncyI6eyIkaWQiOiIxNjQiLCJGb250U2l6ZSI6MTEsIkZvbnROYW1lIjoiQ2FsaWJyaSIsIklzQm9sZCI6dHJ1ZSwiSXNJdGFsaWMiOmZhbHNlLCJJc1VuZGVybGluZWQiOmZhbHNlLCJQYXJlbnRTdHlsZSI6eyIkcmVmIjoiNjYifX0sIkF1dG9TaXplIjowLCJGb3JlZ3JvdW5kIjp7IiRyZWYiOiI2NyJ9LCJNYXhXaWR0aCI6MjAwLjAsIk1heEhlaWdodCI6IkluZmluaXR5IiwiU21hcnRGb3JlZ3JvdW5kSXNBY3RpdmUiOmZhbHNlLCJIb3Jpem9udGFsQWxpZ25tZW50IjowLCJWZXJ0aWNhbEFsaWdubWVudCI6MCwiU21hcnRGb3JlZ3JvdW5kIjpudWxsLCJNYXJnaW4iOnsiJHJlZiI6IjY5In0sIlBhZGRpbmciOnsiJHJlZiI6IjcwIn0sIkJhY2tncm91bmQiOnsiJHJlZiI6IjcxIn0sIklzVmlzaWJsZSI6dHJ1ZSwiV2lkdGgiOjAuMCwiSGVpZ2h0IjowLjAsIkJvcmRlclN0eWxlIjp7IiRpZCI6IjE2NSIsIkxpbmVDb2xvciI6bnVsbCwiTGluZVdlaWdodCI6MC4wLCJMaW5lVHlwZSI6MCwiUGFyZW50U3R5bGUiOm51bGx9LCJQYXJlbnRTdHlsZSI6eyIkcmVmIjoiNjUifX0sIkRhdGVTdHlsZSI6eyIkaWQiOiIxNjYiLCJGb250U2V0dGluZ3MiOnsiJGlkIjoiMTY3IiwiRm9udFNpemUiOjEwLCJGb250TmFtZSI6IkNhbGlicmkiLCJJc0JvbGQiOmZhbHNlLCJJc0l0YWxpYyI6ZmFsc2UsIklzVW5kZXJsaW5lZCI6ZmFsc2UsIlBhcmVudFN0eWxlIjp7IiRyZWYiOiI3MyJ9fSwiQXV0b1NpemUiOjAsIkZvcmVncm91bmQiOnsiJHJlZiI6Ijc0In0sIk1heFdpZHRoIjoyMDAuMCwiTWF4SGVpZ2h0IjoiSW5maW5pdHkiLCJTbWFydEZvcmVncm91bmRJc0FjdGl2ZSI6ZmFsc2UsIkhvcml6b250YWxBbGlnbm1lbnQiOjAsIlZlcnRpY2FsQWxpZ25tZW50IjowLCJTbWFydEZvcmVncm91bmQiOm51bGwsIk1hcmdpbiI6eyIkcmVmIjoiNzYifSwiUGFkZGluZyI6eyIkcmVmIjoiNzcifSwiQmFja2dyb3VuZCI6eyIkcmVmIjoiNzgifSwiSXNWaXNpYmxlIjp0cnVlLCJXaWR0aCI6MC4wLCJIZWlnaHQiOjAuMCwiQm9yZGVyU3R5bGUiOnsiJGlkIjoiMTY4IiwiTGluZUNvbG9yIjpudWxsLCJMaW5lV2VpZ2h0IjowLjAsIkxpbmVUeXBlIjowLCJQYXJlbnRTdHlsZSI6bnVsbH0sIlBhcmVudFN0eWxlIjp7IiRyZWYiOiI3MiJ9fSwiRGF0ZUZvcm1hdCI6eyIkcmVmIjoiNzkifSwiSXNWaXNpYmxlIjp0cnVlLCJQYXJlbnRTdHlsZSI6eyIkcmVmIjoiNTMifX0sIlBvc2l0aW9uIjp7IlJhdGlvIjowLjEzNTIyMjM3MzY3OTgzMjE3LCJJc0N1c3RvbSI6dHJ1ZX0sIkRhdGVGb3JtYXQiOnsiJHJlZiI6Ijc5In0sIklkIjoiZTZmN2IwMzYtMzViOS00NGZmLTg1Y2YtMjBiNTMwZjljODc4IiwiSW1wb3J0SWQiOm51bGwsIlRpdGxlIjoiQWJzY2hsdXNzIChzcMOkdGVzdGVyIEFiZ2FiZXRlcm1pbikiLCJOb3RlIjpudWxsLCJIeXBlcmxpbmsiOm51bGwsIklzQ2hhbmdlZCI6ZmFsc2UsIklzTmV3IjpmYWxzZX1dLCJUYXNrcyI6W3siJGlkIjoiMTY5IiwiR3JvdXBOYW1lIjpudWxsLCJTdGFydERhdGUiOiIyMDE3LTA0LTEwVDAwOjAwOjAwWiIsIkVuZERhdGUiOiIyMDE3LTA0LTMwVDIzOjU5OjAwWiIsIlBlcmNlbnRhZ2VDb21wbGV0ZSI6bnVsbCwiU3R5bGUiOnsiJGlkIjoiMTcwIiwiU2hhcGUiOjEsIlNoYXBlVGhpY2tuZXNzIjoxLCJEdXJhdGlvbkZvcm1hdCI6MCwiSW5jbHVkZU5vbldvcmtpbmdEYXlzSW5EdXJhdGlvbiI6ZmFsc2UsIlBlcmNlbnRhZ2VDb21wbGV0ZVN0eWxlIjp7IiRpZCI6IjE3MSIsIkZvbnRTZXR0aW5ncyI6eyIkaWQiOiIxNzIiLCJGb250U2l6ZSI6MTAsIkZvbnROYW1lIjoiQ2FsaWJyaSIsIklzQm9sZCI6ZmFsc2UsIklzSXRhbGljIjpmYWxzZSwiSXNVbmRlcmxpbmVkIjpmYWxzZSwiUGFyZW50U3R5bGUiOnsiJHJlZiI6IjgyIn19LCJBdXRvU2l6ZSI6MCwiRm9yZWdyb3VuZCI6eyIkcmVmIjoiODMifSwiTWF4V2lkdGgiOjIwMC4wLCJNYXhIZWlnaHQiOiJJbmZpbml0eSIsIlNtYXJ0Rm9yZWdyb3VuZElzQWN0aXZlIjpmYWxzZSwiSG9yaXpvbnRhbEFsaWdubWVudCI6MCwiVmVydGljYWxBbGlnbm1lbnQiOjAsIlNtYXJ0Rm9yZWdyb3VuZCI6bnVsbCwiTWFyZ2luIjp7IiRyZWYiOiI4NSJ9LCJQYWRkaW5nIjp7IiRyZWYiOiI4NiJ9LCJCYWNrZ3JvdW5kIjp7IiRyZWYiOiI4NyJ9LCJJc1Zpc2libGUiOnRydWUsIldpZHRoIjowLjAsIkhlaWdodCI6MC4wLCJCb3JkZXJTdHlsZSI6eyIkaWQiOiIxNzMiLCJMaW5lQ29sb3IiOm51bGwsIkxpbmVXZWlnaHQiOjAuMCwiTGluZVR5cGUiOjAsIlBhcmVudFN0eWxlIjpudWxsfSwiUGFyZW50U3R5bGUiOnsiJHJlZiI6IjgxIn19LCJEdXJhdGlvblN0eWxlIjp7IiRpZCI6IjE3NCIsIkZvbnRTZXR0aW5ncyI6eyIkaWQiOiIxNzUiLCJGb250U2l6ZSI6MTAsIkZvbnROYW1lIjoiQ2FsaWJyaSIsIklzQm9sZCI6ZmFsc2UsIklzSXRhbGljIjpmYWxzZSwiSXNVbmRlcmxpbmVkIjpmYWxzZSwiUGFyZW50U3R5bGUiOnsiJHJlZiI6Ijg5In19LCJBdXRvU2l6ZSI6MCwiRm9yZWdyb3VuZCI6eyIkcmVmIjoiOTAifSwiTWF4V2lkdGgiOjIwMC4wLCJNYXhIZWlnaHQiOiJJbmZpbml0eSIsIlNtYXJ0Rm9yZWdyb3VuZElzQWN0aXZlIjpmYWxzZSwiSG9yaXpvbnRhbEFsaWdubWVudCI6MCwiVmVydGljYWxBbGlnbm1lbnQiOjAsIlNtYXJ0Rm9yZWdyb3VuZCI6bnVsbCwiTWFyZ2luIjp7IiRyZWYiOiI5MiJ9LCJQYWRkaW5nIjp7IiRyZWYiOiI5MyJ9LCJCYWNrZ3JvdW5kIjp7IiRyZWYiOiI5NCJ9LCJJc1Zpc2libGUiOnRydWUsIldpZHRoIjowLjAsIkhlaWdodCI6MC4wLCJCb3JkZXJTdHlsZSI6eyIkaWQiOiIxNzYiLCJMaW5lQ29sb3IiOm51bGwsIkxpbmVXZWlnaHQiOjAuMCwiTGluZVR5cGUiOjAsIlBhcmVudFN0eWxlIjpudWxsfSwiUGFyZW50U3R5bGUiOnsiJHJlZiI6Ijg4In19LCJIb3Jpem9udGFsQ29ubmVjdG9yU3R5bGUiOnsiJGlkIjoiMTc3IiwiTGluZUNvbG9yIjp7IiRyZWYiOiI5NiJ9LCJMaW5lV2VpZ2h0IjowLjAsIkxpbmVUeXBlIjowLCJQYXJlbnRTdHlsZSI6eyIkcmVmIjoiOTUifX0sIlZlcnRpY2FsQ29ubmVjdG9yU3R5bGUiOnsiJGlkIjoiMTc4IiwiTGluZUNvbG9yIjp7IiRyZWYiOiI5OSJ9LCJMaW5lV2VpZ2h0IjoxLjAsIkxpbmVUeXBlIjowLCJQYXJlbnRTdHlsZSI6eyIkcmVmIjoiOTgifX0sIk1hcmdpbiI6bnVsbCwiU3RhcnREYXRlUG9zaXRpb24iOjMsIkVuZERhdGVQb3NpdGlvbiI6NCwiRGF0ZUlzVmlzaWJsZSI6dHJ1ZSwiVGl0bGVQb3NpdGlvbiI6NSwiRHVyYXRpb25Qb3NpdGlvbiI6NiwiUGVyY2VudGFnZUNvbXBsZXRlZFBvc2l0aW9uIjo2LCJTcGFjaW5nIjo1LCJJc0JlbG93VGltZWJhbmQiOnRydWUsIlBlcmNlbnRhZ2VDb21wbGV0ZVNoYXBlT3BhY2l0eSI6MzUsIlNoYXBlU3R5bGUiOnsiJGlkIjoiMTc5IiwiTWFyZ2luIjp7IiRyZWYiOiIxMDIifSwiUGFkZGluZyI6eyIkcmVmIjoiMTAzIn0sIkJhY2tncm91bmQiOnsiJGlkIjoiMTgwIiwiQ29sb3IiOnsiJGlkIjoiMTgxIiwiQSI6MjU1LCJSIjowLCJHIjoxMTQsIkIiOjE4OH19LCJJc1Zpc2libGUiOnRydWUsIldpZHRoIjowLjAsIkhlaWdodCI6MTYuMCwiQm9yZGVyU3R5bGUiOnsiJGlkIjoiMTgyIiwiTGluZUNvbG9yIjp7IiRyZWYiOiIxMDUifSwiTGluZVdlaWdodCI6MC4wLCJMaW5lVHlwZSI6MCwiUGFyZW50U3R5bGUiOnsiJHJlZiI6IjEwNCJ9fSwiUGFyZW50U3R5bGUiOnsiJHJlZiI6IjEwMSJ9fSwiVGl0bGVTdHlsZSI6eyIkaWQiOiIxODMiLCJGb250U2V0dGluZ3MiOnsiJGlkIjoiMTg0IiwiRm9udFNpemUiOjExLCJGb250TmFtZSI6IkNhbGlicmkiLCJJc0JvbGQiOnRydWUsIklzSXRhbGljIjpmYWxzZSwiSXNVbmRlcmxpbmVkIjpmYWxzZSwiUGFyZW50U3R5bGUiOnsiJHJlZiI6IjEwOCJ9fSwiQXV0b1NpemUiOjIsIkZvcmVncm91bmQiOnsiJHJlZiI6IjEwOSJ9LCJNYXhXaWR0aCI6MzcuMCwiTWF4SGVpZ2h0IjoiSW5maW5pdHkiLCJTbWFydEZvcmVncm91bmRJc0FjdGl2ZSI6ZmFsc2UsIkhvcml6b250YWxBbGlnbm1lbnQiOjEsIlZlcnRpY2FsQWxpZ25tZW50IjowLCJTbWFydEZvcmVncm91bmQiOm51bGwsIk1hcmdpbiI6eyIkcmVmIjoiMTExIn0sIlBhZGRpbmciOnsiJHJlZiI6IjExMiJ9LCJCYWNrZ3JvdW5kIjp7IiRyZWYiOiIxMTMifSwiSXNWaXNpYmxlIjp0cnVlLCJXaWR0aCI6MC4wLCJIZWlnaHQiOjAuMCwiQm9yZGVyU3R5bGUiOnsiJGlkIjoiMTg1IiwiTGluZUNvbG9yIjpudWxsLCJMaW5lV2VpZ2h0IjowLjAsIkxpbmVUeXBlIjowLCJQYXJlbnRTdHlsZSI6bnVsbH0sIlBhcmVudFN0eWxlIjp7IiRyZWYiOiIxMDcifX0sIkRhdGVTdHlsZSI6eyIkaWQiOiIxODYiLCJGb250U2V0dGluZ3MiOnsiJGlkIjoiMTg3IiwiRm9udFNpemUiOjEwLCJGb250TmFtZSI6IkNhbGlicmkiLCJJc0JvbGQiOmZhbHNlLCJJc0l0YWxpYyI6ZmFsc2UsIklzVW5kZXJsaW5lZCI6ZmFsc2UsIlBhcmVudFN0eWxlIjp7IiRyZWYiOiIxMTUifX0sIkF1dG9TaXplIjowLCJGb3JlZ3JvdW5kIjp7IiRyZWYiOiIxMTYifSwiTWF4V2lkdGgiOjIwMC4wLCJNYXhIZWlnaHQiOiJJbmZpbml0eSIsIlNtYXJ0Rm9yZWdyb3VuZElzQWN0aXZlIjpmYWxzZSwiSG9yaXpvbnRhbEFsaWdubWVudCI6MCwiVmVydGljYWxBbGlnbm1lbnQiOjAsIlNtYXJ0Rm9yZWdyb3VuZCI6bnVsbCwiTWFyZ2luIjp7IiRyZWYiOiIxMTgifSwiUGFkZGluZyI6eyIkcmVmIjoiMTE5In0sIkJhY2tncm91bmQiOnsiJHJlZiI6IjEyMCJ9LCJJc1Zpc2libGUiOnRydWUsIldpZHRoIjowLjAsIkhlaWdodCI6MC4wLCJCb3JkZXJTdHlsZSI6eyIkaWQiOiIxODgiLCJMaW5lQ29sb3IiOm51bGwsIkxpbmVXZWlnaHQiOjAuMCwiTGluZVR5cGUiOjAsIlBhcmVudFN0eWxlIjpudWxsfSwiUGFyZW50U3R5bGUiOnsiJHJlZiI6IjExNCJ9fSwiRGF0ZUZvcm1hdCI6eyIkcmVmIjoiMTIxIn0sIklzVmlzaWJsZSI6dHJ1ZSwiUGFyZW50U3R5bGUiOnsiJHJlZiI6IjgwIn19LCJJbmRleCI6MSwiU21hcnREdXJhdGlvbkFjdGl2YXRlZCI6ZmFsc2UsIkRhdGVGb3JtYXQiOnsiJHJlZiI6IjEyMSJ9LCJJZCI6IjVlMmVkYWQ5LTFkYTYtNDU0Zi1hNjM2LWQzZDIxOTVhYWFhZSIsIkltcG9ydElkIjpudWxsLCJUaXRsZSI6IkVpbnN0aWVnIiwiTm90ZSI6bnVsbCwiSHlwZXJsaW5rIjpudWxsLCJJc0NoYW5nZWQiOmZhbHNlLCJJc05ldyI6ZmFsc2V9LHsiJGlkIjoiMTg5IiwiR3JvdXBOYW1lIjpudWxsLCJTdGFydERhdGUiOiIyMDE3LTA0LTI0VDAwOjAwOjAwWiIsIkVuZERhdGUiOiIyMDE3LTA3LTAyVDIzOjU5OjAwWiIsIlBlcmNlbnRhZ2VDb21wbGV0ZSI6bnVsbCwiU3R5bGUiOnsiJGlkIjoiMTkwIiwiU2hhcGUiOjEsIlNoYXBlVGhpY2tuZXNzIjoxLCJEdXJhdGlvbkZvcm1hdCI6MCwiSW5jbHVkZU5vbldvcmtpbmdEYXlzSW5EdXJhdGlvbiI6ZmFsc2UsIlBlcmNlbnRhZ2VDb21wbGV0ZVN0eWxlIjp7IiRpZCI6IjE5MSIsIkZvbnRTZXR0aW5ncyI6eyIkaWQiOiIxOTIiLCJGb250U2l6ZSI6MTAsIkZvbnROYW1lIjoiQ2FsaWJyaSIsIklzQm9sZCI6ZmFsc2UsIklzSXRhbGljIjpmYWxzZSwiSXNVbmRlcmxpbmVkIjpmYWxzZSwiUGFyZW50U3R5bGUiOnsiJHJlZiI6IjgyIn19LCJBdXRvU2l6ZSI6MCwiRm9yZWdyb3VuZCI6eyIkcmVmIjoiODMifSwiTWF4V2lkdGgiOjIwMC4wLCJNYXhIZWlnaHQiOiJJbmZpbml0eSIsIlNtYXJ0Rm9yZWdyb3VuZElzQWN0aXZlIjpmYWxzZSwiSG9yaXpvbnRhbEFsaWdubWVudCI6MCwiVmVydGljYWxBbGlnbm1lbnQiOjAsIlNtYXJ0Rm9yZWdyb3VuZCI6bnVsbCwiTWFyZ2luIjp7IiRyZWYiOiI4NSJ9LCJQYWRkaW5nIjp7IiRyZWYiOiI4NiJ9LCJCYWNrZ3JvdW5kIjp7IiRyZWYiOiI4NyJ9LCJJc1Zpc2libGUiOnRydWUsIldpZHRoIjowLjAsIkhlaWdodCI6MC4wLCJCb3JkZXJTdHlsZSI6eyIkaWQiOiIxOTMiLCJMaW5lQ29sb3IiOm51bGwsIkxpbmVXZWlnaHQiOjAuMCwiTGluZVR5cGUiOjAsIlBhcmVudFN0eWxlIjpudWxsfSwiUGFyZW50U3R5bGUiOnsiJHJlZiI6IjgxIn19LCJEdXJhdGlvblN0eWxlIjp7IiRpZCI6IjE5NCIsIkZvbnRTZXR0aW5ncyI6eyIkaWQiOiIxOTUiLCJGb250U2l6ZSI6MTAsIkZvbnROYW1lIjoiQ2FsaWJyaSIsIklzQm9sZCI6ZmFsc2UsIklzSXRhbGljIjpmYWxzZSwiSXNVbmRlcmxpbmVkIjpmYWxzZSwiUGFyZW50U3R5bGUiOnsiJHJlZiI6Ijg5In19LCJBdXRvU2l6ZSI6MCwiRm9yZWdyb3VuZCI6eyIkcmVmIjoiOTAifSwiTWF4V2lkdGgiOjIwMC4wLCJNYXhIZWlnaHQiOiJJbmZpbml0eSIsIlNtYXJ0Rm9yZWdyb3VuZElzQWN0aXZlIjpmYWxzZSwiSG9yaXpvbnRhbEFsaWdubWVudCI6MCwiVmVydGljYWxBbGlnbm1lbnQiOjAsIlNtYXJ0Rm9yZWdyb3VuZCI6bnVsbCwiTWFyZ2luIjp7IiRyZWYiOiI5MiJ9LCJQYWRkaW5nIjp7IiRyZWYiOiI5MyJ9LCJCYWNrZ3JvdW5kIjp7IiRyZWYiOiI5NCJ9LCJJc1Zpc2libGUiOnRydWUsIldpZHRoIjowLjAsIkhlaWdodCI6MC4wLCJCb3JkZXJTdHlsZSI6eyIkaWQiOiIxOTYiLCJMaW5lQ29sb3IiOm51bGwsIkxpbmVXZWlnaHQiOjAuMCwiTGluZVR5cGUiOjAsIlBhcmVudFN0eWxlIjpudWxsfSwiUGFyZW50U3R5bGUiOnsiJHJlZiI6Ijg4In19LCJIb3Jpem9udGFsQ29ubmVjdG9yU3R5bGUiOnsiJGlkIjoiMTk3IiwiTGluZUNvbG9yIjp7IiRyZWYiOiI5NiJ9LCJMaW5lV2VpZ2h0IjowLjAsIkxpbmVUeXBlIjowLCJQYXJlbnRTdHlsZSI6eyIkcmVmIjoiOTUifX0sIlZlcnRpY2FsQ29ubmVjdG9yU3R5bGUiOnsiJGlkIjoiMTk4IiwiTGluZUNvbG9yIjp7IiRyZWYiOiI5OSJ9LCJMaW5lV2VpZ2h0IjoxLjAsIkxpbmVUeXBlIjowLCJQYXJlbnRTdHlsZSI6eyIkcmVmIjoiOTgifX0sIk1hcmdpbiI6bnVsbCwiU3RhcnREYXRlUG9zaXRpb24iOjMsIkVuZERhdGVQb3NpdGlvbiI6NCwiRGF0ZUlzVmlzaWJsZSI6dHJ1ZSwiVGl0bGVQb3NpdGlvbiI6NSwiRHVyYXRpb25Qb3NpdGlvbiI6NiwiUGVyY2VudGFnZUNvbXBsZXRlZFBvc2l0aW9uIjo2LCJTcGFjaW5nIjo1LCJJc0JlbG93VGltZWJhbmQiOnRydWUsIlBlcmNlbnRhZ2VDb21wbGV0ZVNoYXBlT3BhY2l0eSI6MzUsIlNoYXBlU3R5bGUiOnsiJGlkIjoiMTk5IiwiTWFyZ2luIjp7IiRyZWYiOiIxMDIifSwiUGFkZGluZyI6eyIkcmVmIjoiMTAzIn0sIkJhY2tncm91bmQiOnsiJGlkIjoiMjAwIiwiQ29sb3IiOnsiJGlkIjoiMjAxIiwiQSI6MjU1LCJSIjoyMzcsIkciOjEyNSwiQiI6NDl9fSwiSXNWaXNpYmxlIjp0cnVlLCJXaWR0aCI6MC4wLCJIZWlnaHQiOjE2LjAsIkJvcmRlclN0eWxlIjp7IiRpZCI6IjIwMiIsIkxpbmVDb2xvciI6eyIkcmVmIjoiMTA1In0sIkxpbmVXZWlnaHQiOjAuMCwiTGluZVR5cGUiOjAsIlBhcmVudFN0eWxlIjp7IiRyZWYiOiIxMDQifX0sIlBhcmVudFN0eWxlIjp7IiRyZWYiOiIxMDEifX0sIlRpdGxlU3R5bGUiOnsiJGlkIjoiMjAzIiwiRm9udFNldHRpbmdzIjp7IiRpZCI6IjIwNCIsIkZvbnRTaXplIjoxMSwiRm9udE5hbWUiOiJDYWxpYnJpIiwiSXNCb2xkIjp0cnVlLCJJc0l0YWxpYyI6ZmFsc2UsIklzVW5kZXJsaW5lZCI6ZmFsc2UsIlBhcmVudFN0eWxlIjp7IiRyZWYiOiIxMDgifX0sIkF1dG9TaXplIjoyLCJGb3JlZ3JvdW5kIjp7IiRyZWYiOiIxMDkifSwiTWF4V2lkdGgiOjgxLjYwNjM3NjY0Nzk0OTIxOSwiTWF4SGVpZ2h0IjoiSW5maW5pdHkiLCJTbWFydEZvcmVncm91bmRJc0FjdGl2ZSI6ZmFsc2UsIkhvcml6b250YWxBbGlnbm1lbnQiOjEsIlZlcnRpY2FsQWxpZ25tZW50IjowLCJTbWFydEZvcmVncm91bmQiOm51bGwsIk1hcmdpbiI6eyIkcmVmIjoiMTExIn0sIlBhZGRpbmciOnsiJHJlZiI6IjExMiJ9LCJCYWNrZ3JvdW5kIjp7IiRyZWYiOiIxMTMifSwiSXNWaXNpYmxlIjp0cnVlLCJXaWR0aCI6MC4wLCJIZWlnaHQiOjAuMCwiQm9yZGVyU3R5bGUiOnsiJGlkIjoiMjA1IiwiTGluZUNvbG9yIjpudWxsLCJMaW5lV2VpZ2h0IjowLjAsIkxpbmVUeXBlIjowLCJQYXJlbnRTdHlsZSI6bnVsbH0sIlBhcmVudFN0eWxlIjp7IiRyZWYiOiIxMDcifX0sIkRhdGVTdHlsZSI6eyIkaWQiOiIyMDYiLCJGb250U2V0dGluZ3MiOnsiJGlkIjoiMjA3IiwiRm9udFNpemUiOjEwLCJGb250TmFtZSI6IkNhbGlicmkiLCJJc0JvbGQiOmZhbHNlLCJJc0l0YWxpYyI6ZmFsc2UsIklzVW5kZXJsaW5lZCI6ZmFsc2UsIlBhcmVudFN0eWxlIjp7IiRyZWYiOiIxMTUifX0sIkF1dG9TaXplIjowLCJGb3JlZ3JvdW5kIjp7IiRyZWYiOiIxMTYifSwiTWF4V2lkdGgiOjIwMC4wLCJNYXhIZWlnaHQiOiJJbmZpbml0eSIsIlNtYXJ0Rm9yZWdyb3VuZElzQWN0aXZlIjpmYWxzZSwiSG9yaXpvbnRhbEFsaWdubWVudCI6MCwiVmVydGljYWxBbGlnbm1lbnQiOjAsIlNtYXJ0Rm9yZWdyb3VuZCI6bnVsbCwiTWFyZ2luIjp7IiRyZWYiOiIxMTgifSwiUGFkZGluZyI6eyIkcmVmIjoiMTE5In0sIkJhY2tncm91bmQiOnsiJHJlZiI6IjEyMCJ9LCJJc1Zpc2libGUiOnRydWUsIldpZHRoIjowLjAsIkhlaWdodCI6MC4wLCJCb3JkZXJTdHlsZSI6eyIkaWQiOiIyMDgiLCJMaW5lQ29sb3IiOm51bGwsIkxpbmVXZWlnaHQiOjAuMCwiTGluZVR5cGUiOjAsIlBhcmVudFN0eWxlIjpudWxsfSwiUGFyZW50U3R5bGUiOnsiJHJlZiI6IjExNCJ9fSwiRGF0ZUZvcm1hdCI6eyIkcmVmIjoiMTIxIn0sIklzVmlzaWJsZSI6dHJ1ZSwiUGFyZW50U3R5bGUiOnsiJHJlZiI6IjgwIn19LCJJbmRleCI6MiwiU21hcnREdXJhdGlvbkFjdGl2YXRlZCI6ZmFsc2UsIkRhdGVGb3JtYXQiOnsiJHJlZiI6IjEyMSJ9LCJJZCI6ImUxOTkyZTdkLTUzNTYtNDlmYi1hNjU4LWYyMGNlYTllM2JmZCIsIkltcG9ydElkIjpudWxsLCJUaXRsZSI6IlB5dGhvbiBJbXBsZW1lbnRpZXJ1bmciLCJOb3RlIjpudWxsLCJIeXBlcmxpbmsiOm51bGwsIklzQ2hhbmdlZCI6ZmFsc2UsIklzTmV3IjpmYWxzZX0seyIkaWQiOiIyMDkiLCJHcm91cE5hbWUiOm51bGwsIlN0YXJ0RGF0ZSI6IjIwMTctMDUtMTVUMDA6MDA6MDBaIiwiRW5kRGF0ZSI6IjIwMTctMDctMDhUMjM6NTk6MDBaIiwiUGVyY2VudGFnZUNvbXBsZXRlIjpudWxsLCJTdHlsZSI6eyIkaWQiOiIyMTAiLCJTaGFwZSI6MSwiU2hhcGVUaGlja25lc3MiOjEsIkR1cmF0aW9uRm9ybWF0IjowLCJJbmNsdWRlTm9uV29ya2luZ0RheXNJbkR1cmF0aW9uIjpmYWxzZSwiUGVyY2VudGFnZUNvbXBsZXRlU3R5bGUiOnsiJGlkIjoiMjExIiwiRm9udFNldHRpbmdzIjp7IiRpZCI6IjIxMiIsIkZvbnRTaXplIjoxMCwiRm9udE5hbWUiOiJDYWxpYnJpIiwiSXNCb2xkIjpmYWxzZSwiSXNJdGFsaWMiOmZhbHNlLCJJc1VuZGVybGluZWQiOmZhbHNlLCJQYXJlbnRTdHlsZSI6eyIkcmVmIjoiODIifX0sIkF1dG9TaXplIjowLCJGb3JlZ3JvdW5kIjp7IiRyZWYiOiI4MyJ9LCJNYXhXaWR0aCI6MjAwLjAsIk1heEhlaWdodCI6IkluZmluaXR5IiwiU21hcnRGb3JlZ3JvdW5kSXNBY3RpdmUiOmZhbHNlLCJIb3Jpem9udGFsQWxpZ25tZW50IjowLCJWZXJ0aWNhbEFsaWdubWVudCI6MCwiU21hcnRGb3JlZ3JvdW5kIjpudWxsLCJNYXJnaW4iOnsiJHJlZiI6Ijg1In0sIlBhZGRpbmciOnsiJHJlZiI6Ijg2In0sIkJhY2tncm91bmQiOnsiJHJlZiI6Ijg3In0sIklzVmlzaWJsZSI6dHJ1ZSwiV2lkdGgiOjAuMCwiSGVpZ2h0IjowLjAsIkJvcmRlclN0eWxlIjp7IiRpZCI6IjIxMyIsIkxpbmVDb2xvciI6bnVsbCwiTGluZVdlaWdodCI6MC4wLCJMaW5lVHlwZSI6MCwiUGFyZW50U3R5bGUiOm51bGx9LCJQYXJlbnRTdHlsZSI6eyIkcmVmIjoiODEifX0sIkR1cmF0aW9uU3R5bGUiOnsiJGlkIjoiMjE0IiwiRm9udFNldHRpbmdzIjp7IiRpZCI6IjIxNSIsIkZvbnRTaXplIjoxMCwiRm9udE5hbWUiOiJDYWxpYnJpIiwiSXNCb2xkIjpmYWxzZSwiSXNJdGFsaWMiOmZhbHNlLCJJc1VuZGVybGluZWQiOmZhbHNlLCJQYXJlbnRTdHlsZSI6eyIkcmVmIjoiODkifX0sIkF1dG9TaXplIjowLCJGb3JlZ3JvdW5kIjp7IiRyZWYiOiI5MCJ9LCJNYXhXaWR0aCI6MjAwLjAsIk1heEhlaWdodCI6IkluZmluaXR5IiwiU21hcnRGb3JlZ3JvdW5kSXNBY3RpdmUiOmZhbHNlLCJIb3Jpem9udGFsQWxpZ25tZW50IjowLCJWZXJ0aWNhbEFsaWdubWVudCI6MCwiU21hcnRGb3JlZ3JvdW5kIjpudWxsLCJNYXJnaW4iOnsiJHJlZiI6IjkyIn0sIlBhZGRpbmciOnsiJHJlZiI6IjkzIn0sIkJhY2tncm91bmQiOnsiJHJlZiI6Ijk0In0sIklzVmlzaWJsZSI6dHJ1ZSwiV2lkdGgiOjAuMCwiSGVpZ2h0IjowLjAsIkJvcmRlclN0eWxlIjp7IiRpZCI6IjIxNiIsIkxpbmVDb2xvciI6bnVsbCwiTGluZVdlaWdodCI6MC4wLCJMaW5lVHlwZSI6MCwiUGFyZW50U3R5bGUiOm51bGx9LCJQYXJlbnRTdHlsZSI6eyIkcmVmIjoiODgifX0sIkhvcml6b250YWxDb25uZWN0b3JTdHlsZSI6eyIkaWQiOiIyMTciLCJMaW5lQ29sb3IiOnsiJHJlZiI6Ijk2In0sIkxpbmVXZWlnaHQiOjAuMCwiTGluZVR5cGUiOjAsIlBhcmVudFN0eWxlIjp7IiRyZWYiOiI5NSJ9fSwiVmVydGljYWxDb25uZWN0b3JTdHlsZSI6eyIkaWQiOiIyMTgiLCJMaW5lQ29sb3IiOnsiJHJlZiI6Ijk5In0sIkxpbmVXZWlnaHQiOjEuMCwiTGluZVR5cGUiOjAsIlBhcmVudFN0eWxlIjp7IiRyZWYiOiI5OCJ9fSwiTWFyZ2luIjpudWxsLCJTdGFydERhdGVQb3NpdGlvbiI6MywiRW5kRGF0ZVBvc2l0aW9uIjo0LCJEYXRlSXNWaXNpYmxlIjp0cnVlLCJUaXRsZVBvc2l0aW9uIjo1LCJEdXJhdGlvblBvc2l0aW9uIjo2LCJQZXJjZW50YWdlQ29tcGxldGVkUG9zaXRpb24iOjYsIlNwYWNpbmciOjUsIklzQmVsb3dUaW1lYmFuZCI6dHJ1ZSwiUGVyY2VudGFnZUNvbXBsZXRlU2hhcGVPcGFjaXR5IjozNSwiU2hhcGVTdHlsZSI6eyIkaWQiOiIyMTkiLCJNYXJnaW4iOnsiJHJlZiI6IjEwMiJ9LCJQYWRkaW5nIjp7IiRyZWYiOiIxMDMifSwiQmFja2dyb3VuZCI6eyIkaWQiOiIyMjAiLCJDb2xvciI6eyIkaWQiOiIyMjEiLCJBIjoyNTUsIlIiOjIsIkciOjE3OCwiQiI6MjM4fX0sIklzVmlzaWJsZSI6dHJ1ZSwiV2lkdGgiOjAuMCwiSGVpZ2h0IjoxNi4wLCJCb3JkZXJTdHlsZSI6eyIkaWQiOiIyMjIiLCJMaW5lQ29sb3IiOnsiJHJlZiI6IjEwNSJ9LCJMaW5lV2VpZ2h0IjowLjAsIkxpbmVUeXBlIjowLCJQYXJlbnRTdHlsZSI6eyIkcmVmIjoiMTA0In19LCJQYXJlbnRTdHlsZSI6eyIkcmVmIjoiMTAxIn19LCJUaXRsZVN0eWxlIjp7IiRpZCI6IjIyMyIsIkZvbnRTZXR0aW5ncyI6eyIkaWQiOiIyMjQiLCJGb250U2l6ZSI6MTEsIkZvbnROYW1lIjoiQ2FsaWJyaSIsIklzQm9sZCI6dHJ1ZSwiSXNJdGFsaWMiOmZhbHNlLCJJc1VuZGVybGluZWQiOmZhbHNlLCJQYXJlbnRTdHlsZSI6eyIkcmVmIjoiMTA4In19LCJBdXRvU2l6ZSI6MCwiRm9yZWdyb3VuZCI6eyIkcmVmIjoiMTA5In0sIk1heFdpZHRoIjo3MjAuMCwiTWF4SGVpZ2h0IjoiSW5maW5pdHkiLCJTbWFydEZvcmVncm91bmRJc0FjdGl2ZSI6ZmFsc2UsIkhvcml6b250YWxBbGlnbm1lbnQiOjEsIlZlcnRpY2FsQWxpZ25tZW50IjowLCJTbWFydEZvcmVncm91bmQiOm51bGwsIk1hcmdpbiI6eyIkcmVmIjoiMTExIn0sIlBhZGRpbmciOnsiJHJlZiI6IjExMiJ9LCJCYWNrZ3JvdW5kIjp7IiRyZWYiOiIxMTMifSwiSXNWaXNpYmxlIjp0cnVlLCJXaWR0aCI6MC4wLCJIZWlnaHQiOjAuMCwiQm9yZGVyU3R5bGUiOnsiJGlkIjoiMjI1IiwiTGluZUNvbG9yIjpudWxsLCJMaW5lV2VpZ2h0IjowLjAsIkxpbmVUeXBlIjowLCJQYXJlbnRTdHlsZSI6bnVsbH0sIlBhcmVudFN0eWxlIjp7IiRyZWYiOiIxMDcifX0sIkRhdGVTdHlsZSI6eyIkaWQiOiIyMjYiLCJGb250U2V0dGluZ3MiOnsiJGlkIjoiMjI3IiwiRm9udFNpemUiOjEwLCJGb250TmFtZSI6IkNhbGlicmkiLCJJc0JvbGQiOmZhbHNlLCJJc0l0YWxpYyI6ZmFsc2UsIklzVW5kZXJsaW5lZCI6ZmFsc2UsIlBhcmVudFN0eWxlIjp7IiRyZWYiOiIxMTUifX0sIkF1dG9TaXplIjowLCJGb3JlZ3JvdW5kIjp7IiRyZWYiOiIxMTYifSwiTWF4V2lkdGgiOjIwMC4wLCJNYXhIZWlnaHQiOiJJbmZpbml0eSIsIlNtYXJ0Rm9yZWdyb3VuZElzQWN0aXZlIjpmYWxzZSwiSG9yaXpvbnRhbEFsaWdubWVudCI6MCwiVmVydGljYWxBbGlnbm1lbnQiOjAsIlNtYXJ0Rm9yZWdyb3VuZCI6bnVsbCwiTWFyZ2luIjp7IiRyZWYiOiIxMTgifSwiUGFkZGluZyI6eyIkcmVmIjoiMTE5In0sIkJhY2tncm91bmQiOnsiJHJlZiI6IjEyMCJ9LCJJc1Zpc2libGUiOnRydWUsIldpZHRoIjowLjAsIkhlaWdodCI6MC4wLCJCb3JkZXJTdHlsZSI6eyIkaWQiOiIyMjgiLCJMaW5lQ29sb3IiOm51bGwsIkxpbmVXZWlnaHQiOjAuMCwiTGluZVR5cGUiOjAsIlBhcmVudFN0eWxlIjpudWxsfSwiUGFyZW50U3R5bGUiOnsiJHJlZiI6IjExNCJ9fSwiRGF0ZUZvcm1hdCI6eyIkcmVmIjoiMTIxIn0sIklzVmlzaWJsZSI6dHJ1ZSwiUGFyZW50U3R5bGUiOnsiJHJlZiI6IjgwIn19LCJJbmRleCI6MywiU21hcnREdXJhdGlvbkFjdGl2YXRlZCI6ZmFsc2UsIkRhdGVGb3JtYXQiOnsiJHJlZiI6IjEyMSJ9LCJJZCI6IjgzNzYxOTU0LWM1ZTktNGE1Mi05YjA2LTgzMThhY2ViMTEwNyIsIkltcG9ydElkIjpudWxsLCJUaXRsZSI6IkF1c3dlcnR1bmcgZGVyIFNpbXVsYXRpb24iLCJOb3RlIjpudWxsLCJIeXBlcmxpbmsiOm51bGwsIklzQ2hhbmdlZCI6ZmFsc2UsIklzTmV3IjpmYWxzZX0seyIkaWQiOiIyMjkiLCJHcm91cE5hbWUiOm51bGwsIlN0YXJ0RGF0ZSI6IjIwMTctMDYtMTlUMDA6MDA6MDBaIiwiRW5kRGF0ZSI6IjIwMTctMDktMTBUMjM6NTk6MDBaIiwiUGVyY2VudGFnZUNvbXBsZXRlIjpudWxsLCJTdHlsZSI6eyIkaWQiOiIyMzAiLCJTaGFwZSI6MSwiU2hhcGVUaGlja25lc3MiOjEsIkR1cmF0aW9uRm9ybWF0IjowLCJJbmNsdWRlTm9uV29ya2luZ0RheXNJbkR1cmF0aW9uIjpmYWxzZSwiUGVyY2VudGFnZUNvbXBsZXRlU3R5bGUiOnsiJGlkIjoiMjMxIiwiRm9udFNldHRpbmdzIjp7IiRpZCI6IjIzMiIsIkZvbnRTaXplIjoxMCwiRm9udE5hbWUiOiJDYWxpYnJpIiwiSXNCb2xkIjpmYWxzZSwiSXNJdGFsaWMiOmZhbHNlLCJJc1VuZGVybGluZWQiOmZhbHNlLCJQYXJlbnRTdHlsZSI6eyIkcmVmIjoiODIifX0sIkF1dG9TaXplIjowLCJGb3JlZ3JvdW5kIjp7IiRyZWYiOiI4MyJ9LCJNYXhXaWR0aCI6MjAwLjAsIk1heEhlaWdodCI6IkluZmluaXR5IiwiU21hcnRGb3JlZ3JvdW5kSXNBY3RpdmUiOmZhbHNlLCJIb3Jpem9udGFsQWxpZ25tZW50IjowLCJWZXJ0aWNhbEFsaWdubWVudCI6MCwiU21hcnRGb3JlZ3JvdW5kIjpudWxsLCJNYXJnaW4iOnsiJHJlZiI6Ijg1In0sIlBhZGRpbmciOnsiJHJlZiI6Ijg2In0sIkJhY2tncm91bmQiOnsiJHJlZiI6Ijg3In0sIklzVmlzaWJsZSI6dHJ1ZSwiV2lkdGgiOjAuMCwiSGVpZ2h0IjowLjAsIkJvcmRlclN0eWxlIjp7IiRpZCI6IjIzMyIsIkxpbmVDb2xvciI6bnVsbCwiTGluZVdlaWdodCI6MC4wLCJMaW5lVHlwZSI6MCwiUGFyZW50U3R5bGUiOm51bGx9LCJQYXJlbnRTdHlsZSI6eyIkcmVmIjoiODEifX0sIkR1cmF0aW9uU3R5bGUiOnsiJGlkIjoiMjM0IiwiRm9udFNldHRpbmdzIjp7IiRpZCI6IjIzNSIsIkZvbnRTaXplIjoxMCwiRm9udE5hbWUiOiJDYWxpYnJpIiwiSXNCb2xkIjpmYWxzZSwiSXNJdGFsaWMiOmZhbHNlLCJJc1VuZGVybGluZWQiOmZhbHNlLCJQYXJlbnRTdHlsZSI6eyIkcmVmIjoiODkifX0sIkF1dG9TaXplIjowLCJGb3JlZ3JvdW5kIjp7IiRyZWYiOiI5MCJ9LCJNYXhXaWR0aCI6MjAwLjAsIk1heEhlaWdodCI6IkluZmluaXR5IiwiU21hcnRGb3JlZ3JvdW5kSXNBY3RpdmUiOmZhbHNlLCJIb3Jpem9udGFsQWxpZ25tZW50IjowLCJWZXJ0aWNhbEFsaWdubWVudCI6MCwiU21hcnRGb3JlZ3JvdW5kIjpudWxsLCJNYXJnaW4iOnsiJHJlZiI6IjkyIn0sIlBhZGRpbmciOnsiJHJlZiI6IjkzIn0sIkJhY2tncm91bmQiOnsiJHJlZiI6Ijk0In0sIklzVmlzaWJsZSI6dHJ1ZSwiV2lkdGgiOjAuMCwiSGVpZ2h0IjowLjAsIkJvcmRlclN0eWxlIjp7IiRpZCI6IjIzNiIsIkxpbmVDb2xvciI6bnVsbCwiTGluZVdlaWdodCI6MC4wLCJMaW5lVHlwZSI6MCwiUGFyZW50U3R5bGUiOm51bGx9LCJQYXJlbnRTdHlsZSI6eyIkcmVmIjoiODgifX0sIkhvcml6b250YWxDb25uZWN0b3JTdHlsZSI6eyIkaWQiOiIyMzciLCJMaW5lQ29sb3IiOnsiJHJlZiI6Ijk2In0sIkxpbmVXZWlnaHQiOjAuMCwiTGluZVR5cGUiOjAsIlBhcmVudFN0eWxlIjp7IiRyZWYiOiI5NSJ9fSwiVmVydGljYWxDb25uZWN0b3JTdHlsZSI6eyIkaWQiOiIyMzgiLCJMaW5lQ29sb3IiOnsiJHJlZiI6Ijk5In0sIkxpbmVXZWlnaHQiOjEuMCwiTGluZVR5cGUiOjAsIlBhcmVudFN0eWxlIjp7IiRyZWYiOiI5OCJ9fSwiTWFyZ2luIjpudWxsLCJTdGFydERhdGVQb3NpdGlvbiI6MywiRW5kRGF0ZVBvc2l0aW9uIjo0LCJEYXRlSXNWaXNpYmxlIjp0cnVlLCJUaXRsZVBvc2l0aW9uIjo1LCJEdXJhdGlvblBvc2l0aW9uIjo2LCJQZXJjZW50YWdlQ29tcGxldGVkUG9zaXRpb24iOjYsIlNwYWNpbmciOjUsIklzQmVsb3dUaW1lYmFuZCI6dHJ1ZSwiUGVyY2VudGFnZUNvbXBsZXRlU2hhcGVPcGFjaXR5IjozNSwiU2hhcGVTdHlsZSI6eyIkaWQiOiIyMzkiLCJNYXJnaW4iOnsiJHJlZiI6IjEwMiJ9LCJQYWRkaW5nIjp7IiRyZWYiOiIxMDMifSwiQmFja2dyb3VuZCI6eyIkaWQiOiIyNDAiLCJDb2xvciI6eyIkaWQiOiIyNDEiLCJBIjoyNTUsIlIiOjExMiwiRyI6MTczLCJCIjo3MX19LCJJc1Zpc2libGUiOnRydWUsIldpZHRoIjowLjAsIkhlaWdodCI6MTYuMCwiQm9yZGVyU3R5bGUiOnsiJGlkIjoiMjQyIiwiTGluZUNvbG9yIjp7IiRyZWYiOiIxMDUifSwiTGluZVdlaWdodCI6MC4wLCJMaW5lVHlwZSI6MCwiUGFyZW50U3R5bGUiOnsiJHJlZiI6IjEwNCJ9fSwiUGFyZW50U3R5bGUiOnsiJHJlZiI6IjEwMSJ9fSwiVGl0bGVTdHlsZSI6eyIkaWQiOiIyNDMiLCJGb250U2V0dGluZ3MiOnsiJGlkIjoiMjQ0IiwiRm9udFNpemUiOjExLCJGb250TmFtZSI6IkNhbGlicmkiLCJJc0JvbGQiOnRydWUsIklzSXRhbGljIjpmYWxzZSwiSXNVbmRlcmxpbmVkIjpmYWxzZSwiUGFyZW50U3R5bGUiOnsiJHJlZiI6IjEwOCJ9fSwiQXV0b1NpemUiOjAsIkZvcmVncm91bmQiOnsiJHJlZiI6IjEwOSJ9LCJNYXhXaWR0aCI6NzIwLjAsIk1heEhlaWdodCI6IkluZmluaXR5IiwiU21hcnRGb3JlZ3JvdW5kSXNBY3RpdmUiOmZhbHNlLCJIb3Jpem9udGFsQWxpZ25tZW50IjoxLCJWZXJ0aWNhbEFsaWdubWVudCI6MCwiU21hcnRGb3JlZ3JvdW5kIjpudWxsLCJNYXJnaW4iOnsiJHJlZiI6IjExMSJ9LCJQYWRkaW5nIjp7IiRyZWYiOiIxMTIifSwiQmFja2dyb3VuZCI6eyIkcmVmIjoiMTEzIn0sIklzVmlzaWJsZSI6dHJ1ZSwiV2lkdGgiOjAuMCwiSGVpZ2h0IjowLjAsIkJvcmRlclN0eWxlIjp7IiRpZCI6IjI0NSIsIkxpbmVDb2xvciI6bnVsbCwiTGluZVdlaWdodCI6MC4wLCJMaW5lVHlwZSI6MCwiUGFyZW50U3R5bGUiOm51bGx9LCJQYXJlbnRTdHlsZSI6eyIkcmVmIjoiMTA3In19LCJEYXRlU3R5bGUiOnsiJGlkIjoiMjQ2IiwiRm9udFNldHRpbmdzIjp7IiRpZCI6IjI0NyIsIkZvbnRTaXplIjoxMCwiRm9udE5hbWUiOiJDYWxpYnJpIiwiSXNCb2xkIjpmYWxzZSwiSXNJdGFsaWMiOmZhbHNlLCJJc1VuZGVybGluZWQiOmZhbHNlLCJQYXJlbnRTdHlsZSI6eyIkcmVmIjoiMTE1In19LCJBdXRvU2l6ZSI6MCwiRm9yZWdyb3VuZCI6eyIkcmVmIjoiMTE2In0sIk1heFdpZHRoIjoyMDAuMCwiTWF4SGVpZ2h0IjoiSW5maW5pdHkiLCJTbWFydEZvcmVncm91bmRJc0FjdGl2ZSI6ZmFsc2UsIkhvcml6b250YWxBbGlnbm1lbnQiOjAsIlZlcnRpY2FsQWxpZ25tZW50IjowLCJTbWFydEZvcmVncm91bmQiOm51bGwsIk1hcmdpbiI6eyIkcmVmIjoiMTE4In0sIlBhZGRpbmciOnsiJHJlZiI6IjExOSJ9LCJCYWNrZ3JvdW5kIjp7IiRyZWYiOiIxMjAifSwiSXNWaXNpYmxlIjp0cnVlLCJXaWR0aCI6MC4wLCJIZWlnaHQiOjAuMCwiQm9yZGVyU3R5bGUiOnsiJGlkIjoiMjQ4IiwiTGluZUNvbG9yIjpudWxsLCJMaW5lV2VpZ2h0IjowLjAsIkxpbmVUeXBlIjowLCJQYXJlbnRTdHlsZSI6bnVsbH0sIlBhcmVudFN0eWxlIjp7IiRyZWYiOiIxMTQifX0sIkRhdGVGb3JtYXQiOnsiJHJlZiI6IjEyMSJ9LCJJc1Zpc2libGUiOnRydWUsIlBhcmVudFN0eWxlIjp7IiRyZWYiOiI4MCJ9fSwiSW5kZXgiOjQsIlNtYXJ0RHVyYXRpb25BY3RpdmF0ZWQiOmZhbHNlLCJEYXRlRm9ybWF0Ijp7IiRyZWYiOiIxMjEifSwiSWQiOiIzNjY4M2M0My0xMzhhLTQwMjEtYTBiYi0wMzc4NmNiNWVkNDQiLCJJbXBvcnRJZCI6bnVsbCwiVGl0bGUiOiJWZXJmYXNzZW4gZGVyIEFyYmVpdCIsIk5vdGUiOm51bGwsIkh5cGVybGluayI6bnVsbCwiSXNDaGFuZ2VkIjpmYWxzZSwiSXNOZXciOmZhbHNlfSx7IiRpZCI6IjI0OSIsIkdyb3VwTmFtZSI6bnVsbCwiU3RhcnREYXRlIjoiMjAxNy0wNC0xMFQwMDowMDowMFoiLCJFbmREYXRlIjoiMjAxNy0wNi0xOFQyMzo1OTowMFoiLCJQZXJjZW50YWdlQ29tcGxldGUiOm51bGwsIlN0eWxlIjp7IiRpZCI6IjI1MCIsIlNoYXBlIjoxLCJTaGFwZVRoaWNrbmVzcyI6MSwiRHVyYXRpb25Gb3JtYXQiOjAsIkluY2x1ZGVOb25Xb3JraW5nRGF5c0luRHVyYXRpb24iOmZhbHNlLCJQZXJjZW50YWdlQ29tcGxldGVTdHlsZSI6eyIkaWQiOiIyNTEiLCJGb250U2V0dGluZ3MiOnsiJGlkIjoiMjUyIiwiRm9udFNpemUiOjEwLCJGb250TmFtZSI6IkNhbGlicmkiLCJJc0JvbGQiOmZhbHNlLCJJc0l0YWxpYyI6ZmFsc2UsIklzVW5kZXJsaW5lZCI6ZmFsc2UsIlBhcmVudFN0eWxlIjp7IiRyZWYiOiI4MiJ9fSwiQXV0b1NpemUiOjAsIkZvcmVncm91bmQiOnsiJHJlZiI6IjgzIn0sIk1heFdpZHRoIjoyMDAuMCwiTWF4SGVpZ2h0IjoiSW5maW5pdHkiLCJTbWFydEZvcmVncm91bmRJc0FjdGl2ZSI6ZmFsc2UsIkhvcml6b250YWxBbGlnbm1lbnQiOjAsIlZlcnRpY2FsQWxpZ25tZW50IjowLCJTbWFydEZvcmVncm91bmQiOm51bGwsIk1hcmdpbiI6eyIkcmVmIjoiODUifSwiUGFkZGluZyI6eyIkcmVmIjoiODYifSwiQmFja2dyb3VuZCI6eyIkcmVmIjoiODcifSwiSXNWaXNpYmxlIjp0cnVlLCJXaWR0aCI6MC4wLCJIZWlnaHQiOjAuMCwiQm9yZGVyU3R5bGUiOnsiJGlkIjoiMjUzIiwiTGluZUNvbG9yIjpudWxsLCJMaW5lV2VpZ2h0IjowLjAsIkxpbmVUeXBlIjowLCJQYXJlbnRTdHlsZSI6bnVsbH0sIlBhcmVudFN0eWxlIjp7IiRyZWYiOiI4MSJ9fSwiRHVyYXRpb25TdHlsZSI6eyIkaWQiOiIyNTQiLCJGb250U2V0dGluZ3MiOnsiJGlkIjoiMjU1IiwiRm9udFNpemUiOjEwLCJGb250TmFtZSI6IkNhbGlicmkiLCJJc0JvbGQiOmZhbHNlLCJJc0l0YWxpYyI6ZmFsc2UsIklzVW5kZXJsaW5lZCI6ZmFsc2UsIlBhcmVudFN0eWxlIjp7IiRyZWYiOiI4OSJ9fSwiQXV0b1NpemUiOjAsIkZvcmVncm91bmQiOnsiJHJlZiI6IjkwIn0sIk1heFdpZHRoIjoyMDAuMCwiTWF4SGVpZ2h0IjoiSW5maW5pdHkiLCJTbWFydEZvcmVncm91bmRJc0FjdGl2ZSI6ZmFsc2UsIkhvcml6b250YWxBbGlnbm1lbnQiOjAsIlZlcnRpY2FsQWxpZ25tZW50IjowLCJTbWFydEZvcmVncm91bmQiOm51bGwsIk1hcmdpbiI6eyIkcmVmIjoiOTIifSwiUGFkZGluZyI6eyIkcmVmIjoiOTMifSwiQmFja2dyb3VuZCI6eyIkcmVmIjoiOTQifSwiSXNWaXNpYmxlIjp0cnVlLCJXaWR0aCI6MC4wLCJIZWlnaHQiOjAuMCwiQm9yZGVyU3R5bGUiOnsiJGlkIjoiMjU2IiwiTGluZUNvbG9yIjpudWxsLCJMaW5lV2VpZ2h0IjowLjAsIkxpbmVUeXBlIjowLCJQYXJlbnRTdHlsZSI6bnVsbH0sIlBhcmVudFN0eWxlIjp7IiRyZWYiOiI4OCJ9fSwiSG9yaXpvbnRhbENvbm5lY3RvclN0eWxlIjp7IiRpZCI6IjI1NyIsIkxpbmVDb2xvciI6eyIkcmVmIjoiOTYifSwiTGluZVdlaWdodCI6MC4wLCJMaW5lVHlwZSI6MCwiUGFyZW50U3R5bGUiOnsiJHJlZiI6Ijk1In19LCJWZXJ0aWNhbENvbm5lY3RvclN0eWxlIjp7IiRpZCI6IjI1OCIsIkxpbmVDb2xvciI6eyIkcmVmIjoiOTkifSwiTGluZVdlaWdodCI6MS4wLCJMaW5lVHlwZSI6MCwiUGFyZW50U3R5bGUiOnsiJHJlZiI6Ijk4In19LCJNYXJnaW4iOm51bGwsIlN0YXJ0RGF0ZVBvc2l0aW9uIjozLCJFbmREYXRlUG9zaXRpb24iOjQsIkRhdGVJc1Zpc2libGUiOnRydWUsIlRpdGxlUG9zaXRpb24iOjUsIkR1cmF0aW9uUG9zaXRpb24iOjYsIlBlcmNlbnRhZ2VDb21wbGV0ZWRQb3NpdGlvbiI6NiwiU3BhY2luZyI6NSwiSXNCZWxvd1RpbWViYW5kIjp0cnVlLCJQZXJjZW50YWdlQ29tcGxldGVTaGFwZU9wYWNpdHkiOjM1LCJTaGFwZVN0eWxlIjp7IiRpZCI6IjI1OSIsIk1hcmdpbiI6eyIkcmVmIjoiMTAyIn0sIlBhZGRpbmciOnsiJHJlZiI6IjEwMyJ9LCJCYWNrZ3JvdW5kIjp7IiRpZCI6IjI2MCIsIkNvbG9yIjp7IiRpZCI6IjI2MSIsIkEiOjI1NSwiUiI6MTY1LCJHIjoxNjUsIkIiOjE2NX19LCJJc1Zpc2libGUiOnRydWUsIldpZHRoIjowLjAsIkhlaWdodCI6MTYuMCwiQm9yZGVyU3R5bGUiOnsiJGlkIjoiMjYyIiwiTGluZUNvbG9yIjp7IiRyZWYiOiIxMDUifSwiTGluZVdlaWdodCI6MC4wLCJMaW5lVHlwZSI6MCwiUGFyZW50U3R5bGUiOnsiJHJlZiI6IjEwNCJ9fSwiUGFyZW50U3R5bGUiOnsiJHJlZiI6IjEwMSJ9fSwiVGl0bGVTdHlsZSI6eyIkaWQiOiIyNjMiLCJGb250U2V0dGluZ3MiOnsiJGlkIjoiMjY0IiwiRm9udFNpemUiOjExLCJGb250TmFtZSI6IkNhbGlicmkiLCJJc0JvbGQiOnRydWUsIklzSXRhbGljIjpmYWxzZSwiSXNVbmRlcmxpbmVkIjpmYWxzZSwiUGFyZW50U3R5bGUiOnsiJHJlZiI6IjEwOCJ9fSwiQXV0b1NpemUiOjIsIkZvcmVncm91bmQiOnsiJHJlZiI6IjEwOSJ9LCJNYXhXaWR0aCI6MTI1LjQ5NjYxMjU0ODgyODEzLCJNYXhIZWlnaHQiOiJJbmZpbml0eSIsIlNtYXJ0Rm9yZWdyb3VuZElzQWN0aXZlIjpmYWxzZSwiSG9yaXpvbnRhbEFsaWdubWVudCI6MSwiVmVydGljYWxBbGlnbm1lbnQiOjAsIlNtYXJ0Rm9yZWdyb3VuZCI6bnVsbCwiTWFyZ2luIjp7IiRyZWYiOiIxMTEifSwiUGFkZGluZyI6eyIkcmVmIjoiMTEyIn0sIkJhY2tncm91bmQiOnsiJHJlZiI6IjExMyJ9LCJJc1Zpc2libGUiOnRydWUsIldpZHRoIjowLjAsIkhlaWdodCI6MC4wLCJCb3JkZXJTdHlsZSI6eyIkaWQiOiIyNjUiLCJMaW5lQ29sb3IiOm51bGwsIkxpbmVXZWlnaHQiOjAuMCwiTGluZVR5cGUiOjAsIlBhcmVudFN0eWxlIjpudWxsfSwiUGFyZW50U3R5bGUiOnsiJHJlZiI6IjEwNyJ9fSwiRGF0ZVN0eWxlIjp7IiRpZCI6IjI2NiIsIkZvbnRTZXR0aW5ncyI6eyIkaWQiOiIyNjciLCJGb250U2l6ZSI6MTAsIkZvbnROYW1lIjoiQ2FsaWJyaSIsIklzQm9sZCI6ZmFsc2UsIklzSXRhbGljIjpmYWxzZSwiSXNVbmRlcmxpbmVkIjpmYWxzZSwiUGFyZW50U3R5bGUiOnsiJHJlZiI6IjExNSJ9fSwiQXV0b1NpemUiOjAsIkZvcmVncm91bmQiOnsiJHJlZiI6IjExNiJ9LCJNYXhXaWR0aCI6MjAwLjAsIk1heEhlaWdodCI6IkluZmluaXR5IiwiU21hcnRGb3JlZ3JvdW5kSXNBY3RpdmUiOmZhbHNlLCJIb3Jpem9udGFsQWxpZ25tZW50IjowLCJWZXJ0aWNhbEFsaWdubWVudCI6MCwiU21hcnRGb3JlZ3JvdW5kIjpudWxsLCJNYXJnaW4iOnsiJHJlZiI6IjExOCJ9LCJQYWRkaW5nIjp7IiRyZWYiOiIxMTkifSwiQmFja2dyb3VuZCI6eyIkcmVmIjoiMTIwIn0sIklzVmlzaWJsZSI6dHJ1ZSwiV2lkdGgiOjAuMCwiSGVpZ2h0IjowLjAsIkJvcmRlclN0eWxlIjp7IiRpZCI6IjI2OCIsIkxpbmVDb2xvciI6bnVsbCwiTGluZVdlaWdodCI6MC4wLCJMaW5lVHlwZSI6MCwiUGFyZW50U3R5bGUiOm51bGx9LCJQYXJlbnRTdHlsZSI6eyIkcmVmIjoiMTE0In19LCJEYXRlRm9ybWF0Ijp7IiRyZWYiOiIxMjEifSwiSXNWaXNpYmxlIjp0cnVlLCJQYXJlbnRTdHlsZSI6eyIkcmVmIjoiODAifX0sIkluZGV4Ijo1LCJTbWFydER1cmF0aW9uQWN0aXZhdGVkIjpmYWxzZSwiRGF0ZUZvcm1hdCI6eyIkcmVmIjoiMTIxIn0sIklkIjoiNDIwZmI1YTYtNTU5OS00MjZmLTljMGQtMDE3YWNhOWM0NjJmIiwiSW1wb3J0SWQiOm51bGwsIlRpdGxlIjoiUHl0aG9uL0xhVGVYL01lbmRlbGV5IGVybGVybmVuIiwiTm90ZSI6bnVsbCwiSHlwZXJsaW5rIjpudWxsLCJJc0NoYW5nZWQiOmZhbHNlLCJJc05ldyI6ZmFsc2V9XSwiTXNQcm9qZWN0SXRlbXNUcmVlIjp7IiRpZCI6IjI2OSIsIlJvb3QiOnsiSW1wb3J0SWQiOm51bGwsIklzSW1wb3J0ZWQiOmZhbHNlLCJDaGlsZHJlbiI6W119fSwiTWV0YWRhdGEiOnsiJGlkIjoiMjcwIn0sIlNldHRpbmdzIjp7IiRpZCI6IjI3MSIsIkltcGFPcHRpb25zIjp7IiRpZCI6IjI3MiIsIkxlZnRUb1JpZ2h0IjpmYWxzZSwiUGF5bG9hZE9wdGlvbnMiOjJ9LCJVc2VDb21wcmVzc2lvbiI6ZmFsc2UsIkNvbXByZXNpb25QZXJjZW50YWdlIjowLjAsIkluYWN0aXZlSW50ZXJ2YWxXaWR0aFRocmVzaG9sZCI6MC4wLCJJbmFjdGl2ZUludGVydmFsV2lkdGgiOjAuMCwiU3BsaXRUYXNrcyI6ZmFsc2UsIlVzZUNsdXN0ZXIiOmZhbHNlLCJFcHNpbG9uIjowLjAsIk1pblBvaW50c1RvRm9ybUFDbHVzdGVyIjowLCJHZW5lcmF0ZUludmlzaWJsZVNoYXBlcyI6ZmFsc2UsIlNtYXJ0VGltZWxpbmVUYXNrUGVyY2VudGFnZUZpdCI6ZmFsc2V9LCJJc05ldyI6dHJ1ZSwiSW1wb3J0VHlwZSI6MCwiRmlsZVBhdGgiOm51bGwsIlRpbWVDb25maWd1cmF0aW9uIjp7IiRpZCI6IjI3MyIsIlVzZVRpbWUiOmZhbHNlLCJXb3JrRGF5U3RhcnQiOiIwMDowMDowMCIsIldvcmtEYXlFbmQiOiIyMzo1OTowMCJ9fQ=="/>
+  <p:tag name="__PART_0" val="eyIkaWQiOiIxIiwiQ3VsdHVyZUluZm9OYW1lIjoiZGUtREUiLCJTdHlsZU5hbWUiOiJSb2FkbWFwIiwiSXNUZW1wbGF0ZSI6ZmFsc2UsIlZlcnNpb24iOnsiJGlkIjoiMiIsIlZlcnNpb24iOiIzLjEuMCIsIk9yaWdpbmFsQXNzZW1ibHlWZXJzaW9uIjoiMy4xMy4wMC4wMCIsIkVkaXRpb24iOiJCYXNpYyIsIklzUGx1c0VkaXRpb24iOmZhbHNlfSwiRWZmZWN0IjoxLCJTdHlsZSI6eyIkaWQiOiIzIiwiVGltZWJhbmRTdHlsZSI6eyIkaWQiOiI0IiwiU2NhbGVNYXJraW5nIjowLCJTaGFwZSI6MTMsIlNoYXBlU3R5bGUiOnsiJGlkIjoiNSIsIk1hcmdpbiI6eyIkaWQiOiI2IiwiVG9wIjowLCJMZWZ0IjoxMCwiUmlnaHQiOjEwLCJCb3R0b20iOjB9LCJQYWRkaW5nIjp7IiRpZCI6IjciLCJUb3AiOjUsIkxlZnQiOjEzLCJSaWdodCI6MTMsIkJvdHRvbSI6NX0sIkJhY2tncm91bmQiOnsiJGlkIjoiOCIsIkNvbG9yIjp7IiRpZCI6IjkiLCJBIjoyNTUsIlIiOjkxLCJHIjoxNTUsIkIiOjIxM319LCJJc1Zpc2libGUiOnRydWUsIldpZHRoIjo4NTguMCwiSGVpZ2h0IjozMC4wLCJCb3JkZXJTdHlsZSI6eyIkaWQiOiIxMCIsIkxpbmVDb2xvciI6eyIkaWQiOiIxMSIsIiR0eXBlIjoiTkxSRS5Db21tb24uRG9tLlNvbGlkQ29sb3JCcnVzaCwgTkxSRS5Db21tb24iLCJDb2xvciI6eyIkaWQiOiIxMiIsIkEiOjI1NSwiUiI6MjU1LCJHIjowLCJCIjowfX0sIkxpbmVXZWlnaHQiOjAuMCwiTGluZVR5cGUiOjAsIlBhcmVudFN0eWxlIjpudWxsfSwiUGFyZW50U3R5bGUiOm51bGx9LCJSaWdodEVuZENhcHNTdHlsZSI6eyIkaWQiOiIxMyIsIkZvbnRTZXR0aW5ncyI6eyIkaWQiOiIxNCIsIkZvbnRTaXplIjoxOCwiRm9udE5hbWUiOiJDYWxpYnJpIiwiSXNCb2xkIjp0cnVlLCJJc0l0YWxpYyI6ZmFsc2UsIklzVW5kZXJsaW5lZCI6ZmFsc2UsIlBhcmVudFN0eWxlIjpudWxsfSwiQXV0b1NpemUiOjAsIkZvcmVncm91bmQiOnsiJGlkIjoiMTUiLCJDb2xvciI6eyIkaWQiOiIxNiIsIkEiOjI1NSwiUiI6MTkyLCJHIjo4MCwiQiI6Nzd9fSwiTWF4V2lkdGgiOiJJbmZpbml0eSIsIk1heEhlaWdodCI6IkluZmluaXR5IiwiU21hcnRGb3JlZ3JvdW5kSXNBY3RpdmUiOmZhbHNlLCJIb3Jpem9udGFsQWxpZ25tZW50IjowLCJWZXJ0aWNhbEFsaWdubWVudCI6MCwiU21hcnRGb3JlZ3JvdW5kIjpudWxsLCJNYXJnaW4iOnsiJGlkIjoiMTciLCJUb3AiOjAsIkxlZnQiOjAsIlJpZ2h0IjoyMCwiQm90dG9tIjowfSwiUGFkZGluZyI6eyIkaWQiOiIxOCIsIlRvcCI6MCwiTGVmdCI6MCwiUmlnaHQiOjAsIkJvdHRvbSI6MH0sIkJhY2tncm91bmQiOnsiJGlkIjoiMTkiLCJDb2xvciI6eyIkaWQiOiIyMCIsIkEiOjg5LCJSIjowLCJHIjowLCJCIjowfX0sIklzVmlzaWJsZSI6dHJ1ZSwiV2lkdGgiOjAuMCwiSGVpZ2h0IjowLjAsIkJvcmRlclN0eWxlIjpudWxsLCJQYXJlbnRTdHlsZSI6bnVsbH0sIkxlZnRFbmRDYXBzU3R5bGUiOnsiJGlkIjoiMjEiLCJGb250U2V0dGluZ3MiOnsiJGlkIjoiMjIiLCJGb250U2l6ZSI6MTgsIkZvbnROYW1lIjoiQ2FsaWJyaSIsIklzQm9sZCI6dHJ1ZSwiSXNJdGFsaWMiOmZhbHNlLCJJc1VuZGVybGluZWQiOmZhbHNlLCJQYXJlbnRTdHlsZSI6bnVsbH0sIkF1dG9TaXplIjowLCJGb3JlZ3JvdW5kIjp7IiRpZCI6IjIzIiwiQ29sb3IiOnsiJGlkIjoiMjQiLCJBIjoyNTUsIlIiOjE5MiwiRyI6ODAsIkIiOjc3fX0sIk1heFdpZHRoIjoiSW5maW5pdHkiLCJNYXhIZWlnaHQiOiJJbmZpbml0eSIsIlNtYXJ0Rm9yZWdyb3VuZElzQWN0aXZlIjpmYWxzZSwiSG9yaXpvbnRhbEFsaWdubWVudCI6MCwiVmVydGljYWxBbGlnbm1lbnQiOjAsIlNtYXJ0Rm9yZWdyb3VuZCI6bnVsbCwiTWFyZ2luIjp7IiRpZCI6IjI1IiwiVG9wIjowLCJMZWZ0IjoyMCwiUmlnaHQiOjAsIkJvdHRvbSI6MH0sIlBhZGRpbmciOnsiJGlkIjoiMjYiLCJUb3AiOjAsIkxlZnQiOjAsIlJpZ2h0IjowLCJCb3R0b20iOjB9LCJCYWNrZ3JvdW5kIjp7IiRpZCI6IjI3IiwiQ29sb3IiOnsiJHJlZiI6IjIwIn19LCJJc1Zpc2libGUiOmZhbHNlLCJXaWR0aCI6MC4wLCJIZWlnaHQiOjAuMCwiQm9yZGVyU3R5bGUiOm51bGwsIlBhcmVudFN0eWxlIjpudWxsfSwiVG9kYXlUZXh0U3R5bGUiOnsiJGlkIjoiMjgiLCJGb250U2V0dGluZ3MiOnsiJGlkIjoiMjkiLCJGb250U2l6ZSI6MTIsIkZvbnROYW1lIjoiQ2FsaWJyaSIsIklzQm9sZCI6ZmFsc2UsIklzSXRhbGljIjpmYWxzZSwiSXNVbmRlcmxpbmVkIjpmYWxzZSwiUGFyZW50U3R5bGUiOm51bGx9LCJBdXRvU2l6ZSI6MCwiRm9yZWdyb3VuZCI6eyIkaWQiOiIzMCIsIkNvbG9yIjp7IiRpZCI6IjMxIiwiQSI6MjU1LCJSIjowLCJHIjowLCJCIjowfX0sIk1heFdpZHRoIjoyMDAuMCwiTWF4SGVpZ2h0IjoiSW5maW5pdHkiLCJTbWFydEZvcmVncm91bmRJc0FjdGl2ZSI6ZmFsc2UsIkhvcml6b250YWxBbGlnbm1lbnQiOjAsIlZlcnRpY2FsQWxpZ25tZW50IjowLCJTbWFydEZvcmVncm91bmQiOm51bGwsIk1hcmdpbiI6eyIkaWQiOiIzMiIsIlRvcCI6MCwiTGVmdCI6MCwiUmlnaHQiOjAsIkJvdHRvbSI6MH0sIlBhZGRpbmciOnsiJGlkIjoiMzMiLCJUb3AiOjAsIkxlZnQiOjAsIlJpZ2h0IjowLCJCb3R0b20iOjB9LCJCYWNrZ3JvdW5kIjp7IiRpZCI6IjM0IiwiQ29sb3IiOnsiJHJlZiI6IjIwIn19LCJJc1Zpc2libGUiOnRydWUsIldpZHRoIjowLjAsIkhlaWdodCI6MC4wLCJCb3JkZXJTdHlsZSI6bnVsbCwiUGFyZW50U3R5bGUiOm51bGx9LCJUb2RheU1hcmtlclN0eWxlIjp7IiRpZCI6IjM1IiwiTWFyZ2luIjp7IiRpZCI6IjM2IiwiVG9wIjowLCJMZWZ0IjowLCJSaWdodCI6MCwiQm90dG9tIjowfSwiUGFkZGluZyI6eyIkaWQiOiIzNyIsIlRvcCI6MCwiTGVmdCI6MCwiUmlnaHQiOjAsIkJvdHRvbSI6MH0sIkJhY2tncm91bmQiOnsiJGlkIjoiMzgiLCJDb2xvciI6eyIkaWQiOiIzOSIsIkEiOjI1NSwiUiI6MjU1LCJHIjowLCJCIjowfX0sIklzVmlzaWJsZSI6dHJ1ZSwiV2lkdGgiOjAuMCwiSGVpZ2h0IjowLjAsIkJvcmRlclN0eWxlIjpudWxsLCJQYXJlbnRTdHlsZSI6bnVsbH0sIlNjYWxlU3R5bGUiOnsiJGlkIjoiNDAiLCJTaG93U2VnbWVudFNlcGFyYXRvcnMiOnRydWUsIlNlZ21lbnRTZXBhcmF0b3JPcGFjaXR5IjozMCwiRm9udFNldHRpbmdzIjp7IiRpZCI6IjQxIiwiRm9udFNpemUiOjEyLCJGb250TmFtZSI6IkNhbGlicmkiLCJJc0JvbGQiOmZhbHNlLCJJc0l0YWxpYyI6ZmFsc2UsIklzVW5kZXJsaW5lZCI6ZmFsc2UsIlBhcmVudFN0eWxlIjpudWxsfSwiQXV0b1NpemUiOjAsIkZvcmVncm91bmQiOnsiJGlkIjoiNDIiLCJDb2xvciI6eyIkaWQiOiI0MyIsIkEiOjI1NSwiUiI6MjU1LCJHIjoyNTUsIkIiOjI1NX19LCJNYXhXaWR0aCI6MjAwLjAsIk1heEhlaWdodCI6IkluZmluaXR5IiwiU21hcnRGb3JlZ3JvdW5kSXNBY3RpdmUiOmZhbHNlLCJIb3Jpem9udGFsQWxpZ25tZW50IjowLCJWZXJ0aWNhbEFsaWdubWVudCI6MSwiU21hcnRGb3JlZ3JvdW5kIjpudWxsLCJNYXJnaW4iOnsiJGlkIjoiNDQiLCJUb3AiOjAsIkxlZnQiOjUsIlJpZ2h0IjowLCJCb3R0b20iOjB9LCJQYWRkaW5nIjp7IiRpZCI6IjQ1IiwiVG9wIjowLCJMZWZ0IjowLCJSaWdodCI6MCwiQm90dG9tIjowfSwiQmFja2dyb3VuZCI6eyIkaWQiOiI0NiIsIkNvbG9yIjp7IiRyZWYiOiIyMCJ9fSwiSXNWaXNpYmxlIjp0cnVlLCJXaWR0aCI6MC4wLCJIZWlnaHQiOjAuMCwiQm9yZGVyU3R5bGUiOm51bGwsIlBhcmVudFN0eWxlIjpudWxsfSwiRWxhcHNlZFRpbWVCYWNrZ3JvdW5kIjp7IiRpZCI6IjQ3IiwiQ29sb3IiOnsiJGlkIjoiNDgiLCJBIjo3NywiUiI6MCwiRyI6MCwiQiI6MH19LCJBcHBlbmRZZWFyT25ZZWFyQ2hhbmdlIjp0cnVlLCJFbGFwc2VkVGltZUZvcm1hdCI6MSwiVG9kYXlNYXJrZXJQb3NpdGlvbiI6MSwiUXVpY2tQb3NpdGlvbiI6MSwiQWJzb2x1dGVQb3NpdGlvbiI6MjQwLjAsIk1hcmdpbiI6eyIkaWQiOiI0OSIsIlRvcCI6MCwiTGVmdCI6MTAsIlJpZ2h0IjoxMCwiQm90dG9tIjowfSwiUGFkZGluZyI6eyIkaWQiOiI1MCIsIlRvcCI6MCwiTGVmdCI6MCwiUmlnaHQiOjAsIkJvdHRvbSI6MH0sIkJhY2tncm91bmQiOnsiJGlkIjoiNTEiLCJDb2xvciI6eyIkaWQiOiI1MiIsIkEiOjI1NSwiUiI6MTE1LCJHIjoxMTUsIkIiOjExNX19LCJJc1Zpc2libGUiOnRydWUsIldpZHRoIjowLjAsIkhlaWdodCI6MC4wLCJCb3JkZXJTdHlsZSI6bnVsbCwiUGFyZW50U3R5bGUiOm51bGx9LCJEZWZhdWx0TWlsZXN0b25lU3R5bGUiOnsiJGlkIjoiNTMiLCJTaGFwZSI6MiwiQ29ubmVjdG9yTWFyZ2luIjp7IiRpZCI6IjU0IiwiVG9wIjowLCJMZWZ0IjoyLCJSaWdodCI6MiwiQm90dG9tIjowfSwiQ29ubmVjdG9yU3R5bGUiOnsiJGlkIjoiNTUiLCJMaW5lQ29sb3IiOnsiJGlkIjoiNTYiLCIkdHlwZSI6Ik5MUkUuQ29tbW9uLkRvbS5Tb2xpZENvbG9yQnJ1c2gsIE5MUkUuQ29tbW9uIiwiQ29sb3IiOnsiJGlkIjoiNTciLCJBIjoyNTUsIlIiOjE3OCwiRyI6MTQsIkIiOjE4fX0sIkxpbmVXZWlnaHQiOjEuMCwiTGluZVR5cGUiOjAsIlBhcmVudFN0eWxlIjpudWxsfSwiSXNCZWxvd1RpbWViYW5kIjpmYWxzZSwiSGlkZURhdGUiOmZhbHNlLCJTaGFwZVNpemUiOjEsIlNwYWNpbmciOjIuMCwiUGFkZGluZyI6eyIkaWQiOiI1OCIsIlRvcCI6NywiTGVmdCI6MywiUmlnaHQiOjAsIkJvdHRvbSI6Mn0sIlNoYXBlU3R5bGUiOnsiJGlkIjoiNTkiLCJNYXJnaW4iOnsiJGlkIjoiNjAiLCJUb3AiOjAsIkxlZnQiOjAsIlJpZ2h0IjowLCJCb3R0b20iOjB9LCJQYWRkaW5nIjp7IiRpZCI6IjYxIiwiVG9wIjowLCJMZWZ0IjowLCJSaWdodCI6MCwiQm90dG9tIjowfSwiQmFja2dyb3VuZCI6bnVsbCwiSXNWaXNpYmxlIjp0cnVlLCJXaWR0aCI6MTguMCwiSGVpZ2h0IjoyMC4wLCJCb3JkZXJTdHlsZSI6eyIkaWQiOiI2MiIsIkxpbmVDb2xvciI6eyIkaWQiOiI2MyIsIiR0eXBlIjoiTkxSRS5Db21tb24uRG9tLlNvbGlkQ29sb3JCcnVzaCwgTkxSRS5Db21tb24iLCJDb2xvciI6eyIkaWQiOiI2NCIsIkEiOjI1NSwiUiI6MjU1LCJHIjowLCJCIjowfX0sIkxpbmVXZWlnaHQiOjAuMCwiTGluZVR5cGUiOjAsIlBhcmVudFN0eWxlIjpudWxsfSwiUGFyZW50U3R5bGUiOm51bGx9LCJUaXRsZVN0eWxlIjp7IiRpZCI6IjY1IiwiRm9udFNldHRpbmdzIjp7IiRpZCI6IjY2IiwiRm9udFNpemUiOjExLCJGb250TmFtZSI6IkNhbGlicmkiLCJJc0JvbGQiOnRydWUsIklzSXRhbGljIjpmYWxzZSwiSXNVbmRlcmxpbmVkIjpmYWxzZSwiUGFyZW50U3R5bGUiOm51bGx9LCJBdXRvU2l6ZSI6MCwiRm9yZWdyb3VuZCI6eyIkaWQiOiI2NyIsIkNvbG9yIjp7IiRpZCI6IjY4IiwiQSI6MjU1LCJSIjowLCJHIjowLCJCIjowfX0sIk1heFdpZHRoIjoyMDAuMCwiTWF4SGVpZ2h0IjoiSW5maW5pdHkiLCJTbWFydEZvcmVncm91bmRJc0FjdGl2ZSI6ZmFsc2UsIkhvcml6b250YWxBbGlnbm1lbnQiOjAsIlZlcnRpY2FsQWxpZ25tZW50IjowLCJTbWFydEZvcmVncm91bmQiOm51bGwsIk1hcmdpbiI6eyIkaWQiOiI2OSIsIlRvcCI6MCwiTGVmdCI6MCwiUmlnaHQiOjAsIkJvdHRvbSI6MH0sIlBhZGRpbmciOnsiJGlkIjoiNzAiLCJUb3AiOjAsIkxlZnQiOjAsIlJpZ2h0IjowLCJCb3R0b20iOjB9LCJCYWNrZ3JvdW5kIjp7IiRpZCI6IjcxIiwiQ29sb3IiOnsiJHJlZiI6IjIwIn19LCJJc1Zpc2libGUiOnRydWUsIldpZHRoIjowLjAsIkhlaWdodCI6MC4wLCJCb3JkZXJTdHlsZSI6bnVsbCwiUGFyZW50U3R5bGUiOm51bGx9LCJEYXRlU3R5bGUiOnsiJGlkIjoiNzIiLCJGb250U2V0dGluZ3MiOnsiJGlkIjoiNzMiLCJGb250U2l6ZSI6MTAsIkZvbnROYW1lIjoiQ2FsaWJyaSIsIklzQm9sZCI6ZmFsc2UsIklzSXRhbGljIjpmYWxzZSwiSXNVbmRlcmxpbmVkIjpmYWxzZSwiUGFyZW50U3R5bGUiOm51bGx9LCJBdXRvU2l6ZSI6MCwiRm9yZWdyb3VuZCI6eyIkaWQiOiI3NCIsIkNvbG9yIjp7IiRpZCI6Ijc1IiwiQSI6MjU1LCJSIjozMSwiRyI6NzMsIkIiOjEyNn19LCJNYXhXaWR0aCI6MjAwLjAsIk1heEhlaWdodCI6IkluZmluaXR5IiwiU21hcnRGb3JlZ3JvdW5kSXNBY3RpdmUiOmZhbHNlLCJIb3Jpem9udGFsQWxpZ25tZW50IjowLCJWZXJ0aWNhbEFsaWdubWVudCI6MCwiU21hcnRGb3JlZ3JvdW5kIjpudWxsLCJNYXJnaW4iOnsiJGlkIjoiNzYiLCJUb3AiOjAsIkxlZnQiOjAsIlJpZ2h0IjowLCJCb3R0b20iOjB9LCJQYWRkaW5nIjp7IiRpZCI6Ijc3IiwiVG9wIjowLCJMZWZ0IjowLCJSaWdodCI6MCwiQm90dG9tIjowfSwiQmFja2dyb3VuZCI6eyIkaWQiOiI3OCIsIkNvbG9yIjp7IiRyZWYiOiIyMCJ9fSwiSXNWaXNpYmxlIjp0cnVlLCJXaWR0aCI6MC4wLCJIZWlnaHQiOjAuMCwiQm9yZGVyU3R5bGUiOm51bGwsIlBhcmVudFN0eWxlIjpudWxsfSwiRGF0ZUZvcm1hdCI6eyIkaWQiOiI3OSIsIkZvcm1hdFN0cmluZyI6Ik0vZC95eXl5IiwiU2VwYXJhdG9yIjoiLyIsIlVzZUludGVybmF0aW9uYWxEYXRlRm9ybWF0IjpmYWxzZSwiRGF0ZUlzVmlzaWJsZSI6dHJ1ZSwiVGltZUlzVmlzaWJsZSI6ZmFsc2UsIkhvdXJEaWdpdHMiOjEsIkFtUG1EZXNpZ25hdG9yIjoyLCJUcmltMDBNaW51dGVzIjpmYWxzZSwiTGFzdEtub3duVmlzaWJpbGl0eVN0YXRlIjpudWxsfSwiSXNWaXNpYmxlIjp0cnVlLCJQYXJlbnRTdHlsZSI6bnVsbH0sIkRlZmF1bHRUYXNrU3R5bGUiOnsiJGlkIjoiODAiLCJTaGFwZSI6MiwiU2hhcGVUaGlja25lc3MiOjEsIkR1cmF0aW9uRm9ybWF0IjowLCJJbmNsdWRlTm9uV29ya2luZ0RheXNJbkR1cmF0aW9uIjpmYWxzZSwiUGVyY2VudGFnZUNvbXBsZXRlU3R5bGUiOnsiJGlkIjoiODEiLCJGb250U2V0dGluZ3MiOnsiJGlkIjoiODIiLCJGb250U2l6ZSI6MTAsIkZvbnROYW1lIjoiQ2FsaWJyaSIsIklzQm9sZCI6ZmFsc2UsIklzSXRhbGljIjpmYWxzZSwiSXNVbmRlcmxpbmVkIjpmYWxzZSwiUGFyZW50U3R5bGUiOm51bGx9LCJBdXRvU2l6ZSI6MCwiRm9yZWdyb3VuZCI6eyIkaWQiOiI4MyIsIkNvbG9yIjp7IiRpZCI6Ijg0IiwiQSI6MjU1LCJSIjoxOTIsIkciOjgwLCJCIjo3N319LCJNYXhXaWR0aCI6MjAwLjAsIk1heEhlaWdodCI6IkluZmluaXR5IiwiU21hcnRGb3JlZ3JvdW5kSXNBY3RpdmUiOmZhbHNlLCJIb3Jpem9udGFsQWxpZ25tZW50IjowLCJWZXJ0aWNhbEFsaWdubWVudCI6MCwiU21hcnRGb3JlZ3JvdW5kIjpudWxsLCJNYXJnaW4iOnsiJGlkIjoiODUiLCJUb3AiOjAsIkxlZnQiOjAsIlJpZ2h0IjowLCJCb3R0b20iOjB9LCJQYWRkaW5nIjp7IiRpZCI6Ijg2IiwiVG9wIjowLCJMZWZ0IjowLCJSaWdodCI6MCwiQm90dG9tIjowfSwiQmFja2dyb3VuZCI6eyIkaWQiOiI4NyIsIkNvbG9yIjp7IiRyZWYiOiIyMCJ9fSwiSXNWaXNpYmxlIjp0cnVlLCJXaWR0aCI6MC4wLCJIZWlnaHQiOjAuMCwiQm9yZGVyU3R5bGUiOm51bGwsIlBhcmVudFN0eWxlIjpudWxsfSwiRHVyYXRpb25TdHlsZSI6eyIkaWQiOiI4OCIsIkZvbnRTZXR0aW5ncyI6eyIkaWQiOiI4OSIsIkZvbnRTaXplIjoxMCwiRm9udE5hbWUiOiJDYWxpYnJpIiwiSXNCb2xkIjpmYWxzZSwiSXNJdGFsaWMiOmZhbHNlLCJJc1VuZGVybGluZWQiOmZhbHNlLCJQYXJlbnRTdHlsZSI6bnVsbH0sIkF1dG9TaXplIjowLCJGb3JlZ3JvdW5kIjp7IiRpZCI6IjkwIiwiQ29sb3IiOnsiJGlkIjoiOTEiLCJBIjoyNTUsIlIiOjE5MiwiRyI6ODAsIkIiOjc3fX0sIk1heFdpZHRoIjoyMDAuMCwiTWF4SGVpZ2h0IjoiSW5maW5pdHkiLCJTbWFydEZvcmVncm91bmRJc0FjdGl2ZSI6ZmFsc2UsIkhvcml6b250YWxBbGlnbm1lbnQiOjAsIlZlcnRpY2FsQWxpZ25tZW50IjowLCJTbWFydEZvcmVncm91bmQiOm51bGwsIk1hcmdpbiI6eyIkaWQiOiI5MiIsIlRvcCI6MCwiTGVmdCI6MCwiUmlnaHQiOjAsIkJvdHRvbSI6MH0sIlBhZGRpbmciOnsiJGlkIjoiOTMiLCJUb3AiOjAsIkxlZnQiOjAsIlJpZ2h0IjowLCJCb3R0b20iOjB9LCJCYWNrZ3JvdW5kIjp7IiRpZCI6Ijk0IiwiQ29sb3IiOnsiJHJlZiI6IjIwIn19LCJJc1Zpc2libGUiOnRydWUsIldpZHRoIjowLjAsIkhlaWdodCI6MC4wLCJCb3JkZXJTdHlsZSI6bnVsbCwiUGFyZW50U3R5bGUiOm51bGx9LCJIb3Jpem9udGFsQ29ubmVjdG9yU3R5bGUiOnsiJGlkIjoiOTUiLCJMaW5lQ29sb3IiOnsiJGlkIjoiOTYiLCIkdHlwZSI6Ik5MUkUuQ29tbW9uLkRvbS5Tb2xpZENvbG9yQnJ1c2gsIE5MUkUuQ29tbW9uIiwiQ29sb3IiOnsiJGlkIjoiOTciLCJBIjoyNTUsIlIiOjAsIkciOjAsIkIiOjB9fSwiTGluZVdlaWdodCI6MC4wLCJMaW5lVHlwZSI6MCwiUGFyZW50U3R5bGUiOm51bGx9LCJWZXJ0aWNhbENvbm5lY3RvclN0eWxlIjp7IiRpZCI6Ijk4IiwiTGluZUNvbG9yIjp7IiRpZCI6Ijk5IiwiJHR5cGUiOiJOTFJFLkNvbW1vbi5Eb20uU29saWRDb2xvckJydXNoLCBOTFJFLkNvbW1vbiIsIkNvbG9yIjp7IiRpZCI6IjEwMCIsIkEiOjI1NSwiUiI6MCwiRyI6MCwiQiI6MH19LCJMaW5lV2VpZ2h0IjoxLjAsIkxpbmVUeXBlIjowLCJQYXJlbnRTdHlsZSI6bnVsbH0sIk1hcmdpbiI6bnVsbCwiU3RhcnREYXRlUG9zaXRpb24iOjMsIkVuZERhdGVQb3NpdGlvbiI6NCwiRGF0ZUlzVmlzaWJsZSI6dHJ1ZSwiVGl0bGVQb3NpdGlvbiI6NSwiRHVyYXRpb25Qb3NpdGlvbiI6NiwiUGVyY2VudGFnZUNvbXBsZXRlZFBvc2l0aW9uIjo2LCJTcGFjaW5nIjo1LCJJc0JlbG93VGltZWJhbmQiOnRydWUsIlBlcmNlbnRhZ2VDb21wbGV0ZVNoYXBlT3BhY2l0eSI6MzUsIlNoYXBlU3R5bGUiOnsiJGlkIjoiMTAxIiwiTWFyZ2luIjp7IiRpZCI6IjEwMiIsIlRvcCI6MCwiTGVmdCI6NCwiUmlnaHQiOjQsIkJvdHRvbSI6MH0sIlBhZGRpbmciOnsiJGlkIjoiMTAzIiwiVG9wIjowLCJMZWZ0IjowLCJSaWdodCI6MCwiQm90dG9tIjowfSwiQmFja2dyb3VuZCI6bnVsbCwiSXNWaXNpYmxlIjp0cnVlLCJXaWR0aCI6MC4wLCJIZWlnaHQiOjE2LjAsIkJvcmRlclN0eWxlIjp7IiRpZCI6IjEwNCIsIkxpbmVDb2xvciI6eyIkaWQiOiIxMDUiLCIkdHlwZSI6Ik5MUkUuQ29tbW9uLkRvbS5Tb2xpZENvbG9yQnJ1c2gsIE5MUkUuQ29tbW9uIiwiQ29sb3IiOnsiJGlkIjoiMTA2IiwiQSI6MjU1LCJSIjoyNTUsIkciOjAsIkIiOjB9fSwiTGluZVdlaWdodCI6MC4wLCJMaW5lVHlwZSI6MCwiUGFyZW50U3R5bGUiOm51bGx9LCJQYXJlbnRTdHlsZSI6bnVsbH0sIlRpdGxlU3R5bGUiOnsiJGlkIjoiMTA3IiwiRm9udFNldHRpbmdzIjp7IiRpZCI6IjEwOCIsIkZvbnRTaXplIjoxMSwiRm9udE5hbWUiOiJDYWxpYnJpIiwiSXNCb2xkIjp0cnVlLCJJc0l0YWxpYyI6ZmFsc2UsIklzVW5kZXJsaW5lZCI6ZmFsc2UsIlBhcmVudFN0eWxlIjpudWxsfSwiQXV0b1NpemUiOjAsIkZvcmVncm91bmQiOnsiJGlkIjoiMTA5IiwiQ29sb3IiOnsiJGlkIjoiMTEwIiwiQSI6MjU1LCJSIjowLCJHIjowLCJCIjowfX0sIk1heFdpZHRoIjo5NjAuMCwiTWF4SGVpZ2h0IjoiSW5maW5pdHkiLCJTbWFydEZvcmVncm91bmRJc0FjdGl2ZSI6ZmFsc2UsIkhvcml6b250YWxBbGlnbm1lbnQiOjEsIlZlcnRpY2FsQWxpZ25tZW50IjowLCJTbWFydEZvcmVncm91bmQiOm51bGwsIk1hcmdpbiI6eyIkaWQiOiIxMTEiLCJUb3AiOjAsIkxlZnQiOjAsIlJpZ2h0IjowLCJCb3R0b20iOjB9LCJQYWRkaW5nIjp7IiRpZCI6IjExMiIsIlRvcCI6MCwiTGVmdCI6MCwiUmlnaHQiOjAsIkJvdHRvbSI6MH0sIkJhY2tncm91bmQiOnsiJGlkIjoiMTEzIiwiQ29sb3IiOnsiJHJlZiI6IjIwIn19LCJJc1Zpc2libGUiOnRydWUsIldpZHRoIjowLjAsIkhlaWdodCI6MC4wLCJCb3JkZXJTdHlsZSI6bnVsbCwiUGFyZW50U3R5bGUiOm51bGx9LCJEYXRlU3R5bGUiOnsiJGlkIjoiMTE0IiwiRm9udFNldHRpbmdzIjp7IiRpZCI6IjExNSIsIkZvbnRTaXplIjoxMCwiRm9udE5hbWUiOiJDYWxpYnJpIiwiSXNCb2xkIjpmYWxzZSwiSXNJdGFsaWMiOmZhbHNlLCJJc1VuZGVybGluZWQiOmZhbHNlLCJQYXJlbnRTdHlsZSI6bnVsbH0sIkF1dG9TaXplIjowLCJGb3JlZ3JvdW5kIjp7IiRpZCI6IjExNiIsIkNvbG9yIjp7IiRpZCI6IjExNyIsIkEiOjI1NSwiUiI6MzEsIkciOjczLCJCIjoxMjZ9fSwiTWF4V2lkdGgiOjIwMC4wLCJNYXhIZWlnaHQiOiJJbmZpbml0eSIsIlNtYXJ0Rm9yZWdyb3VuZElzQWN0aXZlIjpmYWxzZSwiSG9yaXpvbnRhbEFsaWdubWVudCI6MCwiVmVydGljYWxBbGlnbm1lbnQiOjAsIlNtYXJ0Rm9yZWdyb3VuZCI6bnVsbCwiTWFyZ2luIjp7IiRpZCI6IjExOCIsIlRvcCI6MCwiTGVmdCI6MCwiUmlnaHQiOjAsIkJvdHRvbSI6MH0sIlBhZGRpbmciOnsiJGlkIjoiMTE5IiwiVG9wIjowLCJMZWZ0IjowLCJSaWdodCI6MCwiQm90dG9tIjowfSwiQmFja2dyb3VuZCI6eyIkaWQiOiIxMjAiLCJDb2xvciI6eyIkcmVmIjoiMjAifX0sIklzVmlzaWJsZSI6dHJ1ZSwiV2lkdGgiOjAuMCwiSGVpZ2h0IjowLjAsIkJvcmRlclN0eWxlIjpudWxsLCJQYXJlbnRTdHlsZSI6bnVsbH0sIkRhdGVGb3JtYXQiOnsiJGlkIjoiMTIxIiwiRm9ybWF0U3RyaW5nIjoiTS9kL3l5eXkiLCJTZXBhcmF0b3IiOiIvIiwiVXNlSW50ZXJuYXRpb25hbERhdGVGb3JtYXQiOmZhbHNlLCJEYXRlSXNWaXNpYmxlIjp0cnVlLCJUaW1lSXNWaXNpYmxlIjpmYWxzZSwiSG91ckRpZ2l0cyI6MSwiQW1QbURlc2lnbmF0b3IiOjIsIlRyaW0wME1pbnV0ZXMiOmZhbHNlLCJMYXN0S25vd25WaXNpYmlsaXR5U3RhdGUiOm51bGx9LCJJc1Zpc2libGUiOnRydWUsIlBhcmVudFN0eWxlIjpudWxsLCJfZXhwbGljaXRseVNldCI6eyIkaWQiOiIxMjIiLCJTaGFwZVN0eWxlIjpmYWxzZSwiVGl0bGVTdHlsZSI6ZmFsc2UsIkRhdGVTdHlsZSI6ZmFsc2UsIkhvcml6b250YWxDb25uZWN0b3JTdHlsZSI6ZmFsc2UsIlZlcnRpY2FsQ29ubmVjdG9yU3R5bGUiOmZhbHNlLCJQZXJjZW50YWdlQ29tcGxldGVTaGFwZU9wYWNpdHkiOmZhbHNlLCJTaGFwZSI6ZmFsc2UsIlNoYXBlVGhpY2tuZXNzIjpmYWxzZSwiRHVyYXRpb25Gb3JtYXQiOmZhbHNlLCJJbmNsdWRlTm9uV29ya2luZ0RheXNJbkR1cmF0aW9uIjpmYWxzZSwiTWFyZ2luIjpmYWxzZSwiU3RhcnREYXRlUG9zaXRpb24iOmZhbHNlLCJFbmREYXRlUG9zaXRpb24iOmZhbHNlLCJUaXRsZVBvc2l0aW9uIjpmYWxzZSwiRHVyYXRpb25Qb3NpdGlvbiI6ZmFsc2UsIlBlcmNlbnRhZ2VDb21wbGV0ZWRQb3NpdGlvbiI6ZmFsc2UsIlNwYWNpbmciOmZhbHNlLCJJc0JlbG93VGltZWJhbmQiOmZhbHNlLCJEYXRlRm9ybWF0IjpmYWxzZSwiSXNWaXNpYmxlIjpmYWxzZX19LCJTaG93RWxhcHNlZFRpbWVHcmFkaWVudFN0eWxlIjpmYWxzZX0sIlNjYWxlIjp7IiRpZCI6IjEyMyIsIlN0YXJ0RGF0ZSI6IjIwMTctMDQtMTBUMDA6MDA6MDAiLCJFbmREYXRlIjoiMjAxNy0wOS0xMVQyMzo1OTowMCIsIkZvcm1hdCI6ImRkL01NIiwiVHlwZSI6MSwiQXV0b0RhdGVSYW5nZSI6dHJ1ZSwiV29ya2luZ0RheXMiOjEyNywiVG9kYXlNYXJrZXJUZXh0IjoiSGV1dGUiLCJBdXRvU2NhbGVUeXBlIjpmYWxzZX0sIk1pbGVzdG9uZXMiOlt7IiRpZCI6IjEyNCIsIkRhdGUiOiIyMDE3LTA0LTEwVDIzOjU5OjAwWiIsIlN0eWxlIjp7IiRpZCI6IjEyNSIsIlNoYXBlIjoyLCJDb25uZWN0b3JNYXJnaW4iOnsiJHJlZiI6IjU0In0sIkNvbm5lY3RvclN0eWxlIjp7IiRpZCI6IjEyNiIsIkxpbmVDb2xvciI6eyIkaWQiOiIxMjciLCIkdHlwZSI6Ik5MUkUuQ29tbW9uLkRvbS5Tb2xpZENvbG9yQnJ1c2gsIE5MUkUuQ29tbW9uIiwiQ29sb3IiOnsiJGlkIjoiMTI4IiwiQSI6MTI3LCJSIjoyMzQsIkciOjIyLCJCIjozMH19LCJMaW5lV2VpZ2h0IjoxLjAsIkxpbmVUeXBlIjowLCJQYXJlbnRTdHlsZSI6eyIkcmVmIjoiNTUifX0sIklzQmVsb3dUaW1lYmFuZCI6ZmFsc2UsIkhpZGVEYXRlIjpmYWxzZSwiU2hhcGVTaXplIjoyLCJTcGFjaW5nIjoyLjAsIlBhZGRpbmciOnsiJHJlZiI6IjU4In0sIlNoYXBlU3R5bGUiOnsiJGlkIjoiMTI5IiwiTWFyZ2luIjp7IiRyZWYiOiI2MCJ9LCJQYWRkaW5nIjp7IiRyZWYiOiI2MSJ9LCJCYWNrZ3JvdW5kIjp7IiRpZCI6IjEzMCIsIkNvbG9yIjp7IiRpZCI6IjEzMSIsIkEiOjI1NSwiUiI6MjM0LCJHIjoyMiwiQiI6MzB9fSwiSXNWaXNpYmxlIjp0cnVlLCJXaWR0aCI6MTguMCwiSGVpZ2h0IjoxOC4wLCJCb3JkZXJTdHlsZSI6eyIkaWQiOiIxMzIiLCJMaW5lQ29sb3IiOnsiJHJlZiI6IjYzIn0sIkxpbmVXZWlnaHQiOjAuMCwiTGluZVR5cGUiOjAsIlBhcmVudFN0eWxlIjp7IiRyZWYiOiI2MiJ9fSwiUGFyZW50U3R5bGUiOnsiJHJlZiI6IjU5In19LCJUaXRsZVN0eWxlIjp7IiRpZCI6IjEzMyIsIkZvbnRTZXR0aW5ncyI6eyIkaWQiOiIxMzQiLCJGb250U2l6ZSI6MTEsIkZvbnROYW1lIjoiQ2FsaWJyaSIsIklzQm9sZCI6dHJ1ZSwiSXNJdGFsaWMiOmZhbHNlLCJJc1VuZGVybGluZWQiOmZhbHNlLCJQYXJlbnRTdHlsZSI6eyIkcmVmIjoiNjYifX0sIkF1dG9TaXplIjowLCJGb3JlZ3JvdW5kIjp7IiRyZWYiOiI2NyJ9LCJNYXhXaWR0aCI6MjAwLjAsIk1heEhlaWdodCI6IkluZmluaXR5IiwiU21hcnRGb3JlZ3JvdW5kSXNBY3RpdmUiOmZhbHNlLCJIb3Jpem9udGFsQWxpZ25tZW50IjowLCJWZXJ0aWNhbEFsaWdubWVudCI6MCwiU21hcnRGb3JlZ3JvdW5kIjpudWxsLCJNYXJnaW4iOnsiJHJlZiI6IjY5In0sIlBhZGRpbmciOnsiJHJlZiI6IjcwIn0sIkJhY2tncm91bmQiOnsiJHJlZiI6IjcxIn0sIklzVmlzaWJsZSI6dHJ1ZSwiV2lkdGgiOjAuMCwiSGVpZ2h0IjowLjAsIkJvcmRlclN0eWxlIjp7IiRpZCI6IjEzNSIsIkxpbmVDb2xvciI6bnVsbCwiTGluZVdlaWdodCI6MC4wLCJMaW5lVHlwZSI6MCwiUGFyZW50U3R5bGUiOm51bGx9LCJQYXJlbnRTdHlsZSI6eyIkcmVmIjoiNjUifX0sIkRhdGVTdHlsZSI6eyIkaWQiOiIxMzYiLCJGb250U2V0dGluZ3MiOnsiJGlkIjoiMTM3IiwiRm9udFNpemUiOjEwLCJGb250TmFtZSI6IkNhbGlicmkiLCJJc0JvbGQiOmZhbHNlLCJJc0l0YWxpYyI6ZmFsc2UsIklzVW5kZXJsaW5lZCI6ZmFsc2UsIlBhcmVudFN0eWxlIjp7IiRyZWYiOiI3MyJ9fSwiQXV0b1NpemUiOjAsIkZvcmVncm91bmQiOnsiJHJlZiI6Ijc0In0sIk1heFdpZHRoIjoyMDAuMCwiTWF4SGVpZ2h0IjoiSW5maW5pdHkiLCJTbWFydEZvcmVncm91bmRJc0FjdGl2ZSI6ZmFsc2UsIkhvcml6b250YWxBbGlnbm1lbnQiOjAsIlZlcnRpY2FsQWxpZ25tZW50IjowLCJTbWFydEZvcmVncm91bmQiOm51bGwsIk1hcmdpbiI6eyIkcmVmIjoiNzYifSwiUGFkZGluZyI6eyIkcmVmIjoiNzcifSwiQmFja2dyb3VuZCI6eyIkcmVmIjoiNzgifSwiSXNWaXNpYmxlIjp0cnVlLCJXaWR0aCI6MC4wLCJIZWlnaHQiOjAuMCwiQm9yZGVyU3R5bGUiOnsiJGlkIjoiMTM4IiwiTGluZUNvbG9yIjpudWxsLCJMaW5lV2VpZ2h0IjowLjAsIkxpbmVUeXBlIjowLCJQYXJlbnRTdHlsZSI6bnVsbH0sIlBhcmVudFN0eWxlIjp7IiRyZWYiOiI3MiJ9fSwiRGF0ZUZvcm1hdCI6eyIkcmVmIjoiNzkifSwiSXNWaXNpYmxlIjp0cnVlLCJQYXJlbnRTdHlsZSI6eyIkcmVmIjoiNTMifX0sIlBvc2l0aW9uIjp7IlJhdGlvIjowLjEyNzU0NjMyNjQzNzExNDE5LCJJc0N1c3RvbSI6dHJ1ZX0sIkRhdGVGb3JtYXQiOnsiJHJlZiI6Ijc5In0sIklkIjoiNjQ2NGJhNTctM2RlNC00MDNiLTg1ODQtZDAzM2MxMTQ0OGQzIiwiSW1wb3J0SWQiOm51bGwsIlRpdGxlIjoiU3RhcnQiLCJOb3RlIjpudWxsLCJIeXBlcmxpbmsiOm51bGwsIklzQ2hhbmdlZCI6ZmFsc2UsIklzTmV3IjpmYWxzZX0seyIkaWQiOiIxMzkiLCJEYXRlIjoiMjAxNy0wOC0xNFQyMzo1OTowMFoiLCJTdHlsZSI6eyIkaWQiOiIxNDAiLCJTaGFwZSI6MiwiQ29ubmVjdG9yTWFyZ2luIjp7IiRyZWYiOiI1NCJ9LCJDb25uZWN0b3JTdHlsZSI6eyIkaWQiOiIxNDEiLCJMaW5lQ29sb3IiOnsiJGlkIjoiMTQyIiwiJHR5cGUiOiJOTFJFLkNvbW1vbi5Eb20uU29saWRDb2xvckJydXNoLCBOTFJFLkNvbW1vbiIsIkNvbG9yIjp7IiRpZCI6IjE0MyIsIkEiOjEyNywiUiI6NDcsIkciOjU0LCJCIjoxNTN9fSwiTGluZVdlaWdodCI6MS4wLCJMaW5lVHlwZSI6MCwiUGFyZW50U3R5bGUiOnsiJHJlZiI6IjU1In19LCJJc0JlbG93VGltZWJhbmQiOmZhbHNlLCJIaWRlRGF0ZSI6ZmFsc2UsIlNoYXBlU2l6ZSI6MiwiU3BhY2luZyI6Mi4wLCJQYWRkaW5nIjp7IiRyZWYiOiI1OCJ9LCJTaGFwZVN0eWxlIjp7IiRpZCI6IjE0NCIsIk1hcmdpbiI6eyIkcmVmIjoiNjAifSwiUGFkZGluZyI6eyIkcmVmIjoiNjEifSwiQmFja2dyb3VuZCI6eyIkaWQiOiIxNDUiLCJDb2xvciI6eyIkaWQiOiIxNDYiLCJBIjoyNTUsIlIiOjQ3LCJHIjo1NCwiQiI6MTUzfX0sIklzVmlzaWJsZSI6dHJ1ZSwiV2lkdGgiOjE4LjAsIkhlaWdodCI6MTguMCwiQm9yZGVyU3R5bGUiOnsiJGlkIjoiMTQ3IiwiTGluZUNvbG9yIjp7IiRyZWYiOiI2MyJ9LCJMaW5lV2VpZ2h0IjowLjAsIkxpbmVUeXBlIjowLCJQYXJlbnRTdHlsZSI6eyIkcmVmIjoiNjIifX0sIlBhcmVudFN0eWxlIjp7IiRyZWYiOiI1OSJ9fSwiVGl0bGVTdHlsZSI6eyIkaWQiOiIxNDgiLCJGb250U2V0dGluZ3MiOnsiJGlkIjoiMTQ5IiwiRm9udFNpemUiOjExLCJGb250TmFtZSI6IkNhbGlicmkiLCJJc0JvbGQiOnRydWUsIklzSXRhbGljIjpmYWxzZSwiSXNVbmRlcmxpbmVkIjpmYWxzZSwiUGFyZW50U3R5bGUiOnsiJHJlZiI6IjY2In19LCJBdXRvU2l6ZSI6MCwiRm9yZWdyb3VuZCI6eyIkcmVmIjoiNjcifSwiTWF4V2lkdGgiOjIwMC4wLCJNYXhIZWlnaHQiOiJJbmZpbml0eSIsIlNtYXJ0Rm9yZWdyb3VuZElzQWN0aXZlIjpmYWxzZSwiSG9yaXpvbnRhbEFsaWdubWVudCI6MCwiVmVydGljYWxBbGlnbm1lbnQiOjAsIlNtYXJ0Rm9yZWdyb3VuZCI6bnVsbCwiTWFyZ2luIjp7IiRyZWYiOiI2OSJ9LCJQYWRkaW5nIjp7IiRyZWYiOiI3MCJ9LCJCYWNrZ3JvdW5kIjp7IiRyZWYiOiI3MSJ9LCJJc1Zpc2libGUiOnRydWUsIldpZHRoIjowLjAsIkhlaWdodCI6MC4wLCJCb3JkZXJTdHlsZSI6eyIkaWQiOiIxNTAiLCJMaW5lQ29sb3IiOm51bGwsIkxpbmVXZWlnaHQiOjAuMCwiTGluZVR5cGUiOjAsIlBhcmVudFN0eWxlIjpudWxsfSwiUGFyZW50U3R5bGUiOnsiJHJlZiI6IjY1In19LCJEYXRlU3R5bGUiOnsiJGlkIjoiMTUxIiwiRm9udFNldHRpbmdzIjp7IiRpZCI6IjE1MiIsIkZvbnRTaXplIjoxMCwiRm9udE5hbWUiOiJDYWxpYnJpIiwiSXNCb2xkIjpmYWxzZSwiSXNJdGFsaWMiOmZhbHNlLCJJc1VuZGVybGluZWQiOmZhbHNlLCJQYXJlbnRTdHlsZSI6eyIkcmVmIjoiNzMifX0sIkF1dG9TaXplIjowLCJGb3JlZ3JvdW5kIjp7IiRyZWYiOiI3NCJ9LCJNYXhXaWR0aCI6MjAwLjAsIk1heEhlaWdodCI6IkluZmluaXR5IiwiU21hcnRGb3JlZ3JvdW5kSXNBY3RpdmUiOmZhbHNlLCJIb3Jpem9udGFsQWxpZ25tZW50IjowLCJWZXJ0aWNhbEFsaWdubWVudCI6MCwiU21hcnRGb3JlZ3JvdW5kIjpudWxsLCJNYXJnaW4iOnsiJHJlZiI6Ijc2In0sIlBhZGRpbmciOnsiJHJlZiI6Ijc3In0sIkJhY2tncm91bmQiOnsiJHJlZiI6Ijc4In0sIklzVmlzaWJsZSI6dHJ1ZSwiV2lkdGgiOjAuMCwiSGVpZ2h0IjowLjAsIkJvcmRlclN0eWxlIjp7IiRpZCI6IjE1MyIsIkxpbmVDb2xvciI6bnVsbCwiTGluZVdlaWdodCI6MC4wLCJMaW5lVHlwZSI6MCwiUGFyZW50U3R5bGUiOm51bGx9LCJQYXJlbnRTdHlsZSI6eyIkcmVmIjoiNzIifX0sIkRhdGVGb3JtYXQiOnsiJHJlZiI6Ijc5In0sIklzVmlzaWJsZSI6dHJ1ZSwiUGFyZW50U3R5bGUiOnsiJHJlZiI6IjUzIn19LCJQb3NpdGlvbiI6eyJSYXRpbyI6MC4xMzE5ODQ3OTczNDgyMTA4NCwiSXNDdXN0b20iOnRydWV9LCJEYXRlRm9ybWF0Ijp7IiRyZWYiOiI3OSJ9LCJJZCI6IjY3ZjdkNmUxLTEwMGYtNGFlYi1hMTI3LTc2NWQzMGU0YjhhYyIsIkltcG9ydElkIjpudWxsLCJUaXRsZSI6IkVyc3RlIFZlcnNpb24gZGVyIEFyYmVpdCIsIk5vdGUiOm51bGwsIkh5cGVybGluayI6bnVsbCwiSXNDaGFuZ2VkIjpmYWxzZSwiSXNOZXciOmZhbHNlfSx7IiRpZCI6IjE1NCIsIkRhdGUiOiIyMDE3LTA5LTExVDIzOjU5OjAwWiIsIlN0eWxlIjp7IiRpZCI6IjE1NSIsIlNoYXBlIjoyLCJDb25uZWN0b3JNYXJnaW4iOnsiJHJlZiI6IjU0In0sIkNvbm5lY3RvclN0eWxlIjp7IiRpZCI6IjE1NiIsIkxpbmVDb2xvciI6eyIkaWQiOiIxNTciLCIkdHlwZSI6Ik5MUkUuQ29tbW9uLkRvbS5Tb2xpZENvbG9yQnJ1c2gsIE5MUkUuQ29tbW9uIiwiQ29sb3IiOnsiJGlkIjoiMTU4IiwiQSI6MTI3LCJSIjoyMzQsIkciOjIyLCJCIjozMH19LCJMaW5lV2VpZ2h0IjoxLjAsIkxpbmVUeXBlIjowLCJQYXJlbnRTdHlsZSI6eyIkcmVmIjoiNTUifX0sIklzQmVsb3dUaW1lYmFuZCI6ZmFsc2UsIkhpZGVEYXRlIjpmYWxzZSwiU2hhcGVTaXplIjoyLCJTcGFjaW5nIjoyLjAsIlBhZGRpbmciOnsiJHJlZiI6IjU4In0sIlNoYXBlU3R5bGUiOnsiJGlkIjoiMTU5IiwiTWFyZ2luIjp7IiRyZWYiOiI2MCJ9LCJQYWRkaW5nIjp7IiRyZWYiOiI2MSJ9LCJCYWNrZ3JvdW5kIjp7IiRpZCI6IjE2MCIsIkNvbG9yIjp7IiRpZCI6IjE2MSIsIkEiOjI1NSwiUiI6MjM0LCJHIjoyMiwiQiI6MzB9fSwiSXNWaXNpYmxlIjp0cnVlLCJXaWR0aCI6MTguMCwiSGVpZ2h0IjoxOC4wLCJCb3JkZXJTdHlsZSI6eyIkaWQiOiIxNjIiLCJMaW5lQ29sb3IiOnsiJHJlZiI6IjYzIn0sIkxpbmVXZWlnaHQiOjAuMCwiTGluZVR5cGUiOjAsIlBhcmVudFN0eWxlIjp7IiRyZWYiOiI2MiJ9fSwiUGFyZW50U3R5bGUiOnsiJHJlZiI6IjU5In19LCJUaXRsZVN0eWxlIjp7IiRpZCI6IjE2MyIsIkZvbnRTZXR0aW5ncyI6eyIkaWQiOiIxNjQiLCJGb250U2l6ZSI6MTEsIkZvbnROYW1lIjoiQ2FsaWJyaSIsIklzQm9sZCI6dHJ1ZSwiSXNJdGFsaWMiOmZhbHNlLCJJc1VuZGVybGluZWQiOmZhbHNlLCJQYXJlbnRTdHlsZSI6eyIkcmVmIjoiNjYifX0sIkF1dG9TaXplIjowLCJGb3JlZ3JvdW5kIjp7IiRyZWYiOiI2NyJ9LCJNYXhXaWR0aCI6MjAwLjAsIk1heEhlaWdodCI6IkluZmluaXR5IiwiU21hcnRGb3JlZ3JvdW5kSXNBY3RpdmUiOmZhbHNlLCJIb3Jpem9udGFsQWxpZ25tZW50IjowLCJWZXJ0aWNhbEFsaWdubWVudCI6MCwiU21hcnRGb3JlZ3JvdW5kIjpudWxsLCJNYXJnaW4iOnsiJHJlZiI6IjY5In0sIlBhZGRpbmciOnsiJHJlZiI6IjcwIn0sIkJhY2tncm91bmQiOnsiJHJlZiI6IjcxIn0sIklzVmlzaWJsZSI6dHJ1ZSwiV2lkdGgiOjAuMCwiSGVpZ2h0IjowLjAsIkJvcmRlclN0eWxlIjp7IiRpZCI6IjE2NSIsIkxpbmVDb2xvciI6bnVsbCwiTGluZVdlaWdodCI6MC4wLCJMaW5lVHlwZSI6MCwiUGFyZW50U3R5bGUiOm51bGx9LCJQYXJlbnRTdHlsZSI6eyIkcmVmIjoiNjUifX0sIkRhdGVTdHlsZSI6eyIkaWQiOiIxNjYiLCJGb250U2V0dGluZ3MiOnsiJGlkIjoiMTY3IiwiRm9udFNpemUiOjEwLCJGb250TmFtZSI6IkNhbGlicmkiLCJJc0JvbGQiOmZhbHNlLCJJc0l0YWxpYyI6ZmFsc2UsIklzVW5kZXJsaW5lZCI6ZmFsc2UsIlBhcmVudFN0eWxlIjp7IiRyZWYiOiI3MyJ9fSwiQXV0b1NpemUiOjAsIkZvcmVncm91bmQiOnsiJHJlZiI6Ijc0In0sIk1heFdpZHRoIjoyMDAuMCwiTWF4SGVpZ2h0IjoiSW5maW5pdHkiLCJTbWFydEZvcmVncm91bmRJc0FjdGl2ZSI6ZmFsc2UsIkhvcml6b250YWxBbGlnbm1lbnQiOjAsIlZlcnRpY2FsQWxpZ25tZW50IjowLCJTbWFydEZvcmVncm91bmQiOm51bGwsIk1hcmdpbiI6eyIkcmVmIjoiNzYifSwiUGFkZGluZyI6eyIkcmVmIjoiNzcifSwiQmFja2dyb3VuZCI6eyIkcmVmIjoiNzgifSwiSXNWaXNpYmxlIjp0cnVlLCJXaWR0aCI6MC4wLCJIZWlnaHQiOjAuMCwiQm9yZGVyU3R5bGUiOnsiJGlkIjoiMTY4IiwiTGluZUNvbG9yIjpudWxsLCJMaW5lV2VpZ2h0IjowLjAsIkxpbmVUeXBlIjowLCJQYXJlbnRTdHlsZSI6bnVsbH0sIlBhcmVudFN0eWxlIjp7IiRyZWYiOiI3MiJ9fSwiRGF0ZUZvcm1hdCI6eyIkcmVmIjoiNzkifSwiSXNWaXNpYmxlIjp0cnVlLCJQYXJlbnRTdHlsZSI6eyIkcmVmIjoiNTMifX0sIlBvc2l0aW9uIjp7IlJhdGlvIjowLjEzNTIyMjM3MzY3OTgzMjE3LCJJc0N1c3RvbSI6dHJ1ZX0sIkRhdGVGb3JtYXQiOnsiJHJlZiI6Ijc5In0sIklkIjoiZTZmN2IwMzYtMzViOS00NGZmLTg1Y2YtMjBiNTMwZjljODc4IiwiSW1wb3J0SWQiOm51bGwsIlRpdGxlIjoiQWJzY2hsdXNzIChzcMOkdGVzdGVyIEFiZ2FiZXRlcm1pbikiLCJOb3RlIjpudWxsLCJIeXBlcmxpbmsiOm51bGwsIklzQ2hhbmdlZCI6ZmFsc2UsIklzTmV3IjpmYWxzZX1dLCJUYXNrcyI6W3siJGlkIjoiMTY5IiwiR3JvdXBOYW1lIjpudWxsLCJTdGFydERhdGUiOiIyMDE3LTA0LTEwVDAwOjAwOjAwWiIsIkVuZERhdGUiOiIyMDE3LTA0LTMwVDIzOjU5OjAwWiIsIlBlcmNlbnRhZ2VDb21wbGV0ZSI6bnVsbCwiU3R5bGUiOnsiJGlkIjoiMTcwIiwiU2hhcGUiOjEsIlNoYXBlVGhpY2tuZXNzIjoxLCJEdXJhdGlvbkZvcm1hdCI6MCwiSW5jbHVkZU5vbldvcmtpbmdEYXlzSW5EdXJhdGlvbiI6ZmFsc2UsIlBlcmNlbnRhZ2VDb21wbGV0ZVN0eWxlIjp7IiRpZCI6IjE3MSIsIkZvbnRTZXR0aW5ncyI6eyIkaWQiOiIxNzIiLCJGb250U2l6ZSI6MTAsIkZvbnROYW1lIjoiQ2FsaWJyaSIsIklzQm9sZCI6ZmFsc2UsIklzSXRhbGljIjpmYWxzZSwiSXNVbmRlcmxpbmVkIjpmYWxzZSwiUGFyZW50U3R5bGUiOnsiJHJlZiI6IjgyIn19LCJBdXRvU2l6ZSI6MCwiRm9yZWdyb3VuZCI6eyIkcmVmIjoiODMifSwiTWF4V2lkdGgiOjIwMC4wLCJNYXhIZWlnaHQiOiJJbmZpbml0eSIsIlNtYXJ0Rm9yZWdyb3VuZElzQWN0aXZlIjpmYWxzZSwiSG9yaXpvbnRhbEFsaWdubWVudCI6MCwiVmVydGljYWxBbGlnbm1lbnQiOjAsIlNtYXJ0Rm9yZWdyb3VuZCI6bnVsbCwiTWFyZ2luIjp7IiRyZWYiOiI4NSJ9LCJQYWRkaW5nIjp7IiRyZWYiOiI4NiJ9LCJCYWNrZ3JvdW5kIjp7IiRyZWYiOiI4NyJ9LCJJc1Zpc2libGUiOnRydWUsIldpZHRoIjowLjAsIkhlaWdodCI6MC4wLCJCb3JkZXJTdHlsZSI6eyIkaWQiOiIxNzMiLCJMaW5lQ29sb3IiOm51bGwsIkxpbmVXZWlnaHQiOjAuMCwiTGluZVR5cGUiOjAsIlBhcmVudFN0eWxlIjpudWxsfSwiUGFyZW50U3R5bGUiOnsiJHJlZiI6IjgxIn19LCJEdXJhdGlvblN0eWxlIjp7IiRpZCI6IjE3NCIsIkZvbnRTZXR0aW5ncyI6eyIkaWQiOiIxNzUiLCJGb250U2l6ZSI6MTAsIkZvbnROYW1lIjoiQ2FsaWJyaSIsIklzQm9sZCI6ZmFsc2UsIklzSXRhbGljIjpmYWxzZSwiSXNVbmRlcmxpbmVkIjpmYWxzZSwiUGFyZW50U3R5bGUiOnsiJHJlZiI6Ijg5In19LCJBdXRvU2l6ZSI6MCwiRm9yZWdyb3VuZCI6eyIkcmVmIjoiOTAifSwiTWF4V2lkdGgiOjIwMC4wLCJNYXhIZWlnaHQiOiJJbmZpbml0eSIsIlNtYXJ0Rm9yZWdyb3VuZElzQWN0aXZlIjpmYWxzZSwiSG9yaXpvbnRhbEFsaWdubWVudCI6MCwiVmVydGljYWxBbGlnbm1lbnQiOjAsIlNtYXJ0Rm9yZWdyb3VuZCI6bnVsbCwiTWFyZ2luIjp7IiRyZWYiOiI5MiJ9LCJQYWRkaW5nIjp7IiRyZWYiOiI5MyJ9LCJCYWNrZ3JvdW5kIjp7IiRyZWYiOiI5NCJ9LCJJc1Zpc2libGUiOnRydWUsIldpZHRoIjowLjAsIkhlaWdodCI6MC4wLCJCb3JkZXJTdHlsZSI6eyIkaWQiOiIxNzYiLCJMaW5lQ29sb3IiOm51bGwsIkxpbmVXZWlnaHQiOjAuMCwiTGluZVR5cGUiOjAsIlBhcmVudFN0eWxlIjpudWxsfSwiUGFyZW50U3R5bGUiOnsiJHJlZiI6Ijg4In19LCJIb3Jpem9udGFsQ29ubmVjdG9yU3R5bGUiOnsiJGlkIjoiMTc3IiwiTGluZUNvbG9yIjp7IiRyZWYiOiI5NiJ9LCJMaW5lV2VpZ2h0IjowLjAsIkxpbmVUeXBlIjowLCJQYXJlbnRTdHlsZSI6eyIkcmVmIjoiOTUifX0sIlZlcnRpY2FsQ29ubmVjdG9yU3R5bGUiOnsiJGlkIjoiMTc4IiwiTGluZUNvbG9yIjp7IiRyZWYiOiI5OSJ9LCJMaW5lV2VpZ2h0IjoxLjAsIkxpbmVUeXBlIjowLCJQYXJlbnRTdHlsZSI6eyIkcmVmIjoiOTgifX0sIk1hcmdpbiI6bnVsbCwiU3RhcnREYXRlUG9zaXRpb24iOjMsIkVuZERhdGVQb3NpdGlvbiI6NCwiRGF0ZUlzVmlzaWJsZSI6dHJ1ZSwiVGl0bGVQb3NpdGlvbiI6NSwiRHVyYXRpb25Qb3NpdGlvbiI6NiwiUGVyY2VudGFnZUNvbXBsZXRlZFBvc2l0aW9uIjo2LCJTcGFjaW5nIjo1LCJJc0JlbG93VGltZWJhbmQiOnRydWUsIlBlcmNlbnRhZ2VDb21wbGV0ZVNoYXBlT3BhY2l0eSI6MzUsIlNoYXBlU3R5bGUiOnsiJGlkIjoiMTc5IiwiTWFyZ2luIjp7IiRyZWYiOiIxMDIifSwiUGFkZGluZyI6eyIkcmVmIjoiMTAzIn0sIkJhY2tncm91bmQiOnsiJGlkIjoiMTgwIiwiQ29sb3IiOnsiJGlkIjoiMTgxIiwiQSI6MjU1LCJSIjowLCJHIjoxMTQsIkIiOjE4OH19LCJJc1Zpc2libGUiOnRydWUsIldpZHRoIjowLjAsIkhlaWdodCI6MTYuMCwiQm9yZGVyU3R5bGUiOnsiJGlkIjoiMTgyIiwiTGluZUNvbG9yIjp7IiRyZWYiOiIxMDUifSwiTGluZVdlaWdodCI6MC4wLCJMaW5lVHlwZSI6MCwiUGFyZW50U3R5bGUiOnsiJHJlZiI6IjEwNCJ9fSwiUGFyZW50U3R5bGUiOnsiJHJlZiI6IjEwMSJ9fSwiVGl0bGVTdHlsZSI6eyIkaWQiOiIxODMiLCJGb250U2V0dGluZ3MiOnsiJGlkIjoiMTg0IiwiRm9udFNpemUiOjExLCJGb250TmFtZSI6IkNhbGlicmkiLCJJc0JvbGQiOnRydWUsIklzSXRhbGljIjpmYWxzZSwiSXNVbmRlcmxpbmVkIjpmYWxzZSwiUGFyZW50U3R5bGUiOnsiJHJlZiI6IjEwOCJ9fSwiQXV0b1NpemUiOjIsIkZvcmVncm91bmQiOnsiJHJlZiI6IjEwOSJ9LCJNYXhXaWR0aCI6MzcuMCwiTWF4SGVpZ2h0IjoiSW5maW5pdHkiLCJTbWFydEZvcmVncm91bmRJc0FjdGl2ZSI6ZmFsc2UsIkhvcml6b250YWxBbGlnbm1lbnQiOjEsIlZlcnRpY2FsQWxpZ25tZW50IjowLCJTbWFydEZvcmVncm91bmQiOm51bGwsIk1hcmdpbiI6eyIkcmVmIjoiMTExIn0sIlBhZGRpbmciOnsiJHJlZiI6IjExMiJ9LCJCYWNrZ3JvdW5kIjp7IiRyZWYiOiIxMTMifSwiSXNWaXNpYmxlIjp0cnVlLCJXaWR0aCI6MC4wLCJIZWlnaHQiOjAuMCwiQm9yZGVyU3R5bGUiOnsiJGlkIjoiMTg1IiwiTGluZUNvbG9yIjpudWxsLCJMaW5lV2VpZ2h0IjowLjAsIkxpbmVUeXBlIjowLCJQYXJlbnRTdHlsZSI6bnVsbH0sIlBhcmVudFN0eWxlIjp7IiRyZWYiOiIxMDcifX0sIkRhdGVTdHlsZSI6eyIkaWQiOiIxODYiLCJGb250U2V0dGluZ3MiOnsiJGlkIjoiMTg3IiwiRm9udFNpemUiOjEwLCJGb250TmFtZSI6IkNhbGlicmkiLCJJc0JvbGQiOmZhbHNlLCJJc0l0YWxpYyI6ZmFsc2UsIklzVW5kZXJsaW5lZCI6ZmFsc2UsIlBhcmVudFN0eWxlIjp7IiRyZWYiOiIxMTUifX0sIkF1dG9TaXplIjowLCJGb3JlZ3JvdW5kIjp7IiRyZWYiOiIxMTYifSwiTWF4V2lkdGgiOjIwMC4wLCJNYXhIZWlnaHQiOiJJbmZpbml0eSIsIlNtYXJ0Rm9yZWdyb3VuZElzQWN0aXZlIjpmYWxzZSwiSG9yaXpvbnRhbEFsaWdubWVudCI6MCwiVmVydGljYWxBbGlnbm1lbnQiOjAsIlNtYXJ0Rm9yZWdyb3VuZCI6bnVsbCwiTWFyZ2luIjp7IiRyZWYiOiIxMTgifSwiUGFkZGluZyI6eyIkcmVmIjoiMTE5In0sIkJhY2tncm91bmQiOnsiJHJlZiI6IjEyMCJ9LCJJc1Zpc2libGUiOnRydWUsIldpZHRoIjowLjAsIkhlaWdodCI6MC4wLCJCb3JkZXJTdHlsZSI6eyIkaWQiOiIxODgiLCJMaW5lQ29sb3IiOm51bGwsIkxpbmVXZWlnaHQiOjAuMCwiTGluZVR5cGUiOjAsIlBhcmVudFN0eWxlIjpudWxsfSwiUGFyZW50U3R5bGUiOnsiJHJlZiI6IjExNCJ9fSwiRGF0ZUZvcm1hdCI6eyIkcmVmIjoiMTIxIn0sIklzVmlzaWJsZSI6dHJ1ZSwiUGFyZW50U3R5bGUiOnsiJHJlZiI6IjgwIn19LCJJbmRleCI6MSwiU21hcnREdXJhdGlvbkFjdGl2YXRlZCI6ZmFsc2UsIkRhdGVGb3JtYXQiOnsiJHJlZiI6IjEyMSJ9LCJJZCI6IjVlMmVkYWQ5LTFkYTYtNDU0Zi1hNjM2LWQzZDIxOTVhYWFhZSIsIkltcG9ydElkIjpudWxsLCJUaXRsZSI6IkVpbnN0aWVnIiwiTm90ZSI6bnVsbCwiSHlwZXJsaW5rIjpudWxsLCJJc0NoYW5nZWQiOmZhbHNlLCJJc05ldyI6ZmFsc2V9LHsiJGlkIjoiMTg5IiwiR3JvdXBOYW1lIjpudWxsLCJTdGFydERhdGUiOiIyMDE3LTA0LTI0VDAwOjAwOjAwWiIsIkVuZERhdGUiOiIyMDE3LTA3LTAyVDIzOjU5OjAwWiIsIlBlcmNlbnRhZ2VDb21wbGV0ZSI6bnVsbCwiU3R5bGUiOnsiJGlkIjoiMTkwIiwiU2hhcGUiOjEsIlNoYXBlVGhpY2tuZXNzIjoxLCJEdXJhdGlvbkZvcm1hdCI6MCwiSW5jbHVkZU5vbldvcmtpbmdEYXlzSW5EdXJhdGlvbiI6ZmFsc2UsIlBlcmNlbnRhZ2VDb21wbGV0ZVN0eWxlIjp7IiRpZCI6IjE5MSIsIkZvbnRTZXR0aW5ncyI6eyIkaWQiOiIxOTIiLCJGb250U2l6ZSI6MTAsIkZvbnROYW1lIjoiQ2FsaWJyaSIsIklzQm9sZCI6ZmFsc2UsIklzSXRhbGljIjpmYWxzZSwiSXNVbmRlcmxpbmVkIjpmYWxzZSwiUGFyZW50U3R5bGUiOnsiJHJlZiI6IjgyIn19LCJBdXRvU2l6ZSI6MCwiRm9yZWdyb3VuZCI6eyIkcmVmIjoiODMifSwiTWF4V2lkdGgiOjIwMC4wLCJNYXhIZWlnaHQiOiJJbmZpbml0eSIsIlNtYXJ0Rm9yZWdyb3VuZElzQWN0aXZlIjpmYWxzZSwiSG9yaXpvbnRhbEFsaWdubWVudCI6MCwiVmVydGljYWxBbGlnbm1lbnQiOjAsIlNtYXJ0Rm9yZWdyb3VuZCI6bnVsbCwiTWFyZ2luIjp7IiRyZWYiOiI4NSJ9LCJQYWRkaW5nIjp7IiRyZWYiOiI4NiJ9LCJCYWNrZ3JvdW5kIjp7IiRyZWYiOiI4NyJ9LCJJc1Zpc2libGUiOnRydWUsIldpZHRoIjowLjAsIkhlaWdodCI6MC4wLCJCb3JkZXJTdHlsZSI6eyIkaWQiOiIxOTMiLCJMaW5lQ29sb3IiOm51bGwsIkxpbmVXZWlnaHQiOjAuMCwiTGluZVR5cGUiOjAsIlBhcmVudFN0eWxlIjpudWxsfSwiUGFyZW50U3R5bGUiOnsiJHJlZiI6IjgxIn19LCJEdXJhdGlvblN0eWxlIjp7IiRpZCI6IjE5NCIsIkZvbnRTZXR0aW5ncyI6eyIkaWQiOiIxOTUiLCJGb250U2l6ZSI6MTAsIkZvbnROYW1lIjoiQ2FsaWJyaSIsIklzQm9sZCI6ZmFsc2UsIklzSXRhbGljIjpmYWxzZSwiSXNVbmRlcmxpbmVkIjpmYWxzZSwiUGFyZW50U3R5bGUiOnsiJHJlZiI6Ijg5In19LCJBdXRvU2l6ZSI6MCwiRm9yZWdyb3VuZCI6eyIkcmVmIjoiOTAifSwiTWF4V2lkdGgiOjIwMC4wLCJNYXhIZWlnaHQiOiJJbmZpbml0eSIsIlNtYXJ0Rm9yZWdyb3VuZElzQWN0aXZlIjpmYWxzZSwiSG9yaXpvbnRhbEFsaWdubWVudCI6MCwiVmVydGljYWxBbGlnbm1lbnQiOjAsIlNtYXJ0Rm9yZWdyb3VuZCI6bnVsbCwiTWFyZ2luIjp7IiRyZWYiOiI5MiJ9LCJQYWRkaW5nIjp7IiRyZWYiOiI5MyJ9LCJCYWNrZ3JvdW5kIjp7IiRyZWYiOiI5NCJ9LCJJc1Zpc2libGUiOnRydWUsIldpZHRoIjowLjAsIkhlaWdodCI6MC4wLCJCb3JkZXJTdHlsZSI6eyIkaWQiOiIxOTYiLCJMaW5lQ29sb3IiOm51bGwsIkxpbmVXZWlnaHQiOjAuMCwiTGluZVR5cGUiOjAsIlBhcmVudFN0eWxlIjpudWxsfSwiUGFyZW50U3R5bGUiOnsiJHJlZiI6Ijg4In19LCJIb3Jpem9udGFsQ29ubmVjdG9yU3R5bGUiOnsiJGlkIjoiMTk3IiwiTGluZUNvbG9yIjp7IiRyZWYiOiI5NiJ9LCJMaW5lV2VpZ2h0IjowLjAsIkxpbmVUeXBlIjowLCJQYXJlbnRTdHlsZSI6eyIkcmVmIjoiOTUifX0sIlZlcnRpY2FsQ29ubmVjdG9yU3R5bGUiOnsiJGlkIjoiMTk4IiwiTGluZUNvbG9yIjp7IiRyZWYiOiI5OSJ9LCJMaW5lV2VpZ2h0IjoxLjAsIkxpbmVUeXBlIjowLCJQYXJlbnRTdHlsZSI6eyIkcmVmIjoiOTgifX0sIk1hcmdpbiI6bnVsbCwiU3RhcnREYXRlUG9zaXRpb24iOjMsIkVuZERhdGVQb3NpdGlvbiI6NCwiRGF0ZUlzVmlzaWJsZSI6dHJ1ZSwiVGl0bGVQb3NpdGlvbiI6NSwiRHVyYXRpb25Qb3NpdGlvbiI6NiwiUGVyY2VudGFnZUNvbXBsZXRlZFBvc2l0aW9uIjo2LCJTcGFjaW5nIjo1LCJJc0JlbG93VGltZWJhbmQiOnRydWUsIlBlcmNlbnRhZ2VDb21wbGV0ZVNoYXBlT3BhY2l0eSI6MzUsIlNoYXBlU3R5bGUiOnsiJGlkIjoiMTk5IiwiTWFyZ2luIjp7IiRyZWYiOiIxMDIifSwiUGFkZGluZyI6eyIkcmVmIjoiMTAzIn0sIkJhY2tncm91bmQiOnsiJGlkIjoiMjAwIiwiQ29sb3IiOnsiJGlkIjoiMjAxIiwiQSI6MjU1LCJSIjoyMzcsIkciOjEyNSwiQiI6NDl9fSwiSXNWaXNpYmxlIjp0cnVlLCJXaWR0aCI6MC4wLCJIZWlnaHQiOjE2LjAsIkJvcmRlclN0eWxlIjp7IiRpZCI6IjIwMiIsIkxpbmVDb2xvciI6eyIkcmVmIjoiMTA1In0sIkxpbmVXZWlnaHQiOjAuMCwiTGluZVR5cGUiOjAsIlBhcmVudFN0eWxlIjp7IiRyZWYiOiIxMDQifX0sIlBhcmVudFN0eWxlIjp7IiRyZWYiOiIxMDEifX0sIlRpdGxlU3R5bGUiOnsiJGlkIjoiMjAzIiwiRm9udFNldHRpbmdzIjp7IiRpZCI6IjIwNCIsIkZvbnRTaXplIjoxMSwiRm9udE5hbWUiOiJDYWxpYnJpIiwiSXNCb2xkIjp0cnVlLCJJc0l0YWxpYyI6ZmFsc2UsIklzVW5kZXJsaW5lZCI6ZmFsc2UsIlBhcmVudFN0eWxlIjp7IiRyZWYiOiIxMDgifX0sIkF1dG9TaXplIjowLCJGb3JlZ3JvdW5kIjp7IiRyZWYiOiIxMDkifSwiTWF4V2lkdGgiOjcyMC4wLCJNYXhIZWlnaHQiOiJJbmZpbml0eSIsIlNtYXJ0Rm9yZWdyb3VuZElzQWN0aXZlIjpmYWxzZSwiSG9yaXpvbnRhbEFsaWdubWVudCI6MSwiVmVydGljYWxBbGlnbm1lbnQiOjAsIlNtYXJ0Rm9yZWdyb3VuZCI6bnVsbCwiTWFyZ2luIjp7IiRyZWYiOiIxMTEifSwiUGFkZGluZyI6eyIkcmVmIjoiMTEyIn0sIkJhY2tncm91bmQiOnsiJHJlZiI6IjExMyJ9LCJJc1Zpc2libGUiOnRydWUsIldpZHRoIjowLjAsIkhlaWdodCI6MC4wLCJCb3JkZXJTdHlsZSI6eyIkaWQiOiIyMDUiLCJMaW5lQ29sb3IiOm51bGwsIkxpbmVXZWlnaHQiOjAuMCwiTGluZVR5cGUiOjAsIlBhcmVudFN0eWxlIjpudWxsfSwiUGFyZW50U3R5bGUiOnsiJHJlZiI6IjEwNyJ9fSwiRGF0ZVN0eWxlIjp7IiRpZCI6IjIwNiIsIkZvbnRTZXR0aW5ncyI6eyIkaWQiOiIyMDciLCJGb250U2l6ZSI6MTAsIkZvbnROYW1lIjoiQ2FsaWJyaSIsIklzQm9sZCI6ZmFsc2UsIklzSXRhbGljIjpmYWxzZSwiSXNVbmRlcmxpbmVkIjpmYWxzZSwiUGFyZW50U3R5bGUiOnsiJHJlZiI6IjExNSJ9fSwiQXV0b1NpemUiOjAsIkZvcmVncm91bmQiOnsiJHJlZiI6IjExNiJ9LCJNYXhXaWR0aCI6MjAwLjAsIk1heEhlaWdodCI6IkluZmluaXR5IiwiU21hcnRGb3JlZ3JvdW5kSXNBY3RpdmUiOmZhbHNlLCJIb3Jpem9udGFsQWxpZ25tZW50IjowLCJWZXJ0aWNhbEFsaWdubWVudCI6MCwiU21hcnRGb3JlZ3JvdW5kIjpudWxsLCJNYXJnaW4iOnsiJHJlZiI6IjExOCJ9LCJQYWRkaW5nIjp7IiRyZWYiOiIxMTkifSwiQmFja2dyb3VuZCI6eyIkcmVmIjoiMTIwIn0sIklzVmlzaWJsZSI6dHJ1ZSwiV2lkdGgiOjAuMCwiSGVpZ2h0IjowLjAsIkJvcmRlclN0eWxlIjp7IiRpZCI6IjIwOCIsIkxpbmVDb2xvciI6bnVsbCwiTGluZVdlaWdodCI6MC4wLCJMaW5lVHlwZSI6MCwiUGFyZW50U3R5bGUiOm51bGx9LCJQYXJlbnRTdHlsZSI6eyIkcmVmIjoiMTE0In19LCJEYXRlRm9ybWF0Ijp7IiRyZWYiOiIxMjEifSwiSXNWaXNpYmxlIjp0cnVlLCJQYXJlbnRTdHlsZSI6eyIkcmVmIjoiODAifX0sIkluZGV4IjoyLCJTbWFydER1cmF0aW9uQWN0aXZhdGVkIjpmYWxzZSwiRGF0ZUZvcm1hdCI6eyIkcmVmIjoiMTIxIn0sIklkIjoiZTE5OTJlN2QtNTM1Ni00OWZiLWE2NTgtZjIwY2VhOWUzYmZkIiwiSW1wb3J0SWQiOm51bGwsIlRpdGxlIjoiUHl0aG9uIEltcGxlbWVudGllcnVuZyBkZXMgTW9kZWxscyAmIFNpbXVsYXRpb24iLCJOb3RlIjpudWxsLCJIeXBlcmxpbmsiOm51bGwsIklzQ2hhbmdlZCI6ZmFsc2UsIklzTmV3IjpmYWxzZX0seyIkaWQiOiIyMDkiLCJHcm91cE5hbWUiOm51bGwsIlN0YXJ0RGF0ZSI6IjIwMTctMDUtMTVUMDA6MDA6MDBaIiwiRW5kRGF0ZSI6IjIwMTctMDctMDhUMjM6NTk6MDBaIiwiUGVyY2VudGFnZUNvbXBsZXRlIjpudWxsLCJTdHlsZSI6eyIkaWQiOiIyMTAiLCJTaGFwZSI6MSwiU2hhcGVUaGlja25lc3MiOjEsIkR1cmF0aW9uRm9ybWF0IjowLCJJbmNsdWRlTm9uV29ya2luZ0RheXNJbkR1cmF0aW9uIjpmYWxzZSwiUGVyY2VudGFnZUNvbXBsZXRlU3R5bGUiOnsiJGlkIjoiMjExIiwiRm9udFNldHRpbmdzIjp7IiRpZCI6IjIxMiIsIkZvbnRTaXplIjoxMCwiRm9udE5hbWUiOiJDYWxpYnJpIiwiSXNCb2xkIjpmYWxzZSwiSXNJdGFsaWMiOmZhbHNlLCJJc1VuZGVybGluZWQiOmZhbHNlLCJQYXJlbnRTdHlsZSI6eyIkcmVmIjoiODIifX0sIkF1dG9TaXplIjowLCJGb3JlZ3JvdW5kIjp7IiRyZWYiOiI4MyJ9LCJNYXhXaWR0aCI6MjAwLjAsIk1heEhlaWdodCI6IkluZmluaXR5IiwiU21hcnRGb3JlZ3JvdW5kSXNBY3RpdmUiOmZhbHNlLCJIb3Jpem9udGFsQWxpZ25tZW50IjowLCJWZXJ0aWNhbEFsaWdubWVudCI6MCwiU21hcnRGb3JlZ3JvdW5kIjpudWxsLCJNYXJnaW4iOnsiJHJlZiI6Ijg1In0sIlBhZGRpbmciOnsiJHJlZiI6Ijg2In0sIkJhY2tncm91bmQiOnsiJHJlZiI6Ijg3In0sIklzVmlzaWJsZSI6dHJ1ZSwiV2lkdGgiOjAuMCwiSGVpZ2h0IjowLjAsIkJvcmRlclN0eWxlIjp7IiRpZCI6IjIxMyIsIkxpbmVDb2xvciI6bnVsbCwiTGluZVdlaWdodCI6MC4wLCJMaW5lVHlwZSI6MCwiUGFyZW50U3R5bGUiOm51bGx9LCJQYXJlbnRTdHlsZSI6eyIkcmVmIjoiODEifX0sIkR1cmF0aW9uU3R5bGUiOnsiJGlkIjoiMjE0IiwiRm9udFNldHRpbmdzIjp7IiRpZCI6IjIxNSIsIkZvbnRTaXplIjoxMCwiRm9udE5hbWUiOiJDYWxpYnJpIiwiSXNCb2xkIjpmYWxzZSwiSXNJdGFsaWMiOmZhbHNlLCJJc1VuZGVybGluZWQiOmZhbHNlLCJQYXJlbnRTdHlsZSI6eyIkcmVmIjoiODkifX0sIkF1dG9TaXplIjowLCJGb3JlZ3JvdW5kIjp7IiRyZWYiOiI5MCJ9LCJNYXhXaWR0aCI6MjAwLjAsIk1heEhlaWdodCI6IkluZmluaXR5IiwiU21hcnRGb3JlZ3JvdW5kSXNBY3RpdmUiOmZhbHNlLCJIb3Jpem9udGFsQWxpZ25tZW50IjowLCJWZXJ0aWNhbEFsaWdubWVudCI6MCwiU21hcnRGb3JlZ3JvdW5kIjpudWxsLCJNYXJnaW4iOnsiJHJlZiI6IjkyIn0sIlBhZGRpbmciOnsiJHJlZiI6IjkzIn0sIkJhY2tncm91bmQiOnsiJHJlZiI6Ijk0In0sIklzVmlzaWJsZSI6dHJ1ZSwiV2lkdGgiOjAuMCwiSGVpZ2h0IjowLjAsIkJvcmRlclN0eWxlIjp7IiRpZCI6IjIxNiIsIkxpbmVDb2xvciI6bnVsbCwiTGluZVdlaWdodCI6MC4wLCJMaW5lVHlwZSI6MCwiUGFyZW50U3R5bGUiOm51bGx9LCJQYXJlbnRTdHlsZSI6eyIkcmVmIjoiODgifX0sIkhvcml6b250YWxDb25uZWN0b3JTdHlsZSI6eyIkaWQiOiIyMTciLCJMaW5lQ29sb3IiOnsiJHJlZiI6Ijk2In0sIkxpbmVXZWlnaHQiOjAuMCwiTGluZVR5cGUiOjAsIlBhcmVudFN0eWxlIjp7IiRyZWYiOiI5NSJ9fSwiVmVydGljYWxDb25uZWN0b3JTdHlsZSI6eyIkaWQiOiIyMTgiLCJMaW5lQ29sb3IiOnsiJHJlZiI6Ijk5In0sIkxpbmVXZWlnaHQiOjEuMCwiTGluZVR5cGUiOjAsIlBhcmVudFN0eWxlIjp7IiRyZWYiOiI5OCJ9fSwiTWFyZ2luIjpudWxsLCJTdGFydERhdGVQb3NpdGlvbiI6MywiRW5kRGF0ZVBvc2l0aW9uIjo0LCJEYXRlSXNWaXNpYmxlIjp0cnVlLCJUaXRsZVBvc2l0aW9uIjo1LCJEdXJhdGlvblBvc2l0aW9uIjo2LCJQZXJjZW50YWdlQ29tcGxldGVkUG9zaXRpb24iOjYsIlNwYWNpbmciOjUsIklzQmVsb3dUaW1lYmFuZCI6dHJ1ZSwiUGVyY2VudGFnZUNvbXBsZXRlU2hhcGVPcGFjaXR5IjozNSwiU2hhcGVTdHlsZSI6eyIkaWQiOiIyMTkiLCJNYXJnaW4iOnsiJHJlZiI6IjEwMiJ9LCJQYWRkaW5nIjp7IiRyZWYiOiIxMDMifSwiQmFja2dyb3VuZCI6eyIkaWQiOiIyMjAiLCJDb2xvciI6eyIkaWQiOiIyMjEiLCJBIjoyNTUsIlIiOjIsIkciOjE3OCwiQiI6MjM4fX0sIklzVmlzaWJsZSI6dHJ1ZSwiV2lkdGgiOjAuMCwiSGVpZ2h0IjoxNi4wLCJCb3JkZXJTdHlsZSI6eyIkaWQiOiIyMjIiLCJMaW5lQ29sb3IiOnsiJHJlZiI6IjEwNSJ9LCJMaW5lV2VpZ2h0IjowLjAsIkxpbmVUeXBlIjowLCJQYXJlbnRTdHlsZSI6eyIkcmVmIjoiMTA0In19LCJQYXJlbnRTdHlsZSI6eyIkcmVmIjoiMTAxIn19LCJUaXRsZVN0eWxlIjp7IiRpZCI6IjIyMyIsIkZvbnRTZXR0aW5ncyI6eyIkaWQiOiIyMjQiLCJGb250U2l6ZSI6MTEsIkZvbnROYW1lIjoiQ2FsaWJyaSIsIklzQm9sZCI6dHJ1ZSwiSXNJdGFsaWMiOmZhbHNlLCJJc1VuZGVybGluZWQiOmZhbHNlLCJQYXJlbnRTdHlsZSI6eyIkcmVmIjoiMTA4In19LCJBdXRvU2l6ZSI6MCwiRm9yZWdyb3VuZCI6eyIkcmVmIjoiMTA5In0sIk1heFdpZHRoIjo3MjAuMCwiTWF4SGVpZ2h0IjoiSW5maW5pdHkiLCJTbWFydEZvcmVncm91bmRJc0FjdGl2ZSI6ZmFsc2UsIkhvcml6b250YWxBbGlnbm1lbnQiOjEsIlZlcnRpY2FsQWxpZ25tZW50IjowLCJTbWFydEZvcmVncm91bmQiOm51bGwsIk1hcmdpbiI6eyIkcmVmIjoiMTExIn0sIlBhZGRpbmciOnsiJHJlZiI6IjExMiJ9LCJCYWNrZ3JvdW5kIjp7IiRyZWYiOiIxMTMifSwiSXNWaXNpYmxlIjp0cnVlLCJXaWR0aCI6MC4wLCJIZWlnaHQiOjAuMCwiQm9yZGVyU3R5bGUiOnsiJGlkIjoiMjI1IiwiTGluZUNvbG9yIjpudWxsLCJMaW5lV2VpZ2h0IjowLjAsIkxpbmVUeXBlIjowLCJQYXJlbnRTdHlsZSI6bnVsbH0sIlBhcmVudFN0eWxlIjp7IiRyZWYiOiIxMDcifX0sIkRhdGVTdHlsZSI6eyIkaWQiOiIyMjYiLCJGb250U2V0dGluZ3MiOnsiJGlkIjoiMjI3IiwiRm9udFNpemUiOjEwLCJGb250TmFtZSI6IkNhbGlicmkiLCJJc0JvbGQiOmZhbHNlLCJJc0l0YWxpYyI6ZmFsc2UsIklzVW5kZXJsaW5lZCI6ZmFsc2UsIlBhcmVudFN0eWxlIjp7IiRyZWYiOiIxMTUifX0sIkF1dG9TaXplIjowLCJGb3JlZ3JvdW5kIjp7IiRyZWYiOiIxMTYifSwiTWF4V2lkdGgiOjIwMC4wLCJNYXhIZWlnaHQiOiJJbmZpbml0eSIsIlNtYXJ0Rm9yZWdyb3VuZElzQWN0aXZlIjpmYWxzZSwiSG9yaXpvbnRhbEFsaWdubWVudCI6MCwiVmVydGljYWxBbGlnbm1lbnQiOjAsIlNtYXJ0Rm9yZWdyb3VuZCI6bnVsbCwiTWFyZ2luIjp7IiRyZWYiOiIxMTgifSwiUGFkZGluZyI6eyIkcmVmIjoiMTE5In0sIkJhY2tncm91bmQiOnsiJHJlZiI6IjEyMCJ9LCJJc1Zpc2libGUiOnRydWUsIldpZHRoIjowLjAsIkhlaWdodCI6MC4wLCJCb3JkZXJTdHlsZSI6eyIkaWQiOiIyMjgiLCJMaW5lQ29sb3IiOm51bGwsIkxpbmVXZWlnaHQiOjAuMCwiTGluZVR5cGUiOjAsIlBhcmVudFN0eWxlIjpudWxsfSwiUGFyZW50U3R5bGUiOnsiJHJlZiI6IjExNCJ9fSwiRGF0ZUZvcm1hdCI6eyIkcmVmIjoiMTIxIn0sIklzVmlzaWJsZSI6dHJ1ZSwiUGFyZW50U3R5bGUiOnsiJHJlZiI6IjgwIn19LCJJbmRleCI6MywiU21hcnREdXJhdGlvbkFjdGl2YXRlZCI6ZmFsc2UsIkRhdGVGb3JtYXQiOnsiJHJlZiI6IjEyMSJ9LCJJZCI6IjgzNzYxOTU0LWM1ZTktNGE1Mi05YjA2LTgzMThhY2ViMTEwNyIsIkltcG9ydElkIjpudWxsLCJUaXRsZSI6IkltcGxlbWVudGllcnVuZyBkZXMgUmVnbGVycyAmIFJlZ2VscGFyYW1ldGVyIiwiTm90ZSI6bnVsbCwiSHlwZXJsaW5rIjpudWxsLCJJc0NoYW5nZWQiOmZhbHNlLCJJc05ldyI6ZmFsc2V9LHsiJGlkIjoiMjI5IiwiR3JvdXBOYW1lIjpudWxsLCJTdGFydERhdGUiOiIyMDE3LTA2LTE5VDAwOjAwOjAwWiIsIkVuZERhdGUiOiIyMDE3LTA5LTEwVDIzOjU5OjAwWiIsIlBlcmNlbnRhZ2VDb21wbGV0ZSI6bnVsbCwiU3R5bGUiOnsiJGlkIjoiMjMwIiwiU2hhcGUiOjEsIlNoYXBlVGhpY2tuZXNzIjoxLCJEdXJhdGlvbkZvcm1hdCI6MCwiSW5jbHVkZU5vbldvcmtpbmdEYXlzSW5EdXJhdGlvbiI6ZmFsc2UsIlBlcmNlbnRhZ2VDb21wbGV0ZVN0eWxlIjp7IiRpZCI6IjIzMSIsIkZvbnRTZXR0aW5ncyI6eyIkaWQiOiIyMzIiLCJGb250U2l6ZSI6MTAsIkZvbnROYW1lIjoiQ2FsaWJyaSIsIklzQm9sZCI6ZmFsc2UsIklzSXRhbGljIjpmYWxzZSwiSXNVbmRlcmxpbmVkIjpmYWxzZSwiUGFyZW50U3R5bGUiOnsiJHJlZiI6IjgyIn19LCJBdXRvU2l6ZSI6MCwiRm9yZWdyb3VuZCI6eyIkcmVmIjoiODMifSwiTWF4V2lkdGgiOjIwMC4wLCJNYXhIZWlnaHQiOiJJbmZpbml0eSIsIlNtYXJ0Rm9yZWdyb3VuZElzQWN0aXZlIjpmYWxzZSwiSG9yaXpvbnRhbEFsaWdubWVudCI6MCwiVmVydGljYWxBbGlnbm1lbnQiOjAsIlNtYXJ0Rm9yZWdyb3VuZCI6bnVsbCwiTWFyZ2luIjp7IiRyZWYiOiI4NSJ9LCJQYWRkaW5nIjp7IiRyZWYiOiI4NiJ9LCJCYWNrZ3JvdW5kIjp7IiRyZWYiOiI4NyJ9LCJJc1Zpc2libGUiOnRydWUsIldpZHRoIjowLjAsIkhlaWdodCI6MC4wLCJCb3JkZXJTdHlsZSI6eyIkaWQiOiIyMzMiLCJMaW5lQ29sb3IiOm51bGwsIkxpbmVXZWlnaHQiOjAuMCwiTGluZVR5cGUiOjAsIlBhcmVudFN0eWxlIjpudWxsfSwiUGFyZW50U3R5bGUiOnsiJHJlZiI6IjgxIn19LCJEdXJhdGlvblN0eWxlIjp7IiRpZCI6IjIzNCIsIkZvbnRTZXR0aW5ncyI6eyIkaWQiOiIyMzUiLCJGb250U2l6ZSI6MTAsIkZvbnROYW1lIjoiQ2FsaWJyaSIsIklzQm9sZCI6ZmFsc2UsIklzSXRhbGljIjpmYWxzZSwiSXNVbmRlcmxpbmVkIjpmYWxzZSwiUGFyZW50U3R5bGUiOnsiJHJlZiI6Ijg5In19LCJBdXRvU2l6ZSI6MCwiRm9yZWdyb3VuZCI6eyIkcmVmIjoiOTAifSwiTWF4V2lkdGgiOjIwMC4wLCJNYXhIZWlnaHQiOiJJbmZpbml0eSIsIlNtYXJ0Rm9yZWdyb3VuZElzQWN0aXZlIjpmYWxzZSwiSG9yaXpvbnRhbEFsaWdubWVudCI6MCwiVmVydGljYWxBbGlnbm1lbnQiOjAsIlNtYXJ0Rm9yZWdyb3VuZCI6bnVsbCwiTWFyZ2luIjp7IiRyZWYiOiI5MiJ9LCJQYWRkaW5nIjp7IiRyZWYiOiI5MyJ9LCJCYWNrZ3JvdW5kIjp7IiRyZWYiOiI5NCJ9LCJJc1Zpc2libGUiOnRydWUsIldpZHRoIjowLjAsIkhlaWdodCI6MC4wLCJCb3JkZXJTdHlsZSI6eyIkaWQiOiIyMzYiLCJMaW5lQ29sb3IiOm51bGwsIkxpbmVXZWlnaHQiOjAuMCwiTGluZVR5cGUiOjAsIlBhcmVudFN0eWxlIjpudWxsfSwiUGFyZW50U3R5bGUiOnsiJHJlZiI6Ijg4In19LCJIb3Jpem9udGFsQ29ubmVjdG9yU3R5bGUiOnsiJGlkIjoiMjM3IiwiTGluZUNvbG9yIjp7IiRyZWYiOiI5NiJ9LCJMaW5lV2VpZ2h0IjowLjAsIkxpbmVUeXBlIjowLCJQYXJlbnRTdHlsZSI6eyIkcmVmIjoiOTUifX0sIlZlcnRpY2FsQ29ubmVjdG9yU3R5bGUiOnsiJGlkIjoiMjM4IiwiTGluZUNvbG9yIjp7IiRyZWYiOiI5OSJ9LCJMaW5lV2VpZ2h0IjoxLjAsIkxpbmVUeXBlIjowLCJQYXJlbnRTdHlsZSI6eyIkcmVmIjoiOTgifX0sIk1hcmdpbiI6bnVsbCwiU3RhcnREYXRlUG9zaXRpb24iOjMsIkVuZERhdGVQb3NpdGlvbiI6NCwiRGF0ZUlzVmlzaWJsZSI6dHJ1ZSwiVGl0bGVQb3NpdGlvbiI6NSwiRHVyYXRpb25Qb3NpdGlvbiI6NiwiUGVyY2VudGFnZUNvbXBsZXRlZFBvc2l0aW9uIjo2LCJTcGFjaW5nIjo1LCJJc0JlbG93VGltZWJhbmQiOnRydWUsIlBlcmNlbnRhZ2VDb21wbGV0ZVNoYXBlT3BhY2l0eSI6MzUsIlNoYXBlU3R5bGUiOnsiJGlkIjoiMjM5IiwiTWFyZ2luIjp7IiRyZWYiOiIxMDIifSwiUGFkZGluZyI6eyIkcmVmIjoiMTAzIn0sIkJhY2tncm91bmQiOnsiJGlkIjoiMjQwIiwiQ29sb3IiOnsiJGlkIjoiMjQxIiwiQSI6MjU1LCJSIjoxMTIsIkciOjE3MywiQiI6NzF9fSwiSXNWaXNpYmxlIjp0cnVlLCJXaWR0aCI6MC4wLCJIZWlnaHQiOjE2LjAsIkJvcmRlclN0eWxlIjp7IiRpZCI6IjI0MiIsIkxpbmVDb2xvciI6eyIkcmVmIjoiMTA1In0sIkxpbmVXZWlnaHQiOjAuMCwiTGluZVR5cGUiOjAsIlBhcmVudFN0eWxlIjp7IiRyZWYiOiIxMDQifX0sIlBhcmVudFN0eWxlIjp7IiRyZWYiOiIxMDEifX0sIlRpdGxlU3R5bGUiOnsiJGlkIjoiMjQzIiwiRm9udFNldHRpbmdzIjp7IiRpZCI6IjI0NCIsIkZvbnRTaXplIjoxMSwiRm9udE5hbWUiOiJDYWxpYnJpIiwiSXNCb2xkIjp0cnVlLCJJc0l0YWxpYyI6ZmFsc2UsIklzVW5kZXJsaW5lZCI6ZmFsc2UsIlBhcmVudFN0eWxlIjp7IiRyZWYiOiIxMDgifX0sIkF1dG9TaXplIjowLCJGb3JlZ3JvdW5kIjp7IiRyZWYiOiIxMDkifSwiTWF4V2lkdGgiOjcyMC4wLCJNYXhIZWlnaHQiOiJJbmZpbml0eSIsIlNtYXJ0Rm9yZWdyb3VuZElzQWN0aXZlIjpmYWxzZSwiSG9yaXpvbnRhbEFsaWdubWVudCI6MSwiVmVydGljYWxBbGlnbm1lbnQiOjAsIlNtYXJ0Rm9yZWdyb3VuZCI6bnVsbCwiTWFyZ2luIjp7IiRyZWYiOiIxMTEifSwiUGFkZGluZyI6eyIkcmVmIjoiMTEyIn0sIkJhY2tncm91bmQiOnsiJHJlZiI6IjExMyJ9LCJJc1Zpc2libGUiOnRydWUsIldpZHRoIjowLjAsIkhlaWdodCI6MC4wLCJCb3JkZXJTdHlsZSI6eyIkaWQiOiIyNDUiLCJMaW5lQ29sb3IiOm51bGwsIkxpbmVXZWlnaHQiOjAuMCwiTGluZVR5cGUiOjAsIlBhcmVudFN0eWxlIjpudWxsfSwiUGFyZW50U3R5bGUiOnsiJHJlZiI6IjEwNyJ9fSwiRGF0ZVN0eWxlIjp7IiRpZCI6IjI0NiIsIkZvbnRTZXR0aW5ncyI6eyIkaWQiOiIyNDciLCJGb250U2l6ZSI6MTAsIkZvbnROYW1lIjoiQ2FsaWJyaSIsIklzQm9sZCI6ZmFsc2UsIklzSXRhbGljIjpmYWxzZSwiSXNVbmRlcmxpbmVkIjpmYWxzZSwiUGFyZW50U3R5bGUiOnsiJHJlZiI6IjExNSJ9fSwiQXV0b1NpemUiOjAsIkZvcmVncm91bmQiOnsiJHJlZiI6IjExNiJ9LCJNYXhXaWR0aCI6MjAwLjAsIk1heEhlaWdodCI6IkluZmluaXR5IiwiU21hcnRGb3JlZ3JvdW5kSXNBY3RpdmUiOmZhbHNlLCJIb3Jpem9udGFsQWxpZ25tZW50IjowLCJWZXJ0aWNhbEFsaWdubWVudCI6MCwiU21hcnRGb3JlZ3JvdW5kIjpudWxsLCJNYXJnaW4iOnsiJHJlZiI6IjExOCJ9LCJQYWRkaW5nIjp7IiRyZWYiOiIxMTkifSwiQmFja2dyb3VuZCI6eyIkcmVmIjoiMTIwIn0sIklzVmlzaWJsZSI6dHJ1ZSwiV2lkdGgiOjAuMCwiSGVpZ2h0IjowLjAsIkJvcmRlclN0eWxlIjp7IiRpZCI6IjI0OCIsIkxpbmVDb2xvciI6bnVsbCwiTGluZVdlaWdodCI6MC4wLCJMaW5lVHlwZSI6MCwiUGFyZW50U3R5bGUiOm51bGx9LCJQYXJlbnRTdHlsZSI6eyIkcmVmIjoiMTE0In19LCJEYXRlRm9ybWF0Ijp7IiRyZWYiOiIxMjEifSwiSXNWaXNpYmxlIjp0cnVlLCJQYXJlbnRTdHlsZSI6eyIkcmVmIjoiODAifX0sIkluZGV4Ijo0LCJTbWFydER1cmF0aW9uQWN0aXZhdGVkIjpmYWxzZSwiRGF0ZUZvcm1hdCI6eyIkcmVmIjoiMTIxIn0sIklkIjoiMzY2ODNjNDMtMTM4YS00MDIxLWEwYmItMDM3ODZjYjVlZDQ0IiwiSW1wb3J0SWQiOm51bGwsIlRpdGxlIjoiVmVyZmFzc2VuIGRlciBBcmJlaXQiLCJOb3RlIjpudWxsLCJIeXBlcmxpbmsiOm51bGwsIklzQ2hhbmdlZCI6ZmFsc2UsIklzTmV3IjpmYWxzZX0seyIkaWQiOiIyNDkiLCJHcm91cE5hbWUiOm51bGwsIlN0YXJ0RGF0ZSI6IjIwMTctMDQtMTBUMDA6MDA6MDBaIiwiRW5kRGF0ZSI6IjIwMTctMDYtMThUMjM6NTk6MDBaIiwiUGVyY2VudGFnZUNvbXBsZXRlIjpudWxsLCJTdHlsZSI6eyIkaWQiOiIyNTAiLCJTaGFwZSI6MSwiU2hhcGVUaGlja25lc3MiOjEsIkR1cmF0aW9uRm9ybWF0IjowLCJJbmNsdWRlTm9uV29ya2luZ0RheXNJbkR1cmF0aW9uIjpmYWxzZSwiUGVyY2VudGFnZUNvbXBsZXRlU3R5bGUiOnsiJGlkIjoiMjUxIiwiRm9udFNldHRpbmdzIjp7IiRpZCI6IjI1MiIsIkZvbnRTaXplIjoxMCwiRm9udE5hbWUiOiJDYWxpYnJpIiwiSXNCb2xkIjpmYWxzZSwiSXNJdGFsaWMiOmZhbHNlLCJJc1VuZGVybGluZWQiOmZhbHNlLCJQYXJlbnRTdHlsZSI6eyIkcmVmIjoiODIifX0sIkF1dG9TaXplIjowLCJGb3JlZ3JvdW5kIjp7IiRyZWYiOiI4MyJ9LCJNYXhXaWR0aCI6MjAwLjAsIk1heEhlaWdodCI6IkluZmluaXR5IiwiU21hcnRGb3JlZ3JvdW5kSXNBY3RpdmUiOmZhbHNlLCJIb3Jpem9udGFsQWxpZ25tZW50IjowLCJWZXJ0aWNhbEFsaWdubWVudCI6MCwiU21hcnRGb3JlZ3JvdW5kIjpudWxsLCJNYXJnaW4iOnsiJHJlZiI6Ijg1In0sIlBhZGRpbmciOnsiJHJlZiI6Ijg2In0sIkJhY2tncm91bmQiOnsiJHJlZiI6Ijg3In0sIklzVmlzaWJsZSI6dHJ1ZSwiV2lkdGgiOjAuMCwiSGVpZ2h0IjowLjAsIkJvcmRlclN0eWxlIjp7IiRpZCI6IjI1MyIsIkxpbmVDb2xvciI6bnVsbCwiTGluZVdlaWdodCI6MC4wLCJMaW5lVHlwZSI6MCwiUGFyZW50U3R5bGUiOm51bGx9LCJQYXJlbnRTdHlsZSI6eyIkcmVmIjoiODEifX0sIkR1cmF0aW9uU3R5bGUiOnsiJGlkIjoiMjU0IiwiRm9udFNldHRpbmdzIjp7IiRpZCI6IjI1NSIsIkZvbnRTaXplIjoxMCwiRm9udE5hbWUiOiJDYWxpYnJpIiwiSXNCb2xkIjpmYWxzZSwiSXNJdGFsaWMiOmZhbHNlLCJJc1VuZGVybGluZWQiOmZhbHNlLCJQYXJlbnRTdHlsZSI6eyIkcmVmIjoiODkifX0sIkF1dG9TaXplIjowLCJGb3JlZ3JvdW5kIjp7IiRyZWYiOiI5MCJ9LCJNYXhXaWR0aCI6MjAwLjAsIk1heEhlaWdodCI6IkluZmluaXR5IiwiU21hcnRGb3JlZ3JvdW5kSXNBY3RpdmUiOmZhbHNlLCJIb3Jpem9udGFsQWxpZ25tZW50IjowLCJWZXJ0aWNhbEFsaWdubWVudCI6MCwiU21hcnRGb3JlZ3JvdW5kIjpudWxsLCJNYXJnaW4iOnsiJHJlZiI6IjkyIn0sIlBhZGRpbmciOnsiJHJlZiI6IjkzIn0sIkJhY2tncm91bmQiOnsiJHJlZiI6Ijk0In0sIklzVmlzaWJsZSI6dHJ1ZSwiV2lkdGgiOjAuMCwiSGVpZ2h0IjowLjAsIkJvcmRlclN0eWxlIjp7IiRpZCI6IjI1NiIsIkxpbmVDb2xvciI6bnVsbCwiTGluZVdlaWdodCI6MC4wLCJMaW5lVHlwZSI6MCwiUGFyZW50U3R5bGUiOm51bGx9LCJQYXJlbnRTdHlsZSI6eyIkcmVmIjoiODgifX0sIkhvcml6b250YWxDb25uZWN0b3JTdHlsZSI6eyIkaWQiOiIyNTciLCJMaW5lQ29sb3IiOnsiJHJlZiI6Ijk2In0sIkxpbmVXZWlnaHQiOjAuMCwiTGluZVR5cGUiOjAsIlBhcmVudFN0eWxlIjp7IiRyZWYiOiI5NSJ9fSwiVmVydGljYWxDb25uZWN0b3JTdHlsZSI6eyIkaWQiOiIyNTgiLCJMaW5lQ29sb3IiOnsiJHJlZiI6Ijk5In0sIkxpbmVXZWlnaHQiOjEuMCwiTGluZVR5cGUiOjAsIlBhcmVudFN0eWxlIjp7IiRyZWYiOiI5OCJ9fSwiTWFyZ2luIjpudWxsLCJTdGFydERhdGVQb3NpdGlvbiI6MywiRW5kRGF0ZVBvc2l0aW9uIjo0LCJEYXRlSXNWaXNpYmxlIjp0cnVlLCJUaXRsZVBvc2l0aW9uIjo1LCJEdXJhdGlvblBvc2l0aW9uIjo2LCJQZXJjZW50YWdlQ29tcGxldGVkUG9zaXRpb24iOjYsIlNwYWNpbmciOjUsIklzQmVsb3dUaW1lYmFuZCI6dHJ1ZSwiUGVyY2VudGFnZUNvbXBsZXRlU2hhcGVPcGFjaXR5IjozNSwiU2hhcGVTdHlsZSI6eyIkaWQiOiIyNTkiLCJNYXJnaW4iOnsiJHJlZiI6IjEwMiJ9LCJQYWRkaW5nIjp7IiRyZWYiOiIxMDMifSwiQmFja2dyb3VuZCI6eyIkaWQiOiIyNjAiLCJDb2xvciI6eyIkaWQiOiIyNjEiLCJBIjoyNTUsIlIiOjE2NSwiRyI6MTY1LCJCIjoxNjV9fSwiSXNWaXNpYmxlIjp0cnVlLCJXaWR0aCI6MC4wLCJIZWlnaHQiOjE2LjAsIkJvcmRlclN0eWxlIjp7IiRpZCI6IjI2MiIsIkxpbmVDb2xvciI6eyIkcmVmIjoiMTA1In0sIkxpbmVXZWlnaHQiOjAuMCwiTGluZVR5cGUiOjAsIlBhcmVudFN0eWxlIjp7IiRyZWYiOiIxMDQifX0sIlBhcmVudFN0eWxlIjp7IiRyZWYiOiIxMDEifX0sIlRpdGxlU3R5bGUiOnsiJGlkIjoiMjYzIiwiRm9udFNldHRpbmdzIjp7IiRpZCI6IjI2NCIsIkZvbnRTaXplIjoxMSwiRm9udE5hbWUiOiJDYWxpYnJpIiwiSXNCb2xkIjp0cnVlLCJJc0l0YWxpYyI6ZmFsc2UsIklzVW5kZXJsaW5lZCI6ZmFsc2UsIlBhcmVudFN0eWxlIjp7IiRyZWYiOiIxMDgifX0sIkF1dG9TaXplIjoyLCJGb3JlZ3JvdW5kIjp7IiRyZWYiOiIxMDkifSwiTWF4V2lkdGgiOjEyNS40OTY2MTI1NDg4MjgxMiwiTWF4SGVpZ2h0IjoiSW5maW5pdHkiLCJTbWFydEZvcmVncm91bmRJc0FjdGl2ZSI6ZmFsc2UsIkhvcml6b250YWxBbGlnbm1lbnQiOjEsIlZlcnRpY2FsQWxpZ25tZW50IjowLCJTbWFydEZvcmVncm91bmQiOm51bGwsIk1hcmdpbiI6eyIkcmVmIjoiMTExIn0sIlBhZGRpbmciOnsiJHJlZiI6IjExMiJ9LCJCYWNrZ3JvdW5kIjp7IiRyZWYiOiIxMTMifSwiSXNWaXNpYmxlIjp0cnVlLCJXaWR0aCI6MC4wLCJIZWlnaHQiOjAuMCwiQm9yZGVyU3R5bGUiOnsiJGlkIjoiMjY1IiwiTGluZUNvbG9yIjpudWxsLCJMaW5lV2VpZ2h0IjowLjAsIkxpbmVUeXBlIjowLCJQYXJlbnRTdHlsZSI6bnVsbH0sIlBhcmVudFN0eWxlIjp7IiRyZWYiOiIxMDcifX0sIkRhdGVTdHlsZSI6eyIkaWQiOiIyNjYiLCJGb250U2V0dGluZ3MiOnsiJGlkIjoiMjY3IiwiRm9udFNpemUiOjEwLCJGb250TmFtZSI6IkNhbGlicmkiLCJJc0JvbGQiOmZhbHNlLCJJc0l0YWxpYyI6ZmFsc2UsIklzVW5kZXJsaW5lZCI6ZmFsc2UsIlBhcmVudFN0eWxlIjp7IiRyZWYiOiIxMTUifX0sIkF1dG9TaXplIjowLCJGb3JlZ3JvdW5kIjp7IiRyZWYiOiIxMTYifSwiTWF4V2lkdGgiOjIwMC4wLCJNYXhIZWlnaHQiOiJJbmZpbml0eSIsIlNtYXJ0Rm9yZWdyb3VuZElzQWN0aXZlIjpmYWxzZSwiSG9yaXpvbnRhbEFsaWdubWVudCI6MCwiVmVydGljYWxBbGlnbm1lbnQiOjAsIlNtYXJ0Rm9yZWdyb3VuZCI6bnVsbCwiTWFyZ2luIjp7IiRyZWYiOiIxMTgifSwiUGFkZGluZyI6eyIkcmVmIjoiMTE5In0sIkJhY2tncm91bmQiOnsiJHJlZiI6IjEyMCJ9LCJJc1Zpc2libGUiOnRydWUsIldpZHRoIjowLjAsIkhlaWdodCI6MC4wLCJCb3JkZXJTdHlsZSI6eyIkaWQiOiIyNjgiLCJMaW5lQ29sb3IiOm51bGwsIkxpbmVXZWlnaHQiOjAuMCwiTGluZVR5cGUiOjAsIlBhcmVudFN0eWxlIjpudWxsfSwiUGFyZW50U3R5bGUiOnsiJHJlZiI6IjExNCJ9fSwiRGF0ZUZvcm1hdCI6eyIkcmVmIjoiMTIxIn0sIklzVmlzaWJsZSI6dHJ1ZSwiUGFyZW50U3R5bGUiOnsiJHJlZiI6IjgwIn19LCJJbmRleCI6NSwiU21hcnREdXJhdGlvbkFjdGl2YXRlZCI6ZmFsc2UsIkRhdGVGb3JtYXQiOnsiJHJlZiI6IjEyMSJ9LCJJZCI6IjQyMGZiNWE2LTU1OTktNDI2Zi05YzBkLTAxN2FjYTljNDYyZiIsIkltcG9ydElkIjpudWxsLCJUaXRsZSI6IlB5dGhvbi9MYVRlWC9NZW5kZWxleSBlcmxlcm5lbiIsIk5vdGUiOm51bGwsIkh5cGVybGluayI6bnVsbCwiSXNDaGFuZ2VkIjpmYWxzZSwiSXNOZXciOmZhbHNlfV0sIk1zUHJvamVjdEl0ZW1zVHJlZSI6eyIkaWQiOiIyNjkiLCJSb290Ijp7IkltcG9ydElkIjpudWxsLCJJc0ltcG9ydGVkIjpmYWxzZSwiQ2hpbGRyZW4iOltdfX0sIk1ldGFkYXRhIjp7IiRpZCI6IjI3MCJ9LCJTZXR0aW5ncyI6eyIkaWQiOiIyNzEiLCJJbXBhT3B0aW9ucyI6eyIkaWQiOiIyNzIiLCJMZWZ0VG9SaWdodCI6ZmFsc2UsIlBheWxvYWRPcHRpb25zIjoyfSwiVXNlQ29tcHJlc3Npb24iOmZhbHNlLCJDb21wcmVzaW9uUGVyY2VudGFnZSI6MC4wLCJJbmFjdGl2ZUludGVydmFsV2lkdGhUaHJlc2hvbGQiOjAuMCwiSW5hY3RpdmVJbnRlcnZhbFdpZHRoIjowLjAsIlNwbGl0VGFza3MiOmZhbHNlLCJVc2VDbHVzdGVyIjpmYWxzZSwiRXBzaWxvbiI6MC4wLCJNaW5Qb2ludHNUb0Zvcm1BQ2x1c3RlciI6MCwiR2VuZXJhdGVJbnZpc2libGVTaGFwZXMiOmZhbHNlLCJTbWFydFRpbWVsaW5lVGFza1BlcmNlbnRhZ2VGaXQiOmZhbHNlfSwiSXNOZXciOnRydWUsIkltcG9ydFR5cGUiOjAsIkZpbGVQYXRoIjpudWxsLCJUaW1lQ29uZmlndXJhdGlvbiI6eyIkaWQiOiIyNzMiLCJVc2VUaW1lIjpmYWxzZSwiV29ya0RheVN0YXJ0IjoiMDA6MDA6MDAiLCJXb3JrRGF5RW5kIjoiMjM6NTk6MDAifX0="/>
   <p:tag name="__MASTER" val="__part_0"/>
 </p:tagLst>
 </file>
@@ -8390,12 +8419,6 @@
 </file>
 
 <file path=ppt/tags/tag102.xml><?xml version="1.0" encoding="utf-8"?>
-<p:tagLst xmlns:a="http://schemas.openxmlformats.org/drawingml/2006/main" xmlns:r="http://schemas.openxmlformats.org/officeDocument/2006/relationships" xmlns:p="http://schemas.openxmlformats.org/presentationml/2006/main">
-  <p:tag name="OTLMARKERSHAPE" val="OTL"/>
-</p:tagLst>
-</file>
-
-<file path=ppt/tags/tag103.xml><?xml version="1.0" encoding="utf-8"?>
 <p:tagLst xmlns:a="http://schemas.openxmlformats.org/drawingml/2006/main" xmlns:r="http://schemas.openxmlformats.org/officeDocument/2006/relationships" xmlns:p="http://schemas.openxmlformats.org/presentationml/2006/main">
   <p:tag name="OTLMARKERSHAPE" val="OTL"/>
 </p:tagLst>

--- a/Allgemeines/TimeLine.pptx
+++ b/Allgemeines/TimeLine.pptx
@@ -249,7 +249,7 @@
           <a:p>
             <a:fld id="{0E837BD1-8A53-41AE-9752-203469E40130}" type="datetimeFigureOut">
               <a:rPr lang="de-DE" smtClean="0"/>
-              <a:t>02.06.2017</a:t>
+              <a:t>10.07.2017</a:t>
             </a:fld>
             <a:endParaRPr lang="de-DE"/>
           </a:p>
@@ -417,7 +417,7 @@
           <a:p>
             <a:fld id="{0E837BD1-8A53-41AE-9752-203469E40130}" type="datetimeFigureOut">
               <a:rPr lang="de-DE" smtClean="0"/>
-              <a:t>02.06.2017</a:t>
+              <a:t>10.07.2017</a:t>
             </a:fld>
             <a:endParaRPr lang="de-DE"/>
           </a:p>
@@ -595,7 +595,7 @@
           <a:p>
             <a:fld id="{0E837BD1-8A53-41AE-9752-203469E40130}" type="datetimeFigureOut">
               <a:rPr lang="de-DE" smtClean="0"/>
-              <a:t>02.06.2017</a:t>
+              <a:t>10.07.2017</a:t>
             </a:fld>
             <a:endParaRPr lang="de-DE"/>
           </a:p>
@@ -763,7 +763,7 @@
           <a:p>
             <a:fld id="{0E837BD1-8A53-41AE-9752-203469E40130}" type="datetimeFigureOut">
               <a:rPr lang="de-DE" smtClean="0"/>
-              <a:t>02.06.2017</a:t>
+              <a:t>10.07.2017</a:t>
             </a:fld>
             <a:endParaRPr lang="de-DE"/>
           </a:p>
@@ -1008,7 +1008,7 @@
           <a:p>
             <a:fld id="{0E837BD1-8A53-41AE-9752-203469E40130}" type="datetimeFigureOut">
               <a:rPr lang="de-DE" smtClean="0"/>
-              <a:t>02.06.2017</a:t>
+              <a:t>10.07.2017</a:t>
             </a:fld>
             <a:endParaRPr lang="de-DE"/>
           </a:p>
@@ -1237,7 +1237,7 @@
           <a:p>
             <a:fld id="{0E837BD1-8A53-41AE-9752-203469E40130}" type="datetimeFigureOut">
               <a:rPr lang="de-DE" smtClean="0"/>
-              <a:t>02.06.2017</a:t>
+              <a:t>10.07.2017</a:t>
             </a:fld>
             <a:endParaRPr lang="de-DE"/>
           </a:p>
@@ -1601,7 +1601,7 @@
           <a:p>
             <a:fld id="{0E837BD1-8A53-41AE-9752-203469E40130}" type="datetimeFigureOut">
               <a:rPr lang="de-DE" smtClean="0"/>
-              <a:t>02.06.2017</a:t>
+              <a:t>10.07.2017</a:t>
             </a:fld>
             <a:endParaRPr lang="de-DE"/>
           </a:p>
@@ -1718,7 +1718,7 @@
           <a:p>
             <a:fld id="{0E837BD1-8A53-41AE-9752-203469E40130}" type="datetimeFigureOut">
               <a:rPr lang="de-DE" smtClean="0"/>
-              <a:t>02.06.2017</a:t>
+              <a:t>10.07.2017</a:t>
             </a:fld>
             <a:endParaRPr lang="de-DE"/>
           </a:p>
@@ -1813,7 +1813,7 @@
           <a:p>
             <a:fld id="{0E837BD1-8A53-41AE-9752-203469E40130}" type="datetimeFigureOut">
               <a:rPr lang="de-DE" smtClean="0"/>
-              <a:t>02.06.2017</a:t>
+              <a:t>10.07.2017</a:t>
             </a:fld>
             <a:endParaRPr lang="de-DE"/>
           </a:p>
@@ -2088,7 +2088,7 @@
           <a:p>
             <a:fld id="{0E837BD1-8A53-41AE-9752-203469E40130}" type="datetimeFigureOut">
               <a:rPr lang="de-DE" smtClean="0"/>
-              <a:t>02.06.2017</a:t>
+              <a:t>10.07.2017</a:t>
             </a:fld>
             <a:endParaRPr lang="de-DE"/>
           </a:p>
@@ -2340,7 +2340,7 @@
           <a:p>
             <a:fld id="{0E837BD1-8A53-41AE-9752-203469E40130}" type="datetimeFigureOut">
               <a:rPr lang="de-DE" smtClean="0"/>
-              <a:t>02.06.2017</a:t>
+              <a:t>10.07.2017</a:t>
             </a:fld>
             <a:endParaRPr lang="de-DE"/>
           </a:p>
@@ -2551,7 +2551,7 @@
           <a:p>
             <a:fld id="{0E837BD1-8A53-41AE-9752-203469E40130}" type="datetimeFigureOut">
               <a:rPr lang="de-DE" smtClean="0"/>
-              <a:t>02.06.2017</a:t>
+              <a:t>10.07.2017</a:t>
             </a:fld>
             <a:endParaRPr lang="de-DE"/>
           </a:p>
@@ -8150,23 +8150,234 @@
         </p:nvSpPr>
         <p:spPr/>
         <p:txBody>
-          <a:bodyPr/>
+          <a:bodyPr>
+            <a:normAutofit/>
+          </a:bodyPr>
           <a:lstStyle/>
           <a:p>
             <a:r>
               <a:rPr lang="de-DE" dirty="0"/>
-              <a:t>Paper nochmal durcharbeiten, </a:t>
+              <a:t>Simulation in </a:t>
             </a:r>
             <a:r>
               <a:rPr lang="de-DE" dirty="0" err="1"/>
-              <a:t>evtl</a:t>
+              <a:t>for</a:t>
             </a:r>
             <a:r>
               <a:rPr lang="de-DE" dirty="0"/>
-              <a:t> Probleme klären</a:t>
-            </a:r>
-          </a:p>
-          <a:p>
+              <a:t> </a:t>
+            </a:r>
+            <a:r>
+              <a:rPr lang="de-DE" dirty="0" err="1"/>
+              <a:t>loop</a:t>
+            </a:r>
+            <a:r>
+              <a:rPr lang="de-DE" dirty="0"/>
+              <a:t> </a:t>
+            </a:r>
+            <a:r>
+              <a:rPr lang="de-DE" dirty="0" err="1"/>
+              <a:t>to</a:t>
+            </a:r>
+            <a:r>
+              <a:rPr lang="de-DE" dirty="0"/>
+              <a:t> </a:t>
+            </a:r>
+            <a:r>
+              <a:rPr lang="de-DE" dirty="0" err="1"/>
+              <a:t>create</a:t>
+            </a:r>
+            <a:r>
+              <a:rPr lang="de-DE" dirty="0"/>
+              <a:t> </a:t>
+            </a:r>
+            <a:r>
+              <a:rPr lang="de-DE" dirty="0" err="1"/>
+              <a:t>input</a:t>
+            </a:r>
+            <a:endParaRPr lang="de-DE" dirty="0"/>
+          </a:p>
+          <a:p>
+            <a:r>
+              <a:rPr lang="de-DE" dirty="0"/>
+              <a:t>Mapping </a:t>
+            </a:r>
+            <a:r>
+              <a:rPr lang="de-DE" dirty="0" err="1"/>
+              <a:t>of</a:t>
+            </a:r>
+            <a:r>
+              <a:rPr lang="de-DE" dirty="0"/>
+              <a:t> </a:t>
+            </a:r>
+            <a:r>
+              <a:rPr lang="de-DE" dirty="0" err="1"/>
+              <a:t>points</a:t>
+            </a:r>
+            <a:r>
+              <a:rPr lang="de-DE" dirty="0"/>
+              <a:t> </a:t>
+            </a:r>
+            <a:r>
+              <a:rPr lang="de-DE" dirty="0" err="1"/>
+              <a:t>of</a:t>
+            </a:r>
+            <a:r>
+              <a:rPr lang="de-DE" dirty="0"/>
+              <a:t> </a:t>
+            </a:r>
+            <a:r>
+              <a:rPr lang="de-DE" dirty="0" err="1"/>
+              <a:t>the</a:t>
+            </a:r>
+            <a:r>
+              <a:rPr lang="de-DE" dirty="0"/>
+              <a:t> </a:t>
+            </a:r>
+            <a:r>
+              <a:rPr lang="de-DE" dirty="0" err="1"/>
+              <a:t>environment</a:t>
+            </a:r>
+            <a:r>
+              <a:rPr lang="de-DE" dirty="0"/>
+              <a:t> </a:t>
+            </a:r>
+            <a:r>
+              <a:rPr lang="de-DE" dirty="0" err="1"/>
+              <a:t>of</a:t>
+            </a:r>
+            <a:r>
+              <a:rPr lang="de-DE" dirty="0"/>
+              <a:t> </a:t>
+            </a:r>
+            <a:r>
+              <a:rPr lang="de-DE" dirty="0" err="1"/>
+              <a:t>limit</a:t>
+            </a:r>
+            <a:r>
+              <a:rPr lang="de-DE" dirty="0"/>
+              <a:t> </a:t>
+            </a:r>
+            <a:r>
+              <a:rPr lang="de-DE" dirty="0" err="1"/>
+              <a:t>cycle</a:t>
+            </a:r>
+            <a:r>
+              <a:rPr lang="de-DE" dirty="0"/>
+              <a:t> on </a:t>
+            </a:r>
+            <a:r>
+              <a:rPr lang="de-DE" dirty="0" err="1"/>
+              <a:t>limit</a:t>
+            </a:r>
+            <a:r>
+              <a:rPr lang="de-DE" dirty="0"/>
+              <a:t> </a:t>
+            </a:r>
+            <a:r>
+              <a:rPr lang="de-DE" dirty="0" err="1"/>
+              <a:t>cycle</a:t>
+            </a:r>
+            <a:endParaRPr lang="de-DE" dirty="0"/>
+          </a:p>
+          <a:p>
+            <a:r>
+              <a:rPr lang="de-DE" dirty="0"/>
+              <a:t>Mapping </a:t>
+            </a:r>
+            <a:r>
+              <a:rPr lang="de-DE" dirty="0" err="1"/>
+              <a:t>of</a:t>
+            </a:r>
+            <a:r>
+              <a:rPr lang="de-DE" dirty="0"/>
+              <a:t> </a:t>
+            </a:r>
+            <a:r>
+              <a:rPr lang="de-DE" dirty="0" err="1"/>
+              <a:t>limit</a:t>
+            </a:r>
+            <a:r>
+              <a:rPr lang="de-DE" dirty="0"/>
+              <a:t> </a:t>
+            </a:r>
+            <a:r>
+              <a:rPr lang="de-DE" dirty="0" err="1"/>
+              <a:t>cycle</a:t>
+            </a:r>
+            <a:r>
+              <a:rPr lang="de-DE" dirty="0"/>
+              <a:t> on </a:t>
+            </a:r>
+            <a:r>
+              <a:rPr lang="de-DE" dirty="0" err="1"/>
+              <a:t>unit</a:t>
+            </a:r>
+            <a:r>
+              <a:rPr lang="de-DE" dirty="0"/>
+              <a:t> </a:t>
+            </a:r>
+            <a:r>
+              <a:rPr lang="de-DE" dirty="0" err="1"/>
+              <a:t>circle</a:t>
+            </a:r>
+            <a:r>
+              <a:rPr lang="de-DE" dirty="0"/>
+              <a:t> </a:t>
+            </a:r>
+            <a:r>
+              <a:rPr lang="de-DE" dirty="0">
+                <a:sym typeface="Wingdings" panose="05000000000000000000" pitchFamily="2" charset="2"/>
+              </a:rPr>
+              <a:t> </a:t>
+            </a:r>
+            <a:r>
+              <a:rPr lang="de-DE" dirty="0" err="1">
+                <a:sym typeface="Wingdings" panose="05000000000000000000" pitchFamily="2" charset="2"/>
+              </a:rPr>
+              <a:t>reduced</a:t>
+            </a:r>
+            <a:r>
+              <a:rPr lang="de-DE" dirty="0">
+                <a:sym typeface="Wingdings" panose="05000000000000000000" pitchFamily="2" charset="2"/>
+              </a:rPr>
+              <a:t> </a:t>
+            </a:r>
+            <a:r>
+              <a:rPr lang="de-DE" dirty="0" err="1">
+                <a:sym typeface="Wingdings" panose="05000000000000000000" pitchFamily="2" charset="2"/>
+              </a:rPr>
+              <a:t>phase</a:t>
+            </a:r>
+            <a:r>
+              <a:rPr lang="de-DE" dirty="0">
+                <a:sym typeface="Wingdings" panose="05000000000000000000" pitchFamily="2" charset="2"/>
+              </a:rPr>
+              <a:t> </a:t>
+            </a:r>
+            <a:r>
+              <a:rPr lang="de-DE" dirty="0" err="1">
+                <a:sym typeface="Wingdings" panose="05000000000000000000" pitchFamily="2" charset="2"/>
+              </a:rPr>
+              <a:t>model</a:t>
+            </a:r>
+            <a:endParaRPr lang="de-DE" dirty="0">
+              <a:sym typeface="Wingdings" panose="05000000000000000000" pitchFamily="2" charset="2"/>
+            </a:endParaRPr>
+          </a:p>
+          <a:p>
+            <a:r>
+              <a:rPr lang="de-DE" dirty="0">
+                <a:sym typeface="Wingdings" panose="05000000000000000000" pitchFamily="2" charset="2"/>
+              </a:rPr>
+              <a:t>Kernel Density </a:t>
+            </a:r>
+            <a:r>
+              <a:rPr lang="de-DE">
+                <a:sym typeface="Wingdings" panose="05000000000000000000" pitchFamily="2" charset="2"/>
+              </a:rPr>
+              <a:t>Estimator</a:t>
+            </a:r>
             <a:endParaRPr lang="de-DE" dirty="0"/>
           </a:p>
         </p:txBody>
